--- a/Project presentation_deck.pptx
+++ b/Project presentation_deck.pptx
@@ -7270,14 +7270,19 @@
             <p:ph sz="quarter" idx="15"/>
           </p:nvPr>
         </p:nvSpPr>
-        <p:spPr/>
+        <p:spPr>
+          <a:xfrm>
+            <a:off x="274320" y="819149"/>
+            <a:ext cx="8316000" cy="3978275"/>
+          </a:xfrm>
+        </p:spPr>
         <p:txBody>
           <a:bodyPr/>
           <a:lstStyle/>
           <a:p>
             <a:r>
               <a:rPr lang="en-AU" dirty="0"/>
-              <a:t>Measure of union density for Forbes Top 100 employers</a:t>
+              <a:t>Measure of union density^ for Forbes Top 100 employers</a:t>
             </a:r>
           </a:p>
           <a:p>
@@ -7301,8 +7306,53 @@
           <a:p>
             <a:r>
               <a:rPr lang="en-AU" dirty="0"/>
-              <a:t>representation</a:t>
-            </a:r>
+              <a:t>Representation</a:t>
+            </a:r>
+          </a:p>
+          <a:p>
+            <a:endParaRPr lang="en-AU" dirty="0"/>
+          </a:p>
+          <a:p>
+            <a:endParaRPr lang="en-AU" dirty="0"/>
+          </a:p>
+          <a:p>
+            <a:endParaRPr lang="en-AU" dirty="0"/>
+          </a:p>
+          <a:p>
+            <a:endParaRPr lang="en-AU" dirty="0"/>
+          </a:p>
+          <a:p>
+            <a:endParaRPr lang="en-AU" dirty="0"/>
+          </a:p>
+          <a:p>
+            <a:endParaRPr lang="en-AU" dirty="0"/>
+          </a:p>
+          <a:p>
+            <a:endParaRPr lang="en-AU" dirty="0"/>
+          </a:p>
+          <a:p>
+            <a:r>
+              <a:rPr lang="en-AU" sz="1100" dirty="0"/>
+              <a:t>^ Union density : number of trade union members who are employees as a percentage of the total number of employees. Source : ILO Stats</a:t>
+            </a:r>
+          </a:p>
+          <a:p>
+            <a:endParaRPr lang="en-AU" dirty="0"/>
+          </a:p>
+          <a:p>
+            <a:endParaRPr lang="en-AU" dirty="0"/>
+          </a:p>
+          <a:p>
+            <a:endParaRPr lang="en-AU" dirty="0"/>
+          </a:p>
+          <a:p>
+            <a:endParaRPr lang="en-AU" dirty="0"/>
+          </a:p>
+          <a:p>
+            <a:endParaRPr lang="en-AU" dirty="0"/>
+          </a:p>
+          <a:p>
+            <a:endParaRPr lang="en-AU" dirty="0"/>
           </a:p>
           <a:p>
             <a:endParaRPr lang="en-AU" dirty="0"/>
@@ -7366,7 +7416,7 @@
         </p:blipFill>
         <p:spPr>
           <a:xfrm>
-            <a:off x="3535578" y="1357350"/>
+            <a:off x="3535578" y="1123950"/>
             <a:ext cx="4115884" cy="3312000"/>
           </a:xfrm>
           <a:prstGeom prst="rect">
@@ -7448,14 +7498,19 @@
             <p:ph sz="quarter" idx="15"/>
           </p:nvPr>
         </p:nvSpPr>
-        <p:spPr/>
+        <p:spPr>
+          <a:xfrm>
+            <a:off x="274320" y="819149"/>
+            <a:ext cx="8316000" cy="4100089"/>
+          </a:xfrm>
+        </p:spPr>
         <p:txBody>
           <a:bodyPr/>
           <a:lstStyle/>
           <a:p>
             <a:r>
               <a:rPr lang="en-AU" dirty="0"/>
-              <a:t>Measure of union density for Forbes Top 100 employers</a:t>
+              <a:t>Measure of union density^ for Forbes Top 100 employers</a:t>
             </a:r>
           </a:p>
           <a:p>
@@ -7510,6 +7565,27 @@
             </a:r>
           </a:p>
           <a:p>
+            <a:endParaRPr lang="en-AU" dirty="0"/>
+          </a:p>
+          <a:p>
+            <a:endParaRPr lang="en-AU" dirty="0"/>
+          </a:p>
+          <a:p>
+            <a:endParaRPr lang="en-AU" dirty="0"/>
+          </a:p>
+          <a:p>
+            <a:r>
+              <a:rPr lang="en-AU" sz="1100" dirty="0"/>
+              <a:t>^ Union density : number of trade union members who are employees as a percentage of the total number of employees</a:t>
+            </a:r>
+            <a:r>
+              <a:rPr lang="en-AU" dirty="0"/>
+              <a:t>. </a:t>
+            </a:r>
+            <a:r>
+              <a:rPr lang="en-AU" sz="1100" dirty="0"/>
+              <a:t>Source : ILO Stats</a:t>
+            </a:r>
             <a:endParaRPr lang="en-AU" dirty="0"/>
           </a:p>
         </p:txBody>
@@ -7563,16 +7639,15 @@
           </p:cNvPicPr>
           <p:nvPr/>
         </p:nvPicPr>
-        <p:blipFill>
+        <p:blipFill rotWithShape="1">
           <a:blip r:embed="rId3"/>
-          <a:stretch>
-            <a:fillRect/>
-          </a:stretch>
+          <a:srcRect b="5122"/>
+          <a:stretch/>
         </p:blipFill>
         <p:spPr>
           <a:xfrm>
-            <a:off x="3581400" y="1342285"/>
-            <a:ext cx="4051097" cy="3384000"/>
+            <a:off x="3581400" y="1123950"/>
+            <a:ext cx="4051097" cy="3210665"/>
           </a:xfrm>
           <a:prstGeom prst="rect">
             <a:avLst/>

--- a/Project presentation_deck.pptx
+++ b/Project presentation_deck.pptx
@@ -5,7 +5,7 @@
     <p:sldMasterId id="2147483648" r:id="rId1"/>
   </p:sldMasterIdLst>
   <p:notesMasterIdLst>
-    <p:notesMasterId r:id="rId22"/>
+    <p:notesMasterId r:id="rId20"/>
   </p:notesMasterIdLst>
   <p:sldIdLst>
     <p:sldId id="256" r:id="rId2"/>
@@ -14,20 +14,18 @@
     <p:sldId id="273" r:id="rId5"/>
     <p:sldId id="274" r:id="rId6"/>
     <p:sldId id="275" r:id="rId7"/>
-    <p:sldId id="276" r:id="rId8"/>
-    <p:sldId id="277" r:id="rId9"/>
-    <p:sldId id="278" r:id="rId10"/>
-    <p:sldId id="279" r:id="rId11"/>
-    <p:sldId id="260" r:id="rId12"/>
-    <p:sldId id="266" r:id="rId13"/>
-    <p:sldId id="264" r:id="rId14"/>
-    <p:sldId id="267" r:id="rId15"/>
-    <p:sldId id="268" r:id="rId16"/>
-    <p:sldId id="269" r:id="rId17"/>
-    <p:sldId id="270" r:id="rId18"/>
-    <p:sldId id="262" r:id="rId19"/>
-    <p:sldId id="271" r:id="rId20"/>
-    <p:sldId id="265" r:id="rId21"/>
+    <p:sldId id="277" r:id="rId8"/>
+    <p:sldId id="279" r:id="rId9"/>
+    <p:sldId id="260" r:id="rId10"/>
+    <p:sldId id="266" r:id="rId11"/>
+    <p:sldId id="264" r:id="rId12"/>
+    <p:sldId id="267" r:id="rId13"/>
+    <p:sldId id="268" r:id="rId14"/>
+    <p:sldId id="269" r:id="rId15"/>
+    <p:sldId id="270" r:id="rId16"/>
+    <p:sldId id="262" r:id="rId17"/>
+    <p:sldId id="271" r:id="rId18"/>
+    <p:sldId id="265" r:id="rId19"/>
   </p:sldIdLst>
   <p:sldSz cx="9144000" cy="5143500" type="screen16x9"/>
   <p:notesSz cx="9144000" cy="5143500"/>
@@ -137,7 +135,7 @@
           <a:p>
             <a:fld id="{4826C7FF-12A9-4763-9657-1C9C35352C1C}" type="datetimeFigureOut">
               <a:rPr lang="en-AU" smtClean="0"/>
-              <a:t>17/1/2023</a:t>
+              <a:t>17/01/2023</a:t>
             </a:fld>
             <a:endParaRPr lang="en-AU"/>
           </a:p>
@@ -616,7 +614,7 @@
             </a:pPr>
             <a:r>
               <a:rPr lang="en-US" b="1" dirty="0"/>
-              <a:t>Our approach part 2: </a:t>
+              <a:t>Our approach part 2:</a:t>
             </a:r>
           </a:p>
           <a:p>
@@ -639,7 +637,7 @@
             </a:pPr>
             <a:r>
               <a:rPr lang="en-US" b="0" dirty="0"/>
-              <a:t>For Aerospace &amp; Defense : 6 preferred employers against sector of 23 companies</a:t>
+              <a:t>For Pharmaceuticals &amp; Biotech: 4 preferred employers against sector of 230 companies</a:t>
             </a:r>
           </a:p>
           <a:p>
@@ -666,7 +664,7 @@
             </a:r>
             <a:r>
               <a:rPr lang="en-US" b="1" dirty="0"/>
-              <a:t>Aerospace &amp; Defense sector </a:t>
+              <a:t>Pharmaceuticals &amp; Biotech sector </a:t>
             </a:r>
             <a:r>
               <a:rPr lang="en-US" dirty="0"/>
@@ -678,7 +676,7 @@
             </a:r>
             <a:r>
               <a:rPr lang="en-US" dirty="0"/>
-              <a:t> relative to peers, with median ROE 36% - and lower quartile ROE 20% - v median ROE 9% for peers.</a:t>
+              <a:t> relative to peers, with median ROE 35% - and lower quartile ROE 25% - v median ROE -50% for peers.</a:t>
             </a:r>
             <a:endParaRPr lang="en-US" b="0" dirty="0"/>
           </a:p>
@@ -700,7 +698,10 @@
               <a:tabLst/>
               <a:defRPr/>
             </a:pPr>
-            <a:endParaRPr lang="en-US" b="0" dirty="0"/>
+            <a:r>
+              <a:rPr lang="en-US" b="0" dirty="0"/>
+              <a:t>For sectors with 3 or more employers represented in the Forbes ranking (4 sectors) the performance of preferred employers as measured by ROE is significantly above that of the sector peers. Preliminary statistical independent t-test analysis confirms this. More work required.</a:t>
+            </a:r>
           </a:p>
         </p:txBody>
       </p:sp>
@@ -721,7 +722,7 @@
           <a:p>
             <a:fld id="{79665B4F-CFD9-9646-8FE1-0E4B54158734}" type="slidenum">
               <a:rPr lang="en-US" smtClean="0"/>
-              <a:t>16</a:t>
+              <a:t>15</a:t>
             </a:fld>
             <a:endParaRPr lang="en-US"/>
           </a:p>
@@ -730,7 +731,7 @@
     </p:spTree>
     <p:extLst>
       <p:ext uri="{BB962C8B-B14F-4D97-AF65-F5344CB8AC3E}">
-        <p14:creationId xmlns:p14="http://schemas.microsoft.com/office/powerpoint/2010/main" val="2122129351"/>
+        <p14:creationId xmlns:p14="http://schemas.microsoft.com/office/powerpoint/2010/main" val="1043767180"/>
       </p:ext>
     </p:extLst>
   </p:cSld>
@@ -803,7 +804,11 @@
             </a:pPr>
             <a:r>
               <a:rPr lang="en-US" b="1" dirty="0"/>
-              <a:t>Our approach part 2:</a:t>
+              <a:t>Our approach part 3: </a:t>
+            </a:r>
+            <a:r>
+              <a:rPr lang="en-US" b="0" dirty="0"/>
+              <a:t>Many countries represented in the top 100 (though mostly US and Germany)</a:t>
             </a:r>
           </a:p>
           <a:p>
@@ -826,7 +831,7 @@
             </a:pPr>
             <a:r>
               <a:rPr lang="en-US" b="0" dirty="0"/>
-              <a:t>For Pharmaceuticals &amp; Biotech: 4 preferred employers against sector of 230 companies</a:t>
+              <a:t>	Geographic/Demographic factors</a:t>
             </a:r>
           </a:p>
           <a:p>
@@ -848,48 +853,8 @@
               <a:defRPr/>
             </a:pPr>
             <a:r>
-              <a:rPr lang="en-US" dirty="0"/>
-              <a:t>Observation: Acclaimed employers in the </a:t>
-            </a:r>
-            <a:r>
-              <a:rPr lang="en-US" b="1" dirty="0"/>
-              <a:t>Pharmaceuticals &amp; Biotech sector </a:t>
-            </a:r>
-            <a:r>
-              <a:rPr lang="en-US" dirty="0"/>
-              <a:t>have </a:t>
-            </a:r>
-            <a:r>
-              <a:rPr lang="en-US" b="1" dirty="0"/>
-              <a:t>superior ROE</a:t>
-            </a:r>
-            <a:r>
-              <a:rPr lang="en-US" dirty="0"/>
-              <a:t> relative to peers, with median ROE 35% - and lower quartile ROE 25% - v median ROE -50% for peers.</a:t>
-            </a:r>
-            <a:endParaRPr lang="en-US" b="0" dirty="0"/>
-          </a:p>
-          <a:p>
-            <a:pPr marL="0" marR="0" lvl="0" indent="0" algn="l" defTabSz="914400" rtl="0" eaLnBrk="1" fontAlgn="auto" latinLnBrk="0" hangingPunct="1">
-              <a:lnSpc>
-                <a:spcPct val="100000"/>
-              </a:lnSpc>
-              <a:spcBef>
-                <a:spcPts val="0"/>
-              </a:spcBef>
-              <a:spcAft>
-                <a:spcPts val="0"/>
-              </a:spcAft>
-              <a:buClrTx/>
-              <a:buSzTx/>
-              <a:buFontTx/>
-              <a:buNone/>
-              <a:tabLst/>
-              <a:defRPr/>
-            </a:pPr>
-            <a:r>
               <a:rPr lang="en-US" b="0" dirty="0"/>
-              <a:t>For sectors with 3 or more employers represented in the Forbes ranking (4 sectors) the performance of preferred employers as measured by ROE is significantly above that of the sector peers. Preliminary statistical independent t-test analysis confirms this. More work required.</a:t>
+              <a:t>	Is there something about employees from these countries that predisposed them to feel a certain way about their employers</a:t>
             </a:r>
           </a:p>
         </p:txBody>
@@ -911,7 +876,7 @@
           <a:p>
             <a:fld id="{79665B4F-CFD9-9646-8FE1-0E4B54158734}" type="slidenum">
               <a:rPr lang="en-US" smtClean="0"/>
-              <a:t>17</a:t>
+              <a:t>16</a:t>
             </a:fld>
             <a:endParaRPr lang="en-US"/>
           </a:p>
@@ -920,7 +885,7 @@
     </p:spTree>
     <p:extLst>
       <p:ext uri="{BB962C8B-B14F-4D97-AF65-F5344CB8AC3E}">
-        <p14:creationId xmlns:p14="http://schemas.microsoft.com/office/powerpoint/2010/main" val="1043767180"/>
+        <p14:creationId xmlns:p14="http://schemas.microsoft.com/office/powerpoint/2010/main" val="3908953611"/>
       </p:ext>
     </p:extLst>
   </p:cSld>
@@ -1065,7 +1030,7 @@
           <a:p>
             <a:fld id="{79665B4F-CFD9-9646-8FE1-0E4B54158734}" type="slidenum">
               <a:rPr lang="en-US" smtClean="0"/>
-              <a:t>18</a:t>
+              <a:t>17</a:t>
             </a:fld>
             <a:endParaRPr lang="en-US"/>
           </a:p>
@@ -1074,7 +1039,7 @@
     </p:spTree>
     <p:extLst>
       <p:ext uri="{BB962C8B-B14F-4D97-AF65-F5344CB8AC3E}">
-        <p14:creationId xmlns:p14="http://schemas.microsoft.com/office/powerpoint/2010/main" val="3908953611"/>
+        <p14:creationId xmlns:p14="http://schemas.microsoft.com/office/powerpoint/2010/main" val="974907642"/>
       </p:ext>
     </p:extLst>
   </p:cSld>
@@ -1128,160 +1093,6 @@
           <a:bodyPr/>
           <a:lstStyle/>
           <a:p>
-            <a:pPr marL="0" marR="0" lvl="0" indent="0" algn="l" defTabSz="914400" rtl="0" eaLnBrk="1" fontAlgn="auto" latinLnBrk="0" hangingPunct="1">
-              <a:lnSpc>
-                <a:spcPct val="100000"/>
-              </a:lnSpc>
-              <a:spcBef>
-                <a:spcPts val="0"/>
-              </a:spcBef>
-              <a:spcAft>
-                <a:spcPts val="0"/>
-              </a:spcAft>
-              <a:buClrTx/>
-              <a:buSzTx/>
-              <a:buFontTx/>
-              <a:buNone/>
-              <a:tabLst/>
-              <a:defRPr/>
-            </a:pPr>
-            <a:r>
-              <a:rPr lang="en-US" b="1" dirty="0"/>
-              <a:t>Our approach part 3: </a:t>
-            </a:r>
-            <a:r>
-              <a:rPr lang="en-US" b="0" dirty="0"/>
-              <a:t>Many countries represented in the top 100 (though mostly US and Germany)</a:t>
-            </a:r>
-          </a:p>
-          <a:p>
-            <a:pPr marL="0" marR="0" lvl="0" indent="0" algn="l" defTabSz="914400" rtl="0" eaLnBrk="1" fontAlgn="auto" latinLnBrk="0" hangingPunct="1">
-              <a:lnSpc>
-                <a:spcPct val="100000"/>
-              </a:lnSpc>
-              <a:spcBef>
-                <a:spcPts val="0"/>
-              </a:spcBef>
-              <a:spcAft>
-                <a:spcPts val="0"/>
-              </a:spcAft>
-              <a:buClrTx/>
-              <a:buSzTx/>
-              <a:buFontTx/>
-              <a:buNone/>
-              <a:tabLst/>
-              <a:defRPr/>
-            </a:pPr>
-            <a:r>
-              <a:rPr lang="en-US" b="0" dirty="0"/>
-              <a:t>	Geographic/Demographic factors</a:t>
-            </a:r>
-          </a:p>
-          <a:p>
-            <a:pPr marL="0" marR="0" lvl="0" indent="0" algn="l" defTabSz="914400" rtl="0" eaLnBrk="1" fontAlgn="auto" latinLnBrk="0" hangingPunct="1">
-              <a:lnSpc>
-                <a:spcPct val="100000"/>
-              </a:lnSpc>
-              <a:spcBef>
-                <a:spcPts val="0"/>
-              </a:spcBef>
-              <a:spcAft>
-                <a:spcPts val="0"/>
-              </a:spcAft>
-              <a:buClrTx/>
-              <a:buSzTx/>
-              <a:buFontTx/>
-              <a:buNone/>
-              <a:tabLst/>
-              <a:defRPr/>
-            </a:pPr>
-            <a:r>
-              <a:rPr lang="en-US" b="0" dirty="0"/>
-              <a:t>	Is there something about employees from these countries that predisposed them to feel a certain way about their employers</a:t>
-            </a:r>
-          </a:p>
-        </p:txBody>
-      </p:sp>
-      <p:sp>
-        <p:nvSpPr>
-          <p:cNvPr id="4" name="Slide Number Placeholder 3"/>
-          <p:cNvSpPr>
-            <a:spLocks noGrp="1"/>
-          </p:cNvSpPr>
-          <p:nvPr>
-            <p:ph type="sldNum" sz="quarter" idx="5"/>
-          </p:nvPr>
-        </p:nvSpPr>
-        <p:spPr/>
-        <p:txBody>
-          <a:bodyPr/>
-          <a:lstStyle/>
-          <a:p>
-            <a:fld id="{79665B4F-CFD9-9646-8FE1-0E4B54158734}" type="slidenum">
-              <a:rPr lang="en-US" smtClean="0"/>
-              <a:t>19</a:t>
-            </a:fld>
-            <a:endParaRPr lang="en-US"/>
-          </a:p>
-        </p:txBody>
-      </p:sp>
-    </p:spTree>
-    <p:extLst>
-      <p:ext uri="{BB962C8B-B14F-4D97-AF65-F5344CB8AC3E}">
-        <p14:creationId xmlns:p14="http://schemas.microsoft.com/office/powerpoint/2010/main" val="974907642"/>
-      </p:ext>
-    </p:extLst>
-  </p:cSld>
-  <p:clrMapOvr>
-    <a:masterClrMapping/>
-  </p:clrMapOvr>
-</p:notes>
-</file>
-
-<file path=ppt/notesSlides/notesSlide14.xml><?xml version="1.0" encoding="utf-8"?>
-<p:notes xmlns:a="http://schemas.openxmlformats.org/drawingml/2006/main" xmlns:r="http://schemas.openxmlformats.org/officeDocument/2006/relationships" xmlns:p="http://schemas.openxmlformats.org/presentationml/2006/main">
-  <p:cSld>
-    <p:spTree>
-      <p:nvGrpSpPr>
-        <p:cNvPr id="1" name=""/>
-        <p:cNvGrpSpPr/>
-        <p:nvPr/>
-      </p:nvGrpSpPr>
-      <p:grpSpPr>
-        <a:xfrm>
-          <a:off x="0" y="0"/>
-          <a:ext cx="0" cy="0"/>
-          <a:chOff x="0" y="0"/>
-          <a:chExt cx="0" cy="0"/>
-        </a:xfrm>
-      </p:grpSpPr>
-      <p:sp>
-        <p:nvSpPr>
-          <p:cNvPr id="2" name="Slide Image Placeholder 1"/>
-          <p:cNvSpPr>
-            <a:spLocks noGrp="1" noRot="1" noChangeAspect="1"/>
-          </p:cNvSpPr>
-          <p:nvPr>
-            <p:ph type="sldImg"/>
-          </p:nvPr>
-        </p:nvSpPr>
-        <p:spPr/>
-      </p:sp>
-      <p:sp>
-        <p:nvSpPr>
-          <p:cNvPr id="3" name="Notes Placeholder 2"/>
-          <p:cNvSpPr>
-            <a:spLocks noGrp="1"/>
-          </p:cNvSpPr>
-          <p:nvPr>
-            <p:ph type="body" idx="1"/>
-          </p:nvPr>
-        </p:nvSpPr>
-        <p:spPr/>
-        <p:txBody>
-          <a:bodyPr/>
-          <a:lstStyle/>
-          <a:p>
             <a:r>
               <a:rPr lang="en-AU" dirty="0">
                 <a:effectLst/>
@@ -1401,7 +1212,7 @@
           <a:p>
             <a:fld id="{B218123B-D959-4832-8E02-3B88859AFBD8}" type="slidenum">
               <a:rPr lang="en-AU" smtClean="0"/>
-              <a:t>20</a:t>
+              <a:t>18</a:t>
             </a:fld>
             <a:endParaRPr lang="en-AU"/>
           </a:p>
@@ -1682,7 +1493,270 @@
           <a:bodyPr/>
           <a:lstStyle/>
           <a:p>
-            <a:endParaRPr lang="en-AU" dirty="0"/>
+            <a:pPr marL="0" marR="0" lvl="0" indent="0" algn="l" defTabSz="914400" rtl="0" eaLnBrk="1" fontAlgn="auto" latinLnBrk="0" hangingPunct="1">
+              <a:lnSpc>
+                <a:spcPct val="100000"/>
+              </a:lnSpc>
+              <a:spcBef>
+                <a:spcPts val="0"/>
+              </a:spcBef>
+              <a:spcAft>
+                <a:spcPts val="0"/>
+              </a:spcAft>
+              <a:buClrTx/>
+              <a:buSzTx/>
+              <a:buFontTx/>
+              <a:buNone/>
+              <a:tabLst/>
+              <a:defRPr/>
+            </a:pPr>
+            <a:r>
+              <a:rPr lang="en-US" b="1" dirty="0"/>
+              <a:t>Our approach part 1: </a:t>
+            </a:r>
+            <a:r>
+              <a:rPr lang="en-US" b="0" dirty="0"/>
+              <a:t>bringing in finance data via the ticker code so see whether success as an acclaimed employer converts to financial performance.</a:t>
+            </a:r>
+          </a:p>
+          <a:p>
+            <a:pPr marL="0" marR="0" lvl="0" indent="0" algn="l" defTabSz="914400" rtl="0" eaLnBrk="1" fontAlgn="auto" latinLnBrk="0" hangingPunct="1">
+              <a:lnSpc>
+                <a:spcPct val="100000"/>
+              </a:lnSpc>
+              <a:spcBef>
+                <a:spcPts val="0"/>
+              </a:spcBef>
+              <a:spcAft>
+                <a:spcPts val="0"/>
+              </a:spcAft>
+              <a:buClrTx/>
+              <a:buSzTx/>
+              <a:buFontTx/>
+              <a:buNone/>
+              <a:tabLst/>
+              <a:defRPr/>
+            </a:pPr>
+            <a:r>
+              <a:rPr lang="en-US" b="0" dirty="0"/>
+              <a:t>Yahoo Finance library wrapper.</a:t>
+            </a:r>
+          </a:p>
+          <a:p>
+            <a:pPr marL="0" marR="0" lvl="0" indent="0" algn="l" defTabSz="914400" rtl="0" eaLnBrk="1" fontAlgn="auto" latinLnBrk="0" hangingPunct="1">
+              <a:lnSpc>
+                <a:spcPct val="100000"/>
+              </a:lnSpc>
+              <a:spcBef>
+                <a:spcPts val="0"/>
+              </a:spcBef>
+              <a:spcAft>
+                <a:spcPts val="0"/>
+              </a:spcAft>
+              <a:buClrTx/>
+              <a:buSzTx/>
+              <a:buFontTx/>
+              <a:buNone/>
+              <a:tabLst/>
+              <a:defRPr/>
+            </a:pPr>
+            <a:r>
+              <a:rPr lang="en-US" b="0" dirty="0"/>
+              <a:t>Financial metrics: </a:t>
+            </a:r>
+          </a:p>
+          <a:p>
+            <a:pPr marL="0" marR="0" lvl="0" indent="0" algn="l" defTabSz="914400" rtl="0" eaLnBrk="1" fontAlgn="auto" latinLnBrk="0" hangingPunct="1">
+              <a:lnSpc>
+                <a:spcPct val="100000"/>
+              </a:lnSpc>
+              <a:spcBef>
+                <a:spcPts val="0"/>
+              </a:spcBef>
+              <a:spcAft>
+                <a:spcPts val="0"/>
+              </a:spcAft>
+              <a:buClrTx/>
+              <a:buSzTx/>
+              <a:buFontTx/>
+              <a:buNone/>
+              <a:tabLst/>
+              <a:defRPr/>
+            </a:pPr>
+            <a:r>
+              <a:rPr lang="en-US" b="0" dirty="0"/>
+              <a:t>	12-month stock performance, ROE (shareholder value), </a:t>
+            </a:r>
+          </a:p>
+          <a:p>
+            <a:pPr marL="0" marR="0" lvl="0" indent="0" algn="l" defTabSz="914400" rtl="0" eaLnBrk="1" fontAlgn="auto" latinLnBrk="0" hangingPunct="1">
+              <a:lnSpc>
+                <a:spcPct val="100000"/>
+              </a:lnSpc>
+              <a:spcBef>
+                <a:spcPts val="0"/>
+              </a:spcBef>
+              <a:spcAft>
+                <a:spcPts val="0"/>
+              </a:spcAft>
+              <a:buClrTx/>
+              <a:buSzTx/>
+              <a:buFontTx/>
+              <a:buNone/>
+              <a:tabLst/>
+              <a:defRPr/>
+            </a:pPr>
+            <a:r>
+              <a:rPr lang="en-US" b="0" dirty="0"/>
+              <a:t>	average of analyst recommendations (1 strong buy, 5 strong sell), operating income per all available in the </a:t>
+            </a:r>
+            <a:r>
+              <a:rPr lang="en-US" b="0" dirty="0" err="1"/>
+              <a:t>yf.ticker.info</a:t>
+            </a:r>
+            <a:r>
+              <a:rPr lang="en-US" b="0" dirty="0"/>
+              <a:t> method.</a:t>
+            </a:r>
+          </a:p>
+          <a:p>
+            <a:pPr marL="0" marR="0" lvl="0" indent="0" algn="l" defTabSz="914400" rtl="0" eaLnBrk="1" fontAlgn="auto" latinLnBrk="0" hangingPunct="1">
+              <a:lnSpc>
+                <a:spcPct val="100000"/>
+              </a:lnSpc>
+              <a:spcBef>
+                <a:spcPts val="0"/>
+              </a:spcBef>
+              <a:spcAft>
+                <a:spcPts val="0"/>
+              </a:spcAft>
+              <a:buClrTx/>
+              <a:buSzTx/>
+              <a:buFontTx/>
+              <a:buNone/>
+              <a:tabLst/>
+              <a:defRPr/>
+            </a:pPr>
+            <a:r>
+              <a:rPr lang="en-US" b="0" dirty="0"/>
+              <a:t>Results (raw) : </a:t>
+            </a:r>
+          </a:p>
+          <a:p>
+            <a:pPr marL="0" marR="0" lvl="0" indent="0" algn="l" defTabSz="914400" rtl="0" eaLnBrk="1" fontAlgn="auto" latinLnBrk="0" hangingPunct="1">
+              <a:lnSpc>
+                <a:spcPct val="100000"/>
+              </a:lnSpc>
+              <a:spcBef>
+                <a:spcPts val="0"/>
+              </a:spcBef>
+              <a:spcAft>
+                <a:spcPts val="0"/>
+              </a:spcAft>
+              <a:buClrTx/>
+              <a:buSzTx/>
+              <a:buFontTx/>
+              <a:buNone/>
+              <a:tabLst/>
+              <a:defRPr/>
+            </a:pPr>
+            <a:r>
+              <a:rPr lang="en-US" b="0" dirty="0"/>
+              <a:t>Appears to be no correlation between ranking in the top 100, and financial performance.</a:t>
+            </a:r>
+          </a:p>
+          <a:p>
+            <a:pPr marL="0" marR="0" lvl="0" indent="0" algn="l" defTabSz="914400" rtl="0" eaLnBrk="1" fontAlgn="auto" latinLnBrk="0" hangingPunct="1">
+              <a:lnSpc>
+                <a:spcPct val="100000"/>
+              </a:lnSpc>
+              <a:spcBef>
+                <a:spcPts val="0"/>
+              </a:spcBef>
+              <a:spcAft>
+                <a:spcPts val="0"/>
+              </a:spcAft>
+              <a:buClrTx/>
+              <a:buSzTx/>
+              <a:buFontTx/>
+              <a:buNone/>
+              <a:tabLst/>
+              <a:defRPr/>
+            </a:pPr>
+            <a:r>
+              <a:rPr lang="en-US" b="0" dirty="0"/>
+              <a:t>	Already 100 high performing companies, multinationals, likely got in that position by being financially sound.</a:t>
+            </a:r>
+          </a:p>
+          <a:p>
+            <a:pPr marL="0" marR="0" lvl="0" indent="0" algn="l" defTabSz="914400" rtl="0" eaLnBrk="1" fontAlgn="auto" latinLnBrk="0" hangingPunct="1">
+              <a:lnSpc>
+                <a:spcPct val="100000"/>
+              </a:lnSpc>
+              <a:spcBef>
+                <a:spcPts val="0"/>
+              </a:spcBef>
+              <a:spcAft>
+                <a:spcPts val="0"/>
+              </a:spcAft>
+              <a:buClrTx/>
+              <a:buSzTx/>
+              <a:buFontTx/>
+              <a:buNone/>
+              <a:tabLst/>
+              <a:defRPr/>
+            </a:pPr>
+            <a:r>
+              <a:rPr lang="en-US" b="0" dirty="0"/>
+              <a:t>Results (standardized): </a:t>
+            </a:r>
+          </a:p>
+          <a:p>
+            <a:pPr marL="0" marR="0" lvl="0" indent="0" algn="l" defTabSz="914400" rtl="0" eaLnBrk="1" fontAlgn="auto" latinLnBrk="0" hangingPunct="1">
+              <a:lnSpc>
+                <a:spcPct val="100000"/>
+              </a:lnSpc>
+              <a:spcBef>
+                <a:spcPts val="0"/>
+              </a:spcBef>
+              <a:spcAft>
+                <a:spcPts val="0"/>
+              </a:spcAft>
+              <a:buClrTx/>
+              <a:buSzTx/>
+              <a:buFontTx/>
+              <a:buNone/>
+              <a:tabLst/>
+              <a:defRPr/>
+            </a:pPr>
+            <a:r>
+              <a:rPr lang="en-US" b="0" dirty="0"/>
+              <a:t>	Cluster around mean, particularly ROE. </a:t>
+            </a:r>
+          </a:p>
+          <a:p>
+            <a:pPr marL="0" marR="0" lvl="0" indent="0" algn="l" defTabSz="914400" rtl="0" eaLnBrk="1" fontAlgn="auto" latinLnBrk="0" hangingPunct="1">
+              <a:lnSpc>
+                <a:spcPct val="100000"/>
+              </a:lnSpc>
+              <a:spcBef>
+                <a:spcPts val="0"/>
+              </a:spcBef>
+              <a:spcAft>
+                <a:spcPts val="0"/>
+              </a:spcAft>
+              <a:buClrTx/>
+              <a:buSzTx/>
+              <a:buFontTx/>
+              <a:buNone/>
+              <a:tabLst/>
+              <a:defRPr/>
+            </a:pPr>
+            <a:r>
+              <a:rPr lang="en-US" b="0" dirty="0"/>
+              <a:t>	Stock price contained more variation, this may have to do with broader sector performance	</a:t>
+            </a:r>
+            <a:endParaRPr lang="en-US" dirty="0"/>
           </a:p>
         </p:txBody>
       </p:sp>
@@ -1701,18 +1775,18 @@
           <a:bodyPr/>
           <a:lstStyle/>
           <a:p>
-            <a:fld id="{B218123B-D959-4832-8E02-3B88859AFBD8}" type="slidenum">
-              <a:rPr lang="en-AU" smtClean="0"/>
-              <a:t>7</a:t>
+            <a:fld id="{79665B4F-CFD9-9646-8FE1-0E4B54158734}" type="slidenum">
+              <a:rPr lang="en-US" smtClean="0"/>
+              <a:t>9</a:t>
             </a:fld>
-            <a:endParaRPr lang="en-AU"/>
+            <a:endParaRPr lang="en-US"/>
           </a:p>
         </p:txBody>
       </p:sp>
     </p:spTree>
     <p:extLst>
       <p:ext uri="{BB962C8B-B14F-4D97-AF65-F5344CB8AC3E}">
-        <p14:creationId xmlns:p14="http://schemas.microsoft.com/office/powerpoint/2010/main" val="3033911770"/>
+        <p14:creationId xmlns:p14="http://schemas.microsoft.com/office/powerpoint/2010/main" val="3701858515"/>
       </p:ext>
     </p:extLst>
   </p:cSld>
@@ -2027,7 +2101,30 @@
             </a:pPr>
             <a:r>
               <a:rPr lang="en-US" b="0" dirty="0"/>
-              <a:t>	Stock price contained more variation, this may have to do with broader sector performance	</a:t>
+              <a:t>	Stock price contained more variation, this may have to do with broader sector performance.</a:t>
+            </a:r>
+          </a:p>
+          <a:p>
+            <a:pPr marL="0" marR="0" lvl="0" indent="0" algn="l" defTabSz="914400" rtl="0" eaLnBrk="1" fontAlgn="auto" latinLnBrk="0" hangingPunct="1">
+              <a:lnSpc>
+                <a:spcPct val="100000"/>
+              </a:lnSpc>
+              <a:spcBef>
+                <a:spcPts val="0"/>
+              </a:spcBef>
+              <a:spcAft>
+                <a:spcPts val="0"/>
+              </a:spcAft>
+              <a:buClrTx/>
+              <a:buSzTx/>
+              <a:buFontTx/>
+              <a:buNone/>
+              <a:tabLst/>
+              <a:defRPr/>
+            </a:pPr>
+            <a:r>
+              <a:rPr lang="en-US" b="0" dirty="0"/>
+              <a:t>	</a:t>
             </a:r>
             <a:endParaRPr lang="en-US" dirty="0"/>
           </a:p>
@@ -2050,7 +2147,7 @@
           <a:p>
             <a:fld id="{79665B4F-CFD9-9646-8FE1-0E4B54158734}" type="slidenum">
               <a:rPr lang="en-US" smtClean="0"/>
-              <a:t>11</a:t>
+              <a:t>10</a:t>
             </a:fld>
             <a:endParaRPr lang="en-US"/>
           </a:p>
@@ -2059,7 +2156,7 @@
     </p:spTree>
     <p:extLst>
       <p:ext uri="{BB962C8B-B14F-4D97-AF65-F5344CB8AC3E}">
-        <p14:creationId xmlns:p14="http://schemas.microsoft.com/office/powerpoint/2010/main" val="3701858515"/>
+        <p14:creationId xmlns:p14="http://schemas.microsoft.com/office/powerpoint/2010/main" val="3281730388"/>
       </p:ext>
     </p:extLst>
   </p:cSld>
@@ -2132,274 +2229,12 @@
             </a:pPr>
             <a:r>
               <a:rPr lang="en-US" b="1" dirty="0"/>
-              <a:t>Our approach part 1: </a:t>
+              <a:t>Our approach part 2: </a:t>
             </a:r>
             <a:r>
               <a:rPr lang="en-US" b="0" dirty="0"/>
-              <a:t>bringing in finance data via the ticker code so see whether success as an acclaimed employer converts to financial performance.</a:t>
-            </a:r>
-          </a:p>
-          <a:p>
-            <a:pPr marL="0" marR="0" lvl="0" indent="0" algn="l" defTabSz="914400" rtl="0" eaLnBrk="1" fontAlgn="auto" latinLnBrk="0" hangingPunct="1">
-              <a:lnSpc>
-                <a:spcPct val="100000"/>
-              </a:lnSpc>
-              <a:spcBef>
-                <a:spcPts val="0"/>
-              </a:spcBef>
-              <a:spcAft>
-                <a:spcPts val="0"/>
-              </a:spcAft>
-              <a:buClrTx/>
-              <a:buSzTx/>
-              <a:buFontTx/>
-              <a:buNone/>
-              <a:tabLst/>
-              <a:defRPr/>
-            </a:pPr>
-            <a:r>
-              <a:rPr lang="en-US" b="0" dirty="0"/>
-              <a:t>Yahoo Finance library wrapper.</a:t>
-            </a:r>
-          </a:p>
-          <a:p>
-            <a:pPr marL="0" marR="0" lvl="0" indent="0" algn="l" defTabSz="914400" rtl="0" eaLnBrk="1" fontAlgn="auto" latinLnBrk="0" hangingPunct="1">
-              <a:lnSpc>
-                <a:spcPct val="100000"/>
-              </a:lnSpc>
-              <a:spcBef>
-                <a:spcPts val="0"/>
-              </a:spcBef>
-              <a:spcAft>
-                <a:spcPts val="0"/>
-              </a:spcAft>
-              <a:buClrTx/>
-              <a:buSzTx/>
-              <a:buFontTx/>
-              <a:buNone/>
-              <a:tabLst/>
-              <a:defRPr/>
-            </a:pPr>
-            <a:r>
-              <a:rPr lang="en-US" b="0" dirty="0"/>
-              <a:t>Financial metrics: </a:t>
-            </a:r>
-          </a:p>
-          <a:p>
-            <a:pPr marL="0" marR="0" lvl="0" indent="0" algn="l" defTabSz="914400" rtl="0" eaLnBrk="1" fontAlgn="auto" latinLnBrk="0" hangingPunct="1">
-              <a:lnSpc>
-                <a:spcPct val="100000"/>
-              </a:lnSpc>
-              <a:spcBef>
-                <a:spcPts val="0"/>
-              </a:spcBef>
-              <a:spcAft>
-                <a:spcPts val="0"/>
-              </a:spcAft>
-              <a:buClrTx/>
-              <a:buSzTx/>
-              <a:buFontTx/>
-              <a:buNone/>
-              <a:tabLst/>
-              <a:defRPr/>
-            </a:pPr>
-            <a:r>
-              <a:rPr lang="en-US" b="0" dirty="0"/>
-              <a:t>	12-month stock performance, ROE (shareholder value), </a:t>
-            </a:r>
-          </a:p>
-          <a:p>
-            <a:pPr marL="0" marR="0" lvl="0" indent="0" algn="l" defTabSz="914400" rtl="0" eaLnBrk="1" fontAlgn="auto" latinLnBrk="0" hangingPunct="1">
-              <a:lnSpc>
-                <a:spcPct val="100000"/>
-              </a:lnSpc>
-              <a:spcBef>
-                <a:spcPts val="0"/>
-              </a:spcBef>
-              <a:spcAft>
-                <a:spcPts val="0"/>
-              </a:spcAft>
-              <a:buClrTx/>
-              <a:buSzTx/>
-              <a:buFontTx/>
-              <a:buNone/>
-              <a:tabLst/>
-              <a:defRPr/>
-            </a:pPr>
-            <a:r>
-              <a:rPr lang="en-US" b="0" dirty="0"/>
-              <a:t>	average of analyst recommendations (1 strong buy, 5 strong sell), operating income per all available in the </a:t>
-            </a:r>
-            <a:r>
-              <a:rPr lang="en-US" b="0" dirty="0" err="1"/>
-              <a:t>yf.ticker.info</a:t>
-            </a:r>
-            <a:r>
-              <a:rPr lang="en-US" b="0" dirty="0"/>
-              <a:t> method.</a:t>
-            </a:r>
-          </a:p>
-          <a:p>
-            <a:pPr marL="0" marR="0" lvl="0" indent="0" algn="l" defTabSz="914400" rtl="0" eaLnBrk="1" fontAlgn="auto" latinLnBrk="0" hangingPunct="1">
-              <a:lnSpc>
-                <a:spcPct val="100000"/>
-              </a:lnSpc>
-              <a:spcBef>
-                <a:spcPts val="0"/>
-              </a:spcBef>
-              <a:spcAft>
-                <a:spcPts val="0"/>
-              </a:spcAft>
-              <a:buClrTx/>
-              <a:buSzTx/>
-              <a:buFontTx/>
-              <a:buNone/>
-              <a:tabLst/>
-              <a:defRPr/>
-            </a:pPr>
-            <a:r>
-              <a:rPr lang="en-US" b="0" dirty="0"/>
-              <a:t>Results (raw) : </a:t>
-            </a:r>
-          </a:p>
-          <a:p>
-            <a:pPr marL="0" marR="0" lvl="0" indent="0" algn="l" defTabSz="914400" rtl="0" eaLnBrk="1" fontAlgn="auto" latinLnBrk="0" hangingPunct="1">
-              <a:lnSpc>
-                <a:spcPct val="100000"/>
-              </a:lnSpc>
-              <a:spcBef>
-                <a:spcPts val="0"/>
-              </a:spcBef>
-              <a:spcAft>
-                <a:spcPts val="0"/>
-              </a:spcAft>
-              <a:buClrTx/>
-              <a:buSzTx/>
-              <a:buFontTx/>
-              <a:buNone/>
-              <a:tabLst/>
-              <a:defRPr/>
-            </a:pPr>
-            <a:r>
-              <a:rPr lang="en-US" b="0" dirty="0"/>
-              <a:t>Appears to be no correlation between ranking in the top 100, and financial performance.</a:t>
-            </a:r>
-          </a:p>
-          <a:p>
-            <a:pPr marL="0" marR="0" lvl="0" indent="0" algn="l" defTabSz="914400" rtl="0" eaLnBrk="1" fontAlgn="auto" latinLnBrk="0" hangingPunct="1">
-              <a:lnSpc>
-                <a:spcPct val="100000"/>
-              </a:lnSpc>
-              <a:spcBef>
-                <a:spcPts val="0"/>
-              </a:spcBef>
-              <a:spcAft>
-                <a:spcPts val="0"/>
-              </a:spcAft>
-              <a:buClrTx/>
-              <a:buSzTx/>
-              <a:buFontTx/>
-              <a:buNone/>
-              <a:tabLst/>
-              <a:defRPr/>
-            </a:pPr>
-            <a:r>
-              <a:rPr lang="en-US" b="0" dirty="0"/>
-              <a:t>	Already 100 high performing companies, multinationals, likely got in that position by being financially sound.</a:t>
-            </a:r>
-          </a:p>
-          <a:p>
-            <a:pPr marL="0" marR="0" lvl="0" indent="0" algn="l" defTabSz="914400" rtl="0" eaLnBrk="1" fontAlgn="auto" latinLnBrk="0" hangingPunct="1">
-              <a:lnSpc>
-                <a:spcPct val="100000"/>
-              </a:lnSpc>
-              <a:spcBef>
-                <a:spcPts val="0"/>
-              </a:spcBef>
-              <a:spcAft>
-                <a:spcPts val="0"/>
-              </a:spcAft>
-              <a:buClrTx/>
-              <a:buSzTx/>
-              <a:buFontTx/>
-              <a:buNone/>
-              <a:tabLst/>
-              <a:defRPr/>
-            </a:pPr>
-            <a:r>
-              <a:rPr lang="en-US" b="0" dirty="0"/>
-              <a:t>Results (standardized): </a:t>
-            </a:r>
-          </a:p>
-          <a:p>
-            <a:pPr marL="0" marR="0" lvl="0" indent="0" algn="l" defTabSz="914400" rtl="0" eaLnBrk="1" fontAlgn="auto" latinLnBrk="0" hangingPunct="1">
-              <a:lnSpc>
-                <a:spcPct val="100000"/>
-              </a:lnSpc>
-              <a:spcBef>
-                <a:spcPts val="0"/>
-              </a:spcBef>
-              <a:spcAft>
-                <a:spcPts val="0"/>
-              </a:spcAft>
-              <a:buClrTx/>
-              <a:buSzTx/>
-              <a:buFontTx/>
-              <a:buNone/>
-              <a:tabLst/>
-              <a:defRPr/>
-            </a:pPr>
-            <a:r>
-              <a:rPr lang="en-US" b="0" dirty="0"/>
-              <a:t>	Cluster around mean, particularly ROE. </a:t>
-            </a:r>
-          </a:p>
-          <a:p>
-            <a:pPr marL="0" marR="0" lvl="0" indent="0" algn="l" defTabSz="914400" rtl="0" eaLnBrk="1" fontAlgn="auto" latinLnBrk="0" hangingPunct="1">
-              <a:lnSpc>
-                <a:spcPct val="100000"/>
-              </a:lnSpc>
-              <a:spcBef>
-                <a:spcPts val="0"/>
-              </a:spcBef>
-              <a:spcAft>
-                <a:spcPts val="0"/>
-              </a:spcAft>
-              <a:buClrTx/>
-              <a:buSzTx/>
-              <a:buFontTx/>
-              <a:buNone/>
-              <a:tabLst/>
-              <a:defRPr/>
-            </a:pPr>
-            <a:r>
-              <a:rPr lang="en-US" b="0" dirty="0"/>
-              <a:t>	Stock price contained more variation, this may have to do with broader sector performance.</a:t>
-            </a:r>
-          </a:p>
-          <a:p>
-            <a:pPr marL="0" marR="0" lvl="0" indent="0" algn="l" defTabSz="914400" rtl="0" eaLnBrk="1" fontAlgn="auto" latinLnBrk="0" hangingPunct="1">
-              <a:lnSpc>
-                <a:spcPct val="100000"/>
-              </a:lnSpc>
-              <a:spcBef>
-                <a:spcPts val="0"/>
-              </a:spcBef>
-              <a:spcAft>
-                <a:spcPts val="0"/>
-              </a:spcAft>
-              <a:buClrTx/>
-              <a:buSzTx/>
-              <a:buFontTx/>
-              <a:buNone/>
-              <a:tabLst/>
-              <a:defRPr/>
-            </a:pPr>
-            <a:r>
-              <a:rPr lang="en-US" b="0" dirty="0"/>
-              <a:t>	</a:t>
-            </a:r>
-            <a:endParaRPr lang="en-US" dirty="0"/>
+              <a:t>Financial information for Top 100 relative to their industry peers.</a:t>
+            </a:r>
           </a:p>
         </p:txBody>
       </p:sp>
@@ -2420,7 +2255,7 @@
           <a:p>
             <a:fld id="{79665B4F-CFD9-9646-8FE1-0E4B54158734}" type="slidenum">
               <a:rPr lang="en-US" smtClean="0"/>
-              <a:t>12</a:t>
+              <a:t>11</a:t>
             </a:fld>
             <a:endParaRPr lang="en-US"/>
           </a:p>
@@ -2429,7 +2264,7 @@
     </p:spTree>
     <p:extLst>
       <p:ext uri="{BB962C8B-B14F-4D97-AF65-F5344CB8AC3E}">
-        <p14:creationId xmlns:p14="http://schemas.microsoft.com/office/powerpoint/2010/main" val="3281730388"/>
+        <p14:creationId xmlns:p14="http://schemas.microsoft.com/office/powerpoint/2010/main" val="3339561968"/>
       </p:ext>
     </p:extLst>
   </p:cSld>
@@ -2528,7 +2363,7 @@
           <a:p>
             <a:fld id="{79665B4F-CFD9-9646-8FE1-0E4B54158734}" type="slidenum">
               <a:rPr lang="en-US" smtClean="0"/>
-              <a:t>13</a:t>
+              <a:t>12</a:t>
             </a:fld>
             <a:endParaRPr lang="en-US"/>
           </a:p>
@@ -2537,7 +2372,7 @@
     </p:spTree>
     <p:extLst>
       <p:ext uri="{BB962C8B-B14F-4D97-AF65-F5344CB8AC3E}">
-        <p14:creationId xmlns:p14="http://schemas.microsoft.com/office/powerpoint/2010/main" val="3339561968"/>
+        <p14:creationId xmlns:p14="http://schemas.microsoft.com/office/powerpoint/2010/main" val="4120532839"/>
       </p:ext>
     </p:extLst>
   </p:cSld>
@@ -2612,10 +2447,162 @@
               <a:rPr lang="en-US" b="1" dirty="0"/>
               <a:t>Our approach part 2: </a:t>
             </a:r>
+          </a:p>
+          <a:p>
+            <a:pPr marL="0" marR="0" lvl="0" indent="0" algn="l" defTabSz="914400" rtl="0" eaLnBrk="1" fontAlgn="auto" latinLnBrk="0" hangingPunct="1">
+              <a:lnSpc>
+                <a:spcPct val="100000"/>
+              </a:lnSpc>
+              <a:spcBef>
+                <a:spcPts val="0"/>
+              </a:spcBef>
+              <a:spcAft>
+                <a:spcPts val="0"/>
+              </a:spcAft>
+              <a:buClrTx/>
+              <a:buSzTx/>
+              <a:buFontTx/>
+              <a:buNone/>
+              <a:tabLst/>
+              <a:defRPr/>
+            </a:pPr>
             <a:r>
               <a:rPr lang="en-US" b="0" dirty="0"/>
-              <a:t>Financial information for Top 100 relative to their industry peers.</a:t>
-            </a:r>
+              <a:t>ROE for acclaimed employers relative heir sector peers.</a:t>
+            </a:r>
+          </a:p>
+          <a:p>
+            <a:pPr marL="0" marR="0" lvl="0" indent="0" algn="l" defTabSz="914400" rtl="0" eaLnBrk="1" fontAlgn="auto" latinLnBrk="0" hangingPunct="1">
+              <a:lnSpc>
+                <a:spcPct val="100000"/>
+              </a:lnSpc>
+              <a:spcBef>
+                <a:spcPts val="0"/>
+              </a:spcBef>
+              <a:spcAft>
+                <a:spcPts val="0"/>
+              </a:spcAft>
+              <a:buClrTx/>
+              <a:buSzTx/>
+              <a:buFontTx/>
+              <a:buNone/>
+              <a:tabLst/>
+              <a:defRPr/>
+            </a:pPr>
+            <a:r>
+              <a:rPr lang="en-US" b="0" dirty="0"/>
+              <a:t>Selected 3 sectors with most employers : Automobile / Aerospace and Defense / Pharmaceuticals and Biotech</a:t>
+            </a:r>
+          </a:p>
+          <a:p>
+            <a:pPr marL="0" marR="0" lvl="0" indent="0" algn="l" defTabSz="914400" rtl="0" eaLnBrk="1" fontAlgn="auto" latinLnBrk="0" hangingPunct="1">
+              <a:lnSpc>
+                <a:spcPct val="100000"/>
+              </a:lnSpc>
+              <a:spcBef>
+                <a:spcPts val="0"/>
+              </a:spcBef>
+              <a:spcAft>
+                <a:spcPts val="0"/>
+              </a:spcAft>
+              <a:buClrTx/>
+              <a:buSzTx/>
+              <a:buFontTx/>
+              <a:buNone/>
+              <a:tabLst/>
+              <a:defRPr/>
+            </a:pPr>
+            <a:r>
+              <a:rPr lang="en-US" b="0" dirty="0"/>
+              <a:t>ROE of acclaimed companies on the left. ROE of sector peers on the right.</a:t>
+            </a:r>
+          </a:p>
+          <a:p>
+            <a:pPr marL="0" marR="0" lvl="0" indent="0" algn="l" defTabSz="914400" rtl="0" eaLnBrk="1" fontAlgn="auto" latinLnBrk="0" hangingPunct="1">
+              <a:lnSpc>
+                <a:spcPct val="100000"/>
+              </a:lnSpc>
+              <a:spcBef>
+                <a:spcPts val="0"/>
+              </a:spcBef>
+              <a:spcAft>
+                <a:spcPts val="0"/>
+              </a:spcAft>
+              <a:buClrTx/>
+              <a:buSzTx/>
+              <a:buFontTx/>
+              <a:buNone/>
+              <a:tabLst/>
+              <a:defRPr/>
+            </a:pPr>
+            <a:r>
+              <a:rPr lang="en-US" b="0" dirty="0"/>
+              <a:t>For Auto &amp; Auto parts : 8 preferred employers against sector of 67 companies</a:t>
+            </a:r>
+          </a:p>
+          <a:p>
+            <a:pPr marL="0" marR="0" lvl="0" indent="0" algn="l" defTabSz="914400" rtl="0" eaLnBrk="1" fontAlgn="auto" latinLnBrk="0" hangingPunct="1">
+              <a:lnSpc>
+                <a:spcPct val="100000"/>
+              </a:lnSpc>
+              <a:spcBef>
+                <a:spcPts val="0"/>
+              </a:spcBef>
+              <a:spcAft>
+                <a:spcPts val="0"/>
+              </a:spcAft>
+              <a:buClrTx/>
+              <a:buSzTx/>
+              <a:buFontTx/>
+              <a:buNone/>
+              <a:tabLst/>
+              <a:defRPr/>
+            </a:pPr>
+            <a:r>
+              <a:rPr lang="en-US" b="0" dirty="0"/>
+              <a:t>Observation: </a:t>
+            </a:r>
+            <a:r>
+              <a:rPr lang="en-US" dirty="0"/>
+              <a:t>Acclaimed employers in the </a:t>
+            </a:r>
+            <a:r>
+              <a:rPr lang="en-US" b="1" dirty="0"/>
+              <a:t>Auto &amp; Auto parts sector </a:t>
+            </a:r>
+            <a:r>
+              <a:rPr lang="en-US" dirty="0"/>
+              <a:t>have </a:t>
+            </a:r>
+            <a:r>
+              <a:rPr lang="en-US" b="1" dirty="0"/>
+              <a:t>superior ROE</a:t>
+            </a:r>
+            <a:r>
+              <a:rPr lang="en-US" dirty="0"/>
+              <a:t> relative to peers, with median ROE 21% - and lower quartile ROE 13% - v median ROE 11% for peers.</a:t>
+            </a:r>
+            <a:endParaRPr lang="en-US" b="0" dirty="0"/>
+          </a:p>
+          <a:p>
+            <a:pPr marL="0" marR="0" lvl="0" indent="0" algn="l" defTabSz="914400" rtl="0" eaLnBrk="1" fontAlgn="auto" latinLnBrk="0" hangingPunct="1">
+              <a:lnSpc>
+                <a:spcPct val="100000"/>
+              </a:lnSpc>
+              <a:spcBef>
+                <a:spcPts val="0"/>
+              </a:spcBef>
+              <a:spcAft>
+                <a:spcPts val="0"/>
+              </a:spcAft>
+              <a:buClrTx/>
+              <a:buSzTx/>
+              <a:buFontTx/>
+              <a:buNone/>
+              <a:tabLst/>
+              <a:defRPr/>
+            </a:pPr>
+            <a:endParaRPr lang="en-US" b="0" dirty="0"/>
           </a:p>
         </p:txBody>
       </p:sp>
@@ -2636,7 +2623,7 @@
           <a:p>
             <a:fld id="{79665B4F-CFD9-9646-8FE1-0E4B54158734}" type="slidenum">
               <a:rPr lang="en-US" smtClean="0"/>
-              <a:t>14</a:t>
+              <a:t>13</a:t>
             </a:fld>
             <a:endParaRPr lang="en-US"/>
           </a:p>
@@ -2645,7 +2632,7 @@
     </p:spTree>
     <p:extLst>
       <p:ext uri="{BB962C8B-B14F-4D97-AF65-F5344CB8AC3E}">
-        <p14:creationId xmlns:p14="http://schemas.microsoft.com/office/powerpoint/2010/main" val="4120532839"/>
+        <p14:creationId xmlns:p14="http://schemas.microsoft.com/office/powerpoint/2010/main" val="1273020451"/>
       </p:ext>
     </p:extLst>
   </p:cSld>
@@ -2741,7 +2728,7 @@
             </a:pPr>
             <a:r>
               <a:rPr lang="en-US" b="0" dirty="0"/>
-              <a:t>ROE for acclaimed employers relative heir sector peers.</a:t>
+              <a:t>For Aerospace &amp; Defense : 6 preferred employers against sector of 23 companies</a:t>
             </a:r>
           </a:p>
           <a:p>
@@ -2763,9 +2750,26 @@
               <a:defRPr/>
             </a:pPr>
             <a:r>
-              <a:rPr lang="en-US" b="0" dirty="0"/>
-              <a:t>Selected 3 sectors with most employers : Automobile / Aerospace and Defense / Pharmaceuticals and Biotech</a:t>
-            </a:r>
+              <a:rPr lang="en-US" dirty="0"/>
+              <a:t>Observation: Acclaimed employers in the </a:t>
+            </a:r>
+            <a:r>
+              <a:rPr lang="en-US" b="1" dirty="0"/>
+              <a:t>Aerospace &amp; Defense sector </a:t>
+            </a:r>
+            <a:r>
+              <a:rPr lang="en-US" dirty="0"/>
+              <a:t>have </a:t>
+            </a:r>
+            <a:r>
+              <a:rPr lang="en-US" b="1" dirty="0"/>
+              <a:t>superior ROE</a:t>
+            </a:r>
+            <a:r>
+              <a:rPr lang="en-US" dirty="0"/>
+              <a:t> relative to peers, with median ROE 36% - and lower quartile ROE 20% - v median ROE 9% for peers.</a:t>
+            </a:r>
+            <a:endParaRPr lang="en-US" b="0" dirty="0"/>
           </a:p>
           <a:p>
             <a:pPr marL="0" marR="0" lvl="0" indent="0" algn="l" defTabSz="914400" rtl="0" eaLnBrk="1" fontAlgn="auto" latinLnBrk="0" hangingPunct="1">
@@ -2785,96 +2789,6 @@
               <a:tabLst/>
               <a:defRPr/>
             </a:pPr>
-            <a:r>
-              <a:rPr lang="en-US" b="0" dirty="0"/>
-              <a:t>ROE of acclaimed companies on the left. ROE of sector peers on the right.</a:t>
-            </a:r>
-          </a:p>
-          <a:p>
-            <a:pPr marL="0" marR="0" lvl="0" indent="0" algn="l" defTabSz="914400" rtl="0" eaLnBrk="1" fontAlgn="auto" latinLnBrk="0" hangingPunct="1">
-              <a:lnSpc>
-                <a:spcPct val="100000"/>
-              </a:lnSpc>
-              <a:spcBef>
-                <a:spcPts val="0"/>
-              </a:spcBef>
-              <a:spcAft>
-                <a:spcPts val="0"/>
-              </a:spcAft>
-              <a:buClrTx/>
-              <a:buSzTx/>
-              <a:buFontTx/>
-              <a:buNone/>
-              <a:tabLst/>
-              <a:defRPr/>
-            </a:pPr>
-            <a:r>
-              <a:rPr lang="en-US" b="0" dirty="0"/>
-              <a:t>For Auto &amp; Auto parts : 8 preferred employers against sector of 67 companies</a:t>
-            </a:r>
-          </a:p>
-          <a:p>
-            <a:pPr marL="0" marR="0" lvl="0" indent="0" algn="l" defTabSz="914400" rtl="0" eaLnBrk="1" fontAlgn="auto" latinLnBrk="0" hangingPunct="1">
-              <a:lnSpc>
-                <a:spcPct val="100000"/>
-              </a:lnSpc>
-              <a:spcBef>
-                <a:spcPts val="0"/>
-              </a:spcBef>
-              <a:spcAft>
-                <a:spcPts val="0"/>
-              </a:spcAft>
-              <a:buClrTx/>
-              <a:buSzTx/>
-              <a:buFontTx/>
-              <a:buNone/>
-              <a:tabLst/>
-              <a:defRPr/>
-            </a:pPr>
-            <a:r>
-              <a:rPr lang="en-US" b="0" dirty="0"/>
-              <a:t>Observation: </a:t>
-            </a:r>
-            <a:r>
-              <a:rPr lang="en-US" dirty="0"/>
-              <a:t>Acclaimed employers in the </a:t>
-            </a:r>
-            <a:r>
-              <a:rPr lang="en-US" b="1" dirty="0"/>
-              <a:t>Auto &amp; Auto parts sector </a:t>
-            </a:r>
-            <a:r>
-              <a:rPr lang="en-US" dirty="0"/>
-              <a:t>have </a:t>
-            </a:r>
-            <a:r>
-              <a:rPr lang="en-US" b="1" dirty="0"/>
-              <a:t>superior ROE</a:t>
-            </a:r>
-            <a:r>
-              <a:rPr lang="en-US" dirty="0"/>
-              <a:t> relative to peers, with median ROE 21% - and lower quartile ROE 13% - v median ROE 11% for peers.</a:t>
-            </a:r>
-            <a:endParaRPr lang="en-US" b="0" dirty="0"/>
-          </a:p>
-          <a:p>
-            <a:pPr marL="0" marR="0" lvl="0" indent="0" algn="l" defTabSz="914400" rtl="0" eaLnBrk="1" fontAlgn="auto" latinLnBrk="0" hangingPunct="1">
-              <a:lnSpc>
-                <a:spcPct val="100000"/>
-              </a:lnSpc>
-              <a:spcBef>
-                <a:spcPts val="0"/>
-              </a:spcBef>
-              <a:spcAft>
-                <a:spcPts val="0"/>
-              </a:spcAft>
-              <a:buClrTx/>
-              <a:buSzTx/>
-              <a:buFontTx/>
-              <a:buNone/>
-              <a:tabLst/>
-              <a:defRPr/>
-            </a:pPr>
             <a:endParaRPr lang="en-US" b="0" dirty="0"/>
           </a:p>
         </p:txBody>
@@ -2896,7 +2810,7 @@
           <a:p>
             <a:fld id="{79665B4F-CFD9-9646-8FE1-0E4B54158734}" type="slidenum">
               <a:rPr lang="en-US" smtClean="0"/>
-              <a:t>15</a:t>
+              <a:t>14</a:t>
             </a:fld>
             <a:endParaRPr lang="en-US"/>
           </a:p>
@@ -2905,7 +2819,7 @@
     </p:spTree>
     <p:extLst>
       <p:ext uri="{BB962C8B-B14F-4D97-AF65-F5344CB8AC3E}">
-        <p14:creationId xmlns:p14="http://schemas.microsoft.com/office/powerpoint/2010/main" val="1273020451"/>
+        <p14:creationId xmlns:p14="http://schemas.microsoft.com/office/powerpoint/2010/main" val="2122129351"/>
       </p:ext>
     </p:extLst>
   </p:cSld>
@@ -4103,153 +4017,6 @@
           <p:cNvPr id="2" name="Title 1">
             <a:extLst>
               <a:ext uri="{FF2B5EF4-FFF2-40B4-BE49-F238E27FC236}">
-                <a16:creationId xmlns:a16="http://schemas.microsoft.com/office/drawing/2014/main" id="{FA37684C-6D82-F0C5-040E-57E7EC8E395A}"/>
-              </a:ext>
-            </a:extLst>
-          </p:cNvPr>
-          <p:cNvSpPr>
-            <a:spLocks noGrp="1"/>
-          </p:cNvSpPr>
-          <p:nvPr>
-            <p:ph type="title"/>
-          </p:nvPr>
-        </p:nvSpPr>
-        <p:spPr/>
-        <p:txBody>
-          <a:bodyPr/>
-          <a:lstStyle/>
-          <a:p>
-            <a:r>
-              <a:rPr lang="en-AU" dirty="0"/>
-              <a:t>Preliminary Analysis – Forbes Ranking vs Glassdoor Ratings </a:t>
-            </a:r>
-          </a:p>
-        </p:txBody>
-      </p:sp>
-      <p:sp>
-        <p:nvSpPr>
-          <p:cNvPr id="3" name="Slide Number Placeholder 2">
-            <a:extLst>
-              <a:ext uri="{FF2B5EF4-FFF2-40B4-BE49-F238E27FC236}">
-                <a16:creationId xmlns:a16="http://schemas.microsoft.com/office/drawing/2014/main" id="{CB54859E-9D43-B0AD-CDCC-5038BFA236A0}"/>
-              </a:ext>
-            </a:extLst>
-          </p:cNvPr>
-          <p:cNvSpPr>
-            <a:spLocks noGrp="1"/>
-          </p:cNvSpPr>
-          <p:nvPr>
-            <p:ph type="sldNum" sz="quarter" idx="4"/>
-          </p:nvPr>
-        </p:nvSpPr>
-        <p:spPr/>
-        <p:txBody>
-          <a:bodyPr/>
-          <a:lstStyle/>
-          <a:p>
-            <a:fld id="{454586D2-FC10-4911-B5CA-CBCADE2DC1FC}" type="slidenum">
-              <a:rPr lang="en-AU" smtClean="0"/>
-              <a:pPr/>
-              <a:t>10</a:t>
-            </a:fld>
-            <a:endParaRPr lang="en-AU" dirty="0"/>
-          </a:p>
-        </p:txBody>
-      </p:sp>
-      <p:pic>
-        <p:nvPicPr>
-          <p:cNvPr id="18" name="Content Placeholder 17">
-            <a:extLst>
-              <a:ext uri="{FF2B5EF4-FFF2-40B4-BE49-F238E27FC236}">
-                <a16:creationId xmlns:a16="http://schemas.microsoft.com/office/drawing/2014/main" id="{C26E2B7E-219D-C3C0-BFF6-482A42BDA25A}"/>
-              </a:ext>
-            </a:extLst>
-          </p:cNvPr>
-          <p:cNvPicPr>
-            <a:picLocks noGrp="1" noChangeAspect="1"/>
-          </p:cNvPicPr>
-          <p:nvPr>
-            <p:ph sz="quarter" idx="15"/>
-          </p:nvPr>
-        </p:nvPicPr>
-        <p:blipFill>
-          <a:blip r:embed="rId2"/>
-          <a:stretch>
-            <a:fillRect/>
-          </a:stretch>
-        </p:blipFill>
-        <p:spPr>
-          <a:xfrm>
-            <a:off x="152400" y="742950"/>
-            <a:ext cx="3924848" cy="2657846"/>
-          </a:xfrm>
-        </p:spPr>
-      </p:pic>
-      <p:pic>
-        <p:nvPicPr>
-          <p:cNvPr id="20" name="Picture 19">
-            <a:extLst>
-              <a:ext uri="{FF2B5EF4-FFF2-40B4-BE49-F238E27FC236}">
-                <a16:creationId xmlns:a16="http://schemas.microsoft.com/office/drawing/2014/main" id="{4380F3D7-6DF4-45D8-CFE7-E76D7D15D991}"/>
-              </a:ext>
-            </a:extLst>
-          </p:cNvPr>
-          <p:cNvPicPr>
-            <a:picLocks noChangeAspect="1"/>
-          </p:cNvPicPr>
-          <p:nvPr/>
-        </p:nvPicPr>
-        <p:blipFill>
-          <a:blip r:embed="rId3"/>
-          <a:stretch>
-            <a:fillRect/>
-          </a:stretch>
-        </p:blipFill>
-        <p:spPr>
-          <a:xfrm>
-            <a:off x="4572000" y="1885950"/>
-            <a:ext cx="3896269" cy="2800741"/>
-          </a:xfrm>
-          <a:prstGeom prst="rect">
-            <a:avLst/>
-          </a:prstGeom>
-        </p:spPr>
-      </p:pic>
-    </p:spTree>
-    <p:extLst>
-      <p:ext uri="{BB962C8B-B14F-4D97-AF65-F5344CB8AC3E}">
-        <p14:creationId xmlns:p14="http://schemas.microsoft.com/office/powerpoint/2010/main" val="2664002550"/>
-      </p:ext>
-    </p:extLst>
-  </p:cSld>
-  <p:clrMapOvr>
-    <a:masterClrMapping/>
-  </p:clrMapOvr>
-</p:sld>
-</file>
-
-<file path=ppt/slides/slide11.xml><?xml version="1.0" encoding="utf-8"?>
-<p:sld xmlns:a="http://schemas.openxmlformats.org/drawingml/2006/main" xmlns:r="http://schemas.openxmlformats.org/officeDocument/2006/relationships" xmlns:p="http://schemas.openxmlformats.org/presentationml/2006/main">
-  <p:cSld>
-    <p:spTree>
-      <p:nvGrpSpPr>
-        <p:cNvPr id="1" name=""/>
-        <p:cNvGrpSpPr/>
-        <p:nvPr/>
-      </p:nvGrpSpPr>
-      <p:grpSpPr>
-        <a:xfrm>
-          <a:off x="0" y="0"/>
-          <a:ext cx="0" cy="0"/>
-          <a:chOff x="0" y="0"/>
-          <a:chExt cx="0" cy="0"/>
-        </a:xfrm>
-      </p:grpSpPr>
-      <p:sp>
-        <p:nvSpPr>
-          <p:cNvPr id="2" name="Title 1">
-            <a:extLst>
-              <a:ext uri="{FF2B5EF4-FFF2-40B4-BE49-F238E27FC236}">
                 <a16:creationId xmlns:a16="http://schemas.microsoft.com/office/drawing/2014/main" id="{34FB3A1B-C244-4590-DA7E-2448C607EAA4}"/>
               </a:ext>
             </a:extLst>
@@ -4294,7 +4061,12 @@
             <p:ph sz="quarter" idx="15"/>
           </p:nvPr>
         </p:nvSpPr>
-        <p:spPr/>
+        <p:spPr>
+          <a:xfrm>
+            <a:off x="235753" y="674803"/>
+            <a:ext cx="8260080" cy="351056"/>
+          </a:xfrm>
+        </p:spPr>
         <p:txBody>
           <a:bodyPr/>
           <a:lstStyle/>
@@ -4318,50 +4090,7 @@
             </a:pPr>
             <a:r>
               <a:rPr lang="en-US" b="0" dirty="0"/>
-              <a:t>Source : Yahoo Finance data feed</a:t>
-            </a:r>
-          </a:p>
-          <a:p>
-            <a:pPr marL="0" marR="0" lvl="0" indent="0" algn="l" defTabSz="914400" rtl="0" eaLnBrk="1" fontAlgn="auto" latinLnBrk="0" hangingPunct="1">
-              <a:lnSpc>
-                <a:spcPct val="100000"/>
-              </a:lnSpc>
-              <a:spcBef>
-                <a:spcPts val="0"/>
-              </a:spcBef>
-              <a:spcAft>
-                <a:spcPts val="0"/>
-              </a:spcAft>
-              <a:buClrTx/>
-              <a:buSzTx/>
-              <a:buFontTx/>
-              <a:buNone/>
-              <a:tabLst/>
-              <a:defRPr/>
-            </a:pPr>
-            <a:endParaRPr lang="en-US" dirty="0"/>
-          </a:p>
-          <a:p>
-            <a:pPr marL="0" marR="0" lvl="0" indent="0" algn="l" defTabSz="914400" rtl="0" eaLnBrk="1" fontAlgn="auto" latinLnBrk="0" hangingPunct="1">
-              <a:lnSpc>
-                <a:spcPct val="100000"/>
-              </a:lnSpc>
-              <a:spcBef>
-                <a:spcPts val="0"/>
-              </a:spcBef>
-              <a:spcAft>
-                <a:spcPts val="0"/>
-              </a:spcAft>
-              <a:buClrTx/>
-              <a:buSzTx/>
-              <a:buFontTx/>
-              <a:buNone/>
-              <a:tabLst/>
-              <a:defRPr/>
-            </a:pPr>
-            <a:r>
-              <a:rPr lang="en-US" b="0" dirty="0"/>
-              <a:t>Approach: Bring in finance data via the ticker code to see whether success as an acclaimed employer converts to financial performance.</a:t>
+              <a:t>Approach: Plot the employer rankings/ratings against chosen financial metrics</a:t>
             </a:r>
           </a:p>
           <a:p>
@@ -4455,251 +4184,7 @@
             <a:fld id="{454586D2-FC10-4911-B5CA-CBCADE2DC1FC}" type="slidenum">
               <a:rPr lang="en-AU" smtClean="0"/>
               <a:pPr/>
-              <a:t>11</a:t>
-            </a:fld>
-            <a:endParaRPr lang="en-AU" dirty="0"/>
-          </a:p>
-        </p:txBody>
-      </p:sp>
-      <p:pic>
-        <p:nvPicPr>
-          <p:cNvPr id="8" name="Picture 7">
-            <a:extLst>
-              <a:ext uri="{FF2B5EF4-FFF2-40B4-BE49-F238E27FC236}">
-                <a16:creationId xmlns:a16="http://schemas.microsoft.com/office/drawing/2014/main" id="{9BB8733A-1BCF-EC68-9D30-E5F88D1DC345}"/>
-              </a:ext>
-            </a:extLst>
-          </p:cNvPr>
-          <p:cNvPicPr>
-            <a:picLocks noChangeAspect="1"/>
-          </p:cNvPicPr>
-          <p:nvPr/>
-        </p:nvPicPr>
-        <p:blipFill>
-          <a:blip r:embed="rId3">
-            <a:extLst>
-              <a:ext uri="{28A0092B-C50C-407E-A947-70E740481C1C}">
-                <a14:useLocalDpi xmlns:a14="http://schemas.microsoft.com/office/drawing/2010/main" val="0"/>
-              </a:ext>
-            </a:extLst>
-          </a:blip>
-          <a:stretch>
-            <a:fillRect/>
-          </a:stretch>
-        </p:blipFill>
-        <p:spPr>
-          <a:xfrm>
-            <a:off x="1676400" y="1788225"/>
-            <a:ext cx="5867400" cy="3009200"/>
-          </a:xfrm>
-          <a:prstGeom prst="rect">
-            <a:avLst/>
-          </a:prstGeom>
-        </p:spPr>
-      </p:pic>
-    </p:spTree>
-    <p:extLst>
-      <p:ext uri="{BB962C8B-B14F-4D97-AF65-F5344CB8AC3E}">
-        <p14:creationId xmlns:p14="http://schemas.microsoft.com/office/powerpoint/2010/main" val="3959464855"/>
-      </p:ext>
-    </p:extLst>
-  </p:cSld>
-  <p:clrMapOvr>
-    <a:masterClrMapping/>
-  </p:clrMapOvr>
-</p:sld>
-</file>
-
-<file path=ppt/slides/slide12.xml><?xml version="1.0" encoding="utf-8"?>
-<p:sld xmlns:a="http://schemas.openxmlformats.org/drawingml/2006/main" xmlns:r="http://schemas.openxmlformats.org/officeDocument/2006/relationships" xmlns:p="http://schemas.openxmlformats.org/presentationml/2006/main">
-  <p:cSld>
-    <p:spTree>
-      <p:nvGrpSpPr>
-        <p:cNvPr id="1" name=""/>
-        <p:cNvGrpSpPr/>
-        <p:nvPr/>
-      </p:nvGrpSpPr>
-      <p:grpSpPr>
-        <a:xfrm>
-          <a:off x="0" y="0"/>
-          <a:ext cx="0" cy="0"/>
-          <a:chOff x="0" y="0"/>
-          <a:chExt cx="0" cy="0"/>
-        </a:xfrm>
-      </p:grpSpPr>
-      <p:sp>
-        <p:nvSpPr>
-          <p:cNvPr id="2" name="Title 1">
-            <a:extLst>
-              <a:ext uri="{FF2B5EF4-FFF2-40B4-BE49-F238E27FC236}">
-                <a16:creationId xmlns:a16="http://schemas.microsoft.com/office/drawing/2014/main" id="{34FB3A1B-C244-4590-DA7E-2448C607EAA4}"/>
-              </a:ext>
-            </a:extLst>
-          </p:cNvPr>
-          <p:cNvSpPr>
-            <a:spLocks noGrp="1"/>
-          </p:cNvSpPr>
-          <p:nvPr>
-            <p:ph type="title"/>
-          </p:nvPr>
-        </p:nvSpPr>
-        <p:spPr>
-          <a:xfrm>
-            <a:off x="304800" y="224261"/>
-            <a:ext cx="8636104" cy="351056"/>
-          </a:xfrm>
-        </p:spPr>
-        <p:txBody>
-          <a:bodyPr/>
-          <a:lstStyle/>
-          <a:p>
-            <a:r>
-              <a:rPr lang="en-AU" dirty="0"/>
-              <a:t>Are good employers good companies? – Look within Top 100</a:t>
-            </a:r>
-          </a:p>
-        </p:txBody>
-      </p:sp>
-      <p:sp>
-        <p:nvSpPr>
-          <p:cNvPr id="3" name="Content Placeholder 2">
-            <a:extLst>
-              <a:ext uri="{FF2B5EF4-FFF2-40B4-BE49-F238E27FC236}">
-                <a16:creationId xmlns:a16="http://schemas.microsoft.com/office/drawing/2014/main" id="{7011FF0D-23C9-C092-C6FB-006D5A703A81}"/>
-              </a:ext>
-            </a:extLst>
-          </p:cNvPr>
-          <p:cNvSpPr>
-            <a:spLocks noGrp="1"/>
-          </p:cNvSpPr>
-          <p:nvPr>
-            <p:ph sz="quarter" idx="15"/>
-          </p:nvPr>
-        </p:nvSpPr>
-        <p:spPr>
-          <a:xfrm>
-            <a:off x="235753" y="674803"/>
-            <a:ext cx="8260080" cy="351056"/>
-          </a:xfrm>
-        </p:spPr>
-        <p:txBody>
-          <a:bodyPr/>
-          <a:lstStyle/>
-          <a:p>
-            <a:pPr marL="0" marR="0" lvl="0" indent="0" algn="l" defTabSz="914400" rtl="0" eaLnBrk="1" fontAlgn="auto" latinLnBrk="0" hangingPunct="1">
-              <a:lnSpc>
-                <a:spcPct val="100000"/>
-              </a:lnSpc>
-              <a:spcBef>
-                <a:spcPts val="0"/>
-              </a:spcBef>
-              <a:spcAft>
-                <a:spcPts val="0"/>
-              </a:spcAft>
-              <a:buClrTx/>
-              <a:buSzTx/>
-              <a:buFontTx/>
-              <a:buNone/>
-              <a:tabLst/>
-              <a:defRPr/>
-            </a:pPr>
-            <a:r>
-              <a:rPr lang="en-US" b="0" dirty="0"/>
-              <a:t>Approach: Plot the employer rankings/ratings against chosen financial metrics</a:t>
-            </a:r>
-          </a:p>
-          <a:p>
-            <a:pPr marL="0" marR="0" lvl="0" indent="0" algn="l" defTabSz="914400" rtl="0" eaLnBrk="1" fontAlgn="auto" latinLnBrk="0" hangingPunct="1">
-              <a:lnSpc>
-                <a:spcPct val="100000"/>
-              </a:lnSpc>
-              <a:spcBef>
-                <a:spcPts val="0"/>
-              </a:spcBef>
-              <a:spcAft>
-                <a:spcPts val="0"/>
-              </a:spcAft>
-              <a:buClrTx/>
-              <a:buSzTx/>
-              <a:buFontTx/>
-              <a:buNone/>
-              <a:tabLst/>
-              <a:defRPr/>
-            </a:pPr>
-            <a:endParaRPr lang="en-US" dirty="0"/>
-          </a:p>
-          <a:p>
-            <a:pPr marL="285750" marR="0" lvl="0" indent="-285750" algn="l" defTabSz="914400" rtl="0" eaLnBrk="1" fontAlgn="auto" latinLnBrk="0" hangingPunct="1">
-              <a:lnSpc>
-                <a:spcPct val="100000"/>
-              </a:lnSpc>
-              <a:spcBef>
-                <a:spcPts val="0"/>
-              </a:spcBef>
-              <a:spcAft>
-                <a:spcPts val="0"/>
-              </a:spcAft>
-              <a:buClrTx/>
-              <a:buSzTx/>
-              <a:buFont typeface="Arial" panose="020B0604020202020204" pitchFamily="34" charset="0"/>
-              <a:buChar char="•"/>
-              <a:tabLst/>
-              <a:defRPr/>
-            </a:pPr>
-            <a:endParaRPr lang="en-US" b="0" dirty="0"/>
-          </a:p>
-          <a:p>
-            <a:pPr marL="285750" marR="0" lvl="0" indent="-285750" algn="l" defTabSz="914400" rtl="0" eaLnBrk="1" fontAlgn="auto" latinLnBrk="0" hangingPunct="1">
-              <a:lnSpc>
-                <a:spcPct val="100000"/>
-              </a:lnSpc>
-              <a:spcBef>
-                <a:spcPts val="0"/>
-              </a:spcBef>
-              <a:spcAft>
-                <a:spcPts val="0"/>
-              </a:spcAft>
-              <a:buClrTx/>
-              <a:buSzTx/>
-              <a:buFont typeface="Arial" panose="020B0604020202020204" pitchFamily="34" charset="0"/>
-              <a:buChar char="•"/>
-              <a:tabLst/>
-              <a:defRPr/>
-            </a:pPr>
-            <a:endParaRPr lang="en-US" b="0" dirty="0"/>
-          </a:p>
-        </p:txBody>
-      </p:sp>
-      <p:sp>
-        <p:nvSpPr>
-          <p:cNvPr id="4" name="Slide Number Placeholder 3">
-            <a:extLst>
-              <a:ext uri="{FF2B5EF4-FFF2-40B4-BE49-F238E27FC236}">
-                <a16:creationId xmlns:a16="http://schemas.microsoft.com/office/drawing/2014/main" id="{8A6E1B47-09E8-4494-59A8-65DB94E69513}"/>
-              </a:ext>
-            </a:extLst>
-          </p:cNvPr>
-          <p:cNvSpPr>
-            <a:spLocks noGrp="1"/>
-          </p:cNvSpPr>
-          <p:nvPr>
-            <p:ph type="sldNum" sz="quarter" idx="4"/>
-          </p:nvPr>
-        </p:nvSpPr>
-        <p:spPr>
-          <a:xfrm>
-            <a:off x="8153400" y="4797425"/>
-            <a:ext cx="787504" cy="288925"/>
-          </a:xfrm>
-        </p:spPr>
-        <p:txBody>
-          <a:bodyPr/>
-          <a:lstStyle/>
-          <a:p>
-            <a:fld id="{454586D2-FC10-4911-B5CA-CBCADE2DC1FC}" type="slidenum">
-              <a:rPr lang="en-AU" smtClean="0"/>
-              <a:pPr/>
-              <a:t>12</a:t>
+              <a:t>10</a:t>
             </a:fld>
             <a:endParaRPr lang="en-AU" dirty="0"/>
           </a:p>
@@ -4790,7 +4275,7 @@
 </p:sld>
 </file>
 
-<file path=ppt/slides/slide13.xml><?xml version="1.0" encoding="utf-8"?>
+<file path=ppt/slides/slide11.xml><?xml version="1.0" encoding="utf-8"?>
 <p:sld xmlns:a="http://schemas.openxmlformats.org/drawingml/2006/main" xmlns:r="http://schemas.openxmlformats.org/officeDocument/2006/relationships" xmlns:p="http://schemas.openxmlformats.org/presentationml/2006/main">
   <p:cSld>
     <p:spTree>
@@ -5135,7 +4620,7 @@
             <a:fld id="{454586D2-FC10-4911-B5CA-CBCADE2DC1FC}" type="slidenum">
               <a:rPr lang="en-AU" smtClean="0"/>
               <a:pPr/>
-              <a:t>13</a:t>
+              <a:t>11</a:t>
             </a:fld>
             <a:endParaRPr lang="en-AU" dirty="0"/>
           </a:p>
@@ -5184,7 +4669,7 @@
 </p:sld>
 </file>
 
-<file path=ppt/slides/slide14.xml><?xml version="1.0" encoding="utf-8"?>
+<file path=ppt/slides/slide12.xml><?xml version="1.0" encoding="utf-8"?>
 <p:sld xmlns:a="http://schemas.openxmlformats.org/drawingml/2006/main" xmlns:r="http://schemas.openxmlformats.org/officeDocument/2006/relationships" xmlns:p="http://schemas.openxmlformats.org/presentationml/2006/main">
   <p:cSld>
     <p:spTree>
@@ -5427,7 +4912,7 @@
             <a:fld id="{454586D2-FC10-4911-B5CA-CBCADE2DC1FC}" type="slidenum">
               <a:rPr lang="en-AU" smtClean="0"/>
               <a:pPr/>
-              <a:t>14</a:t>
+              <a:t>12</a:t>
             </a:fld>
             <a:endParaRPr lang="en-AU" dirty="0"/>
           </a:p>
@@ -5476,7 +4961,7 @@
 </p:sld>
 </file>
 
-<file path=ppt/slides/slide15.xml><?xml version="1.0" encoding="utf-8"?>
+<file path=ppt/slides/slide13.xml><?xml version="1.0" encoding="utf-8"?>
 <p:sld xmlns:a="http://schemas.openxmlformats.org/drawingml/2006/main" xmlns:r="http://schemas.openxmlformats.org/officeDocument/2006/relationships" xmlns:p="http://schemas.openxmlformats.org/presentationml/2006/main">
   <p:cSld>
     <p:spTree>
@@ -5868,7 +5353,7 @@
             <a:fld id="{454586D2-FC10-4911-B5CA-CBCADE2DC1FC}" type="slidenum">
               <a:rPr lang="en-AU" smtClean="0"/>
               <a:pPr/>
-              <a:t>15</a:t>
+              <a:t>13</a:t>
             </a:fld>
             <a:endParaRPr lang="en-AU" dirty="0"/>
           </a:p>
@@ -6045,6 +5530,1161 @@
     <p:extLst>
       <p:ext uri="{BB962C8B-B14F-4D97-AF65-F5344CB8AC3E}">
         <p14:creationId xmlns:p14="http://schemas.microsoft.com/office/powerpoint/2010/main" val="962059024"/>
+      </p:ext>
+    </p:extLst>
+  </p:cSld>
+  <p:clrMapOvr>
+    <a:masterClrMapping/>
+  </p:clrMapOvr>
+</p:sld>
+</file>
+
+<file path=ppt/slides/slide14.xml><?xml version="1.0" encoding="utf-8"?>
+<p:sld xmlns:a="http://schemas.openxmlformats.org/drawingml/2006/main" xmlns:r="http://schemas.openxmlformats.org/officeDocument/2006/relationships" xmlns:p="http://schemas.openxmlformats.org/presentationml/2006/main">
+  <p:cSld>
+    <p:spTree>
+      <p:nvGrpSpPr>
+        <p:cNvPr id="1" name=""/>
+        <p:cNvGrpSpPr/>
+        <p:nvPr/>
+      </p:nvGrpSpPr>
+      <p:grpSpPr>
+        <a:xfrm>
+          <a:off x="0" y="0"/>
+          <a:ext cx="0" cy="0"/>
+          <a:chOff x="0" y="0"/>
+          <a:chExt cx="0" cy="0"/>
+        </a:xfrm>
+      </p:grpSpPr>
+      <p:sp>
+        <p:nvSpPr>
+          <p:cNvPr id="2" name="Title 1">
+            <a:extLst>
+              <a:ext uri="{FF2B5EF4-FFF2-40B4-BE49-F238E27FC236}">
+                <a16:creationId xmlns:a16="http://schemas.microsoft.com/office/drawing/2014/main" id="{34FB3A1B-C244-4590-DA7E-2448C607EAA4}"/>
+              </a:ext>
+            </a:extLst>
+          </p:cNvPr>
+          <p:cNvSpPr>
+            <a:spLocks noGrp="1"/>
+          </p:cNvSpPr>
+          <p:nvPr>
+            <p:ph type="title"/>
+          </p:nvPr>
+        </p:nvSpPr>
+        <p:spPr>
+          <a:xfrm>
+            <a:off x="304800" y="224261"/>
+            <a:ext cx="8636104" cy="351056"/>
+          </a:xfrm>
+        </p:spPr>
+        <p:txBody>
+          <a:bodyPr/>
+          <a:lstStyle/>
+          <a:p>
+            <a:r>
+              <a:rPr lang="en-AU" dirty="0"/>
+              <a:t>Are good employers good companies – Look at sector peers</a:t>
+            </a:r>
+          </a:p>
+        </p:txBody>
+      </p:sp>
+      <p:sp>
+        <p:nvSpPr>
+          <p:cNvPr id="3" name="Content Placeholder 2">
+            <a:extLst>
+              <a:ext uri="{FF2B5EF4-FFF2-40B4-BE49-F238E27FC236}">
+                <a16:creationId xmlns:a16="http://schemas.microsoft.com/office/drawing/2014/main" id="{7011FF0D-23C9-C092-C6FB-006D5A703A81}"/>
+              </a:ext>
+            </a:extLst>
+          </p:cNvPr>
+          <p:cNvSpPr>
+            <a:spLocks noGrp="1"/>
+          </p:cNvSpPr>
+          <p:nvPr>
+            <p:ph sz="quarter" idx="15"/>
+          </p:nvPr>
+        </p:nvSpPr>
+        <p:spPr/>
+        <p:txBody>
+          <a:bodyPr/>
+          <a:lstStyle/>
+          <a:p>
+            <a:pPr marL="0" marR="0" lvl="0" indent="0" algn="l" defTabSz="914400" rtl="0" eaLnBrk="1" fontAlgn="auto" latinLnBrk="0" hangingPunct="1">
+              <a:lnSpc>
+                <a:spcPct val="100000"/>
+              </a:lnSpc>
+              <a:spcBef>
+                <a:spcPts val="0"/>
+              </a:spcBef>
+              <a:spcAft>
+                <a:spcPts val="0"/>
+              </a:spcAft>
+              <a:buClrTx/>
+              <a:buSzTx/>
+              <a:buFontTx/>
+              <a:buNone/>
+              <a:tabLst/>
+              <a:defRPr/>
+            </a:pPr>
+            <a:r>
+              <a:rPr lang="en-US" b="0" dirty="0"/>
+              <a:t>Illustrative sector: ROE </a:t>
+            </a:r>
+            <a:r>
+              <a:rPr lang="en-US" dirty="0"/>
+              <a:t>in </a:t>
+            </a:r>
+            <a:r>
+              <a:rPr lang="en-US" b="1" dirty="0"/>
+              <a:t>Aerospace &amp; Defense </a:t>
+            </a:r>
+            <a:r>
+              <a:rPr lang="en-US" dirty="0"/>
+              <a:t>industry</a:t>
+            </a:r>
+            <a:endParaRPr lang="en-US" b="0" dirty="0"/>
+          </a:p>
+          <a:p>
+            <a:pPr marR="0" lvl="0" algn="l" defTabSz="914400" rtl="0" eaLnBrk="1" fontAlgn="auto" latinLnBrk="0" hangingPunct="1">
+              <a:lnSpc>
+                <a:spcPct val="100000"/>
+              </a:lnSpc>
+              <a:spcBef>
+                <a:spcPts val="0"/>
+              </a:spcBef>
+              <a:spcAft>
+                <a:spcPts val="0"/>
+              </a:spcAft>
+              <a:buClrTx/>
+              <a:buSzTx/>
+              <a:tabLst/>
+              <a:defRPr/>
+            </a:pPr>
+            <a:endParaRPr lang="en-US" dirty="0"/>
+          </a:p>
+          <a:p>
+            <a:pPr marR="0" lvl="0" algn="l" defTabSz="914400" rtl="0" eaLnBrk="1" fontAlgn="auto" latinLnBrk="0" hangingPunct="1">
+              <a:lnSpc>
+                <a:spcPct val="100000"/>
+              </a:lnSpc>
+              <a:spcBef>
+                <a:spcPts val="0"/>
+              </a:spcBef>
+              <a:spcAft>
+                <a:spcPts val="0"/>
+              </a:spcAft>
+              <a:buClrTx/>
+              <a:buSzTx/>
+              <a:tabLst/>
+              <a:defRPr/>
+            </a:pPr>
+            <a:endParaRPr lang="en-US" dirty="0"/>
+          </a:p>
+          <a:p>
+            <a:pPr marR="0" lvl="0" algn="l" defTabSz="914400" rtl="0" eaLnBrk="1" fontAlgn="auto" latinLnBrk="0" hangingPunct="1">
+              <a:lnSpc>
+                <a:spcPct val="100000"/>
+              </a:lnSpc>
+              <a:spcBef>
+                <a:spcPts val="0"/>
+              </a:spcBef>
+              <a:spcAft>
+                <a:spcPts val="0"/>
+              </a:spcAft>
+              <a:buClrTx/>
+              <a:buSzTx/>
+              <a:tabLst/>
+              <a:defRPr/>
+            </a:pPr>
+            <a:endParaRPr lang="en-US" b="0" dirty="0"/>
+          </a:p>
+          <a:p>
+            <a:pPr marR="0" lvl="0" algn="l" defTabSz="914400" rtl="0" eaLnBrk="1" fontAlgn="auto" latinLnBrk="0" hangingPunct="1">
+              <a:lnSpc>
+                <a:spcPct val="100000"/>
+              </a:lnSpc>
+              <a:spcBef>
+                <a:spcPts val="0"/>
+              </a:spcBef>
+              <a:spcAft>
+                <a:spcPts val="0"/>
+              </a:spcAft>
+              <a:buClrTx/>
+              <a:buSzTx/>
+              <a:tabLst/>
+              <a:defRPr/>
+            </a:pPr>
+            <a:endParaRPr lang="en-US" dirty="0"/>
+          </a:p>
+          <a:p>
+            <a:pPr marR="0" lvl="0" algn="l" defTabSz="914400" rtl="0" eaLnBrk="1" fontAlgn="auto" latinLnBrk="0" hangingPunct="1">
+              <a:lnSpc>
+                <a:spcPct val="100000"/>
+              </a:lnSpc>
+              <a:spcBef>
+                <a:spcPts val="0"/>
+              </a:spcBef>
+              <a:spcAft>
+                <a:spcPts val="0"/>
+              </a:spcAft>
+              <a:buClrTx/>
+              <a:buSzTx/>
+              <a:tabLst/>
+              <a:defRPr/>
+            </a:pPr>
+            <a:endParaRPr lang="en-US" b="0" dirty="0"/>
+          </a:p>
+          <a:p>
+            <a:pPr marR="0" lvl="0" algn="l" defTabSz="914400" rtl="0" eaLnBrk="1" fontAlgn="auto" latinLnBrk="0" hangingPunct="1">
+              <a:lnSpc>
+                <a:spcPct val="100000"/>
+              </a:lnSpc>
+              <a:spcBef>
+                <a:spcPts val="0"/>
+              </a:spcBef>
+              <a:spcAft>
+                <a:spcPts val="0"/>
+              </a:spcAft>
+              <a:buClrTx/>
+              <a:buSzTx/>
+              <a:tabLst/>
+              <a:defRPr/>
+            </a:pPr>
+            <a:endParaRPr lang="en-US" dirty="0"/>
+          </a:p>
+          <a:p>
+            <a:pPr marR="0" lvl="0" algn="l" defTabSz="914400" rtl="0" eaLnBrk="1" fontAlgn="auto" latinLnBrk="0" hangingPunct="1">
+              <a:lnSpc>
+                <a:spcPct val="100000"/>
+              </a:lnSpc>
+              <a:spcBef>
+                <a:spcPts val="0"/>
+              </a:spcBef>
+              <a:spcAft>
+                <a:spcPts val="0"/>
+              </a:spcAft>
+              <a:buClrTx/>
+              <a:buSzTx/>
+              <a:tabLst/>
+              <a:defRPr/>
+            </a:pPr>
+            <a:endParaRPr lang="en-US" b="0" dirty="0"/>
+          </a:p>
+          <a:p>
+            <a:pPr marR="0" lvl="0" algn="l" defTabSz="914400" rtl="0" eaLnBrk="1" fontAlgn="auto" latinLnBrk="0" hangingPunct="1">
+              <a:lnSpc>
+                <a:spcPct val="100000"/>
+              </a:lnSpc>
+              <a:spcBef>
+                <a:spcPts val="0"/>
+              </a:spcBef>
+              <a:spcAft>
+                <a:spcPts val="0"/>
+              </a:spcAft>
+              <a:buClrTx/>
+              <a:buSzTx/>
+              <a:tabLst/>
+              <a:defRPr/>
+            </a:pPr>
+            <a:endParaRPr lang="en-US" dirty="0"/>
+          </a:p>
+          <a:p>
+            <a:pPr marR="0" lvl="0" algn="l" defTabSz="914400" rtl="0" eaLnBrk="1" fontAlgn="auto" latinLnBrk="0" hangingPunct="1">
+              <a:lnSpc>
+                <a:spcPct val="100000"/>
+              </a:lnSpc>
+              <a:spcBef>
+                <a:spcPts val="0"/>
+              </a:spcBef>
+              <a:spcAft>
+                <a:spcPts val="0"/>
+              </a:spcAft>
+              <a:buClrTx/>
+              <a:buSzTx/>
+              <a:tabLst/>
+              <a:defRPr/>
+            </a:pPr>
+            <a:endParaRPr lang="en-US" b="0" dirty="0"/>
+          </a:p>
+          <a:p>
+            <a:pPr marR="0" lvl="0" algn="l" defTabSz="914400" rtl="0" eaLnBrk="1" fontAlgn="auto" latinLnBrk="0" hangingPunct="1">
+              <a:lnSpc>
+                <a:spcPct val="100000"/>
+              </a:lnSpc>
+              <a:spcBef>
+                <a:spcPts val="0"/>
+              </a:spcBef>
+              <a:spcAft>
+                <a:spcPts val="0"/>
+              </a:spcAft>
+              <a:buClrTx/>
+              <a:buSzTx/>
+              <a:tabLst/>
+              <a:defRPr/>
+            </a:pPr>
+            <a:endParaRPr lang="en-US" dirty="0"/>
+          </a:p>
+          <a:p>
+            <a:pPr marR="0" lvl="0" algn="l" defTabSz="914400" rtl="0" eaLnBrk="1" fontAlgn="auto" latinLnBrk="0" hangingPunct="1">
+              <a:lnSpc>
+                <a:spcPct val="100000"/>
+              </a:lnSpc>
+              <a:spcBef>
+                <a:spcPts val="0"/>
+              </a:spcBef>
+              <a:spcAft>
+                <a:spcPts val="0"/>
+              </a:spcAft>
+              <a:buClrTx/>
+              <a:buSzTx/>
+              <a:tabLst/>
+              <a:defRPr/>
+            </a:pPr>
+            <a:endParaRPr lang="en-US" b="0" dirty="0"/>
+          </a:p>
+          <a:p>
+            <a:pPr marR="0" lvl="0" algn="l" defTabSz="914400" rtl="0" eaLnBrk="1" fontAlgn="auto" latinLnBrk="0" hangingPunct="1">
+              <a:lnSpc>
+                <a:spcPct val="100000"/>
+              </a:lnSpc>
+              <a:spcBef>
+                <a:spcPts val="0"/>
+              </a:spcBef>
+              <a:spcAft>
+                <a:spcPts val="0"/>
+              </a:spcAft>
+              <a:buClrTx/>
+              <a:buSzTx/>
+              <a:tabLst/>
+              <a:defRPr/>
+            </a:pPr>
+            <a:endParaRPr lang="en-US" dirty="0"/>
+          </a:p>
+          <a:p>
+            <a:pPr marR="0" lvl="0" algn="l" defTabSz="914400" rtl="0" eaLnBrk="1" fontAlgn="auto" latinLnBrk="0" hangingPunct="1">
+              <a:lnSpc>
+                <a:spcPct val="100000"/>
+              </a:lnSpc>
+              <a:spcBef>
+                <a:spcPts val="0"/>
+              </a:spcBef>
+              <a:spcAft>
+                <a:spcPts val="0"/>
+              </a:spcAft>
+              <a:buClrTx/>
+              <a:buSzTx/>
+              <a:tabLst/>
+              <a:defRPr/>
+            </a:pPr>
+            <a:endParaRPr lang="en-US" b="0" dirty="0"/>
+          </a:p>
+          <a:p>
+            <a:pPr marR="0" lvl="0" algn="l" defTabSz="914400" rtl="0" eaLnBrk="1" fontAlgn="auto" latinLnBrk="0" hangingPunct="1">
+              <a:lnSpc>
+                <a:spcPct val="100000"/>
+              </a:lnSpc>
+              <a:spcBef>
+                <a:spcPts val="0"/>
+              </a:spcBef>
+              <a:spcAft>
+                <a:spcPts val="0"/>
+              </a:spcAft>
+              <a:buClrTx/>
+              <a:buSzTx/>
+              <a:tabLst/>
+              <a:defRPr/>
+            </a:pPr>
+            <a:endParaRPr lang="en-US" b="0" dirty="0"/>
+          </a:p>
+          <a:p>
+            <a:pPr marR="0" lvl="0" algn="l" defTabSz="914400" rtl="0" eaLnBrk="1" fontAlgn="auto" latinLnBrk="0" hangingPunct="1">
+              <a:lnSpc>
+                <a:spcPct val="100000"/>
+              </a:lnSpc>
+              <a:spcBef>
+                <a:spcPts val="0"/>
+              </a:spcBef>
+              <a:spcAft>
+                <a:spcPts val="0"/>
+              </a:spcAft>
+              <a:buClrTx/>
+              <a:buSzTx/>
+              <a:tabLst/>
+              <a:defRPr/>
+            </a:pPr>
+            <a:endParaRPr lang="en-US" b="0" dirty="0"/>
+          </a:p>
+        </p:txBody>
+      </p:sp>
+      <p:sp>
+        <p:nvSpPr>
+          <p:cNvPr id="4" name="Slide Number Placeholder 3">
+            <a:extLst>
+              <a:ext uri="{FF2B5EF4-FFF2-40B4-BE49-F238E27FC236}">
+                <a16:creationId xmlns:a16="http://schemas.microsoft.com/office/drawing/2014/main" id="{8A6E1B47-09E8-4494-59A8-65DB94E69513}"/>
+              </a:ext>
+            </a:extLst>
+          </p:cNvPr>
+          <p:cNvSpPr>
+            <a:spLocks noGrp="1"/>
+          </p:cNvSpPr>
+          <p:nvPr>
+            <p:ph type="sldNum" sz="quarter" idx="4"/>
+          </p:nvPr>
+        </p:nvSpPr>
+        <p:spPr>
+          <a:xfrm>
+            <a:off x="8153400" y="4797425"/>
+            <a:ext cx="787504" cy="288925"/>
+          </a:xfrm>
+        </p:spPr>
+        <p:txBody>
+          <a:bodyPr/>
+          <a:lstStyle/>
+          <a:p>
+            <a:fld id="{454586D2-FC10-4911-B5CA-CBCADE2DC1FC}" type="slidenum">
+              <a:rPr lang="en-AU" smtClean="0"/>
+              <a:pPr/>
+              <a:t>14</a:t>
+            </a:fld>
+            <a:endParaRPr lang="en-AU" dirty="0"/>
+          </a:p>
+        </p:txBody>
+      </p:sp>
+      <p:pic>
+        <p:nvPicPr>
+          <p:cNvPr id="5" name="Picture 4">
+            <a:extLst>
+              <a:ext uri="{FF2B5EF4-FFF2-40B4-BE49-F238E27FC236}">
+                <a16:creationId xmlns:a16="http://schemas.microsoft.com/office/drawing/2014/main" id="{969DE0EF-FF82-0A58-F73F-6E34A6202FA5}"/>
+              </a:ext>
+            </a:extLst>
+          </p:cNvPr>
+          <p:cNvPicPr>
+            <a:picLocks noChangeAspect="1"/>
+          </p:cNvPicPr>
+          <p:nvPr/>
+        </p:nvPicPr>
+        <p:blipFill>
+          <a:blip r:embed="rId3"/>
+          <a:stretch>
+            <a:fillRect/>
+          </a:stretch>
+        </p:blipFill>
+        <p:spPr>
+          <a:xfrm>
+            <a:off x="381000" y="1394474"/>
+            <a:ext cx="3170865" cy="2244076"/>
+          </a:xfrm>
+          <a:prstGeom prst="rect">
+            <a:avLst/>
+          </a:prstGeom>
+        </p:spPr>
+      </p:pic>
+      <p:pic>
+        <p:nvPicPr>
+          <p:cNvPr id="7" name="Picture 6">
+            <a:extLst>
+              <a:ext uri="{FF2B5EF4-FFF2-40B4-BE49-F238E27FC236}">
+                <a16:creationId xmlns:a16="http://schemas.microsoft.com/office/drawing/2014/main" id="{9ACDC16D-A7AC-5B58-D702-6E9E2B7455B9}"/>
+              </a:ext>
+            </a:extLst>
+          </p:cNvPr>
+          <p:cNvPicPr>
+            <a:picLocks noChangeAspect="1"/>
+          </p:cNvPicPr>
+          <p:nvPr/>
+        </p:nvPicPr>
+        <p:blipFill>
+          <a:blip r:embed="rId4"/>
+          <a:stretch>
+            <a:fillRect/>
+          </a:stretch>
+        </p:blipFill>
+        <p:spPr>
+          <a:xfrm>
+            <a:off x="3516730" y="1567836"/>
+            <a:ext cx="4568562" cy="1897352"/>
+          </a:xfrm>
+          <a:prstGeom prst="rect">
+            <a:avLst/>
+          </a:prstGeom>
+        </p:spPr>
+      </p:pic>
+      <p:sp>
+        <p:nvSpPr>
+          <p:cNvPr id="8" name="TextBox 7">
+            <a:extLst>
+              <a:ext uri="{FF2B5EF4-FFF2-40B4-BE49-F238E27FC236}">
+                <a16:creationId xmlns:a16="http://schemas.microsoft.com/office/drawing/2014/main" id="{77E93545-D134-F76A-BB36-5D0608D91D52}"/>
+              </a:ext>
+            </a:extLst>
+          </p:cNvPr>
+          <p:cNvSpPr txBox="1"/>
+          <p:nvPr/>
+        </p:nvSpPr>
+        <p:spPr>
+          <a:xfrm>
+            <a:off x="685800" y="3777962"/>
+            <a:ext cx="1143000" cy="215444"/>
+          </a:xfrm>
+          <a:prstGeom prst="rect">
+            <a:avLst/>
+          </a:prstGeom>
+          <a:noFill/>
+        </p:spPr>
+        <p:txBody>
+          <a:bodyPr wrap="square" rtlCol="0">
+            <a:spAutoFit/>
+          </a:bodyPr>
+          <a:lstStyle/>
+          <a:p>
+            <a:pPr algn="ctr"/>
+            <a:r>
+              <a:rPr lang="en-AU" sz="800" dirty="0">
+                <a:latin typeface="Calibri" panose="020F0502020204030204" pitchFamily="34" charset="0"/>
+                <a:cs typeface="Calibri" panose="020F0502020204030204" pitchFamily="34" charset="0"/>
+              </a:rPr>
+              <a:t>Acclaimed employers</a:t>
+            </a:r>
+          </a:p>
+        </p:txBody>
+      </p:sp>
+      <p:sp>
+        <p:nvSpPr>
+          <p:cNvPr id="9" name="TextBox 8">
+            <a:extLst>
+              <a:ext uri="{FF2B5EF4-FFF2-40B4-BE49-F238E27FC236}">
+                <a16:creationId xmlns:a16="http://schemas.microsoft.com/office/drawing/2014/main" id="{99F64471-56E1-0F64-79B2-E613FC4A3CB4}"/>
+              </a:ext>
+            </a:extLst>
+          </p:cNvPr>
+          <p:cNvSpPr txBox="1"/>
+          <p:nvPr/>
+        </p:nvSpPr>
+        <p:spPr>
+          <a:xfrm>
+            <a:off x="2240280" y="3777962"/>
+            <a:ext cx="1143000" cy="215444"/>
+          </a:xfrm>
+          <a:prstGeom prst="rect">
+            <a:avLst/>
+          </a:prstGeom>
+          <a:noFill/>
+        </p:spPr>
+        <p:txBody>
+          <a:bodyPr wrap="square" rtlCol="0">
+            <a:spAutoFit/>
+          </a:bodyPr>
+          <a:lstStyle/>
+          <a:p>
+            <a:pPr algn="ctr"/>
+            <a:r>
+              <a:rPr lang="en-AU" sz="800" dirty="0">
+                <a:latin typeface="Calibri" panose="020F0502020204030204" pitchFamily="34" charset="0"/>
+                <a:cs typeface="Calibri" panose="020F0502020204030204" pitchFamily="34" charset="0"/>
+              </a:rPr>
+              <a:t>Sector peers</a:t>
+            </a:r>
+          </a:p>
+        </p:txBody>
+      </p:sp>
+    </p:spTree>
+    <p:extLst>
+      <p:ext uri="{BB962C8B-B14F-4D97-AF65-F5344CB8AC3E}">
+        <p14:creationId xmlns:p14="http://schemas.microsoft.com/office/powerpoint/2010/main" val="2910976057"/>
+      </p:ext>
+    </p:extLst>
+  </p:cSld>
+  <p:clrMapOvr>
+    <a:masterClrMapping/>
+  </p:clrMapOvr>
+</p:sld>
+</file>
+
+<file path=ppt/slides/slide15.xml><?xml version="1.0" encoding="utf-8"?>
+<p:sld xmlns:a="http://schemas.openxmlformats.org/drawingml/2006/main" xmlns:r="http://schemas.openxmlformats.org/officeDocument/2006/relationships" xmlns:p="http://schemas.openxmlformats.org/presentationml/2006/main">
+  <p:cSld>
+    <p:spTree>
+      <p:nvGrpSpPr>
+        <p:cNvPr id="1" name=""/>
+        <p:cNvGrpSpPr/>
+        <p:nvPr/>
+      </p:nvGrpSpPr>
+      <p:grpSpPr>
+        <a:xfrm>
+          <a:off x="0" y="0"/>
+          <a:ext cx="0" cy="0"/>
+          <a:chOff x="0" y="0"/>
+          <a:chExt cx="0" cy="0"/>
+        </a:xfrm>
+      </p:grpSpPr>
+      <p:sp>
+        <p:nvSpPr>
+          <p:cNvPr id="2" name="Title 1">
+            <a:extLst>
+              <a:ext uri="{FF2B5EF4-FFF2-40B4-BE49-F238E27FC236}">
+                <a16:creationId xmlns:a16="http://schemas.microsoft.com/office/drawing/2014/main" id="{34FB3A1B-C244-4590-DA7E-2448C607EAA4}"/>
+              </a:ext>
+            </a:extLst>
+          </p:cNvPr>
+          <p:cNvSpPr>
+            <a:spLocks noGrp="1"/>
+          </p:cNvSpPr>
+          <p:nvPr>
+            <p:ph type="title"/>
+          </p:nvPr>
+        </p:nvSpPr>
+        <p:spPr>
+          <a:xfrm>
+            <a:off x="304800" y="224261"/>
+            <a:ext cx="8636104" cy="351056"/>
+          </a:xfrm>
+        </p:spPr>
+        <p:txBody>
+          <a:bodyPr/>
+          <a:lstStyle/>
+          <a:p>
+            <a:r>
+              <a:rPr lang="en-AU" dirty="0"/>
+              <a:t>Are good employers good companies – Look at sector peers</a:t>
+            </a:r>
+          </a:p>
+        </p:txBody>
+      </p:sp>
+      <p:sp>
+        <p:nvSpPr>
+          <p:cNvPr id="3" name="Content Placeholder 2">
+            <a:extLst>
+              <a:ext uri="{FF2B5EF4-FFF2-40B4-BE49-F238E27FC236}">
+                <a16:creationId xmlns:a16="http://schemas.microsoft.com/office/drawing/2014/main" id="{7011FF0D-23C9-C092-C6FB-006D5A703A81}"/>
+              </a:ext>
+            </a:extLst>
+          </p:cNvPr>
+          <p:cNvSpPr>
+            <a:spLocks noGrp="1"/>
+          </p:cNvSpPr>
+          <p:nvPr>
+            <p:ph sz="quarter" idx="15"/>
+          </p:nvPr>
+        </p:nvSpPr>
+        <p:spPr/>
+        <p:txBody>
+          <a:bodyPr/>
+          <a:lstStyle/>
+          <a:p>
+            <a:pPr marL="0" marR="0" lvl="0" indent="0" algn="l" defTabSz="914400" rtl="0" eaLnBrk="1" fontAlgn="auto" latinLnBrk="0" hangingPunct="1">
+              <a:lnSpc>
+                <a:spcPct val="100000"/>
+              </a:lnSpc>
+              <a:spcBef>
+                <a:spcPts val="0"/>
+              </a:spcBef>
+              <a:spcAft>
+                <a:spcPts val="0"/>
+              </a:spcAft>
+              <a:buClrTx/>
+              <a:buSzTx/>
+              <a:buFontTx/>
+              <a:buNone/>
+              <a:tabLst/>
+              <a:defRPr/>
+            </a:pPr>
+            <a:r>
+              <a:rPr lang="en-US" b="0" dirty="0"/>
+              <a:t>Illustrative sector: ROE </a:t>
+            </a:r>
+            <a:r>
+              <a:rPr lang="en-US" dirty="0"/>
+              <a:t>in </a:t>
+            </a:r>
+            <a:r>
+              <a:rPr lang="en-US" b="1" dirty="0"/>
+              <a:t>Pharmaceuticals &amp; Biotechnology </a:t>
+            </a:r>
+            <a:r>
+              <a:rPr lang="en-US" b="0" dirty="0"/>
+              <a:t>industry</a:t>
+            </a:r>
+          </a:p>
+          <a:p>
+            <a:pPr marL="0" marR="0" lvl="0" indent="0" algn="l" defTabSz="914400" rtl="0" eaLnBrk="1" fontAlgn="auto" latinLnBrk="0" hangingPunct="1">
+              <a:lnSpc>
+                <a:spcPct val="100000"/>
+              </a:lnSpc>
+              <a:spcBef>
+                <a:spcPts val="0"/>
+              </a:spcBef>
+              <a:spcAft>
+                <a:spcPts val="0"/>
+              </a:spcAft>
+              <a:buClrTx/>
+              <a:buSzTx/>
+              <a:buFontTx/>
+              <a:buNone/>
+              <a:tabLst/>
+              <a:defRPr/>
+            </a:pPr>
+            <a:endParaRPr lang="en-US" dirty="0"/>
+          </a:p>
+          <a:p>
+            <a:pPr marL="0" marR="0" lvl="0" indent="0" algn="l" defTabSz="914400" rtl="0" eaLnBrk="1" fontAlgn="auto" latinLnBrk="0" hangingPunct="1">
+              <a:lnSpc>
+                <a:spcPct val="100000"/>
+              </a:lnSpc>
+              <a:spcBef>
+                <a:spcPts val="0"/>
+              </a:spcBef>
+              <a:spcAft>
+                <a:spcPts val="0"/>
+              </a:spcAft>
+              <a:buClrTx/>
+              <a:buSzTx/>
+              <a:buFontTx/>
+              <a:buNone/>
+              <a:tabLst/>
+              <a:defRPr/>
+            </a:pPr>
+            <a:endParaRPr lang="en-US" b="0" dirty="0"/>
+          </a:p>
+          <a:p>
+            <a:pPr marL="0" marR="0" lvl="0" indent="0" algn="l" defTabSz="914400" rtl="0" eaLnBrk="1" fontAlgn="auto" latinLnBrk="0" hangingPunct="1">
+              <a:lnSpc>
+                <a:spcPct val="100000"/>
+              </a:lnSpc>
+              <a:spcBef>
+                <a:spcPts val="0"/>
+              </a:spcBef>
+              <a:spcAft>
+                <a:spcPts val="0"/>
+              </a:spcAft>
+              <a:buClrTx/>
+              <a:buSzTx/>
+              <a:buFontTx/>
+              <a:buNone/>
+              <a:tabLst/>
+              <a:defRPr/>
+            </a:pPr>
+            <a:endParaRPr lang="en-US" dirty="0"/>
+          </a:p>
+          <a:p>
+            <a:pPr marL="0" marR="0" lvl="0" indent="0" algn="l" defTabSz="914400" rtl="0" eaLnBrk="1" fontAlgn="auto" latinLnBrk="0" hangingPunct="1">
+              <a:lnSpc>
+                <a:spcPct val="100000"/>
+              </a:lnSpc>
+              <a:spcBef>
+                <a:spcPts val="0"/>
+              </a:spcBef>
+              <a:spcAft>
+                <a:spcPts val="0"/>
+              </a:spcAft>
+              <a:buClrTx/>
+              <a:buSzTx/>
+              <a:buFontTx/>
+              <a:buNone/>
+              <a:tabLst/>
+              <a:defRPr/>
+            </a:pPr>
+            <a:endParaRPr lang="en-US" b="0" dirty="0"/>
+          </a:p>
+          <a:p>
+            <a:pPr marL="0" marR="0" lvl="0" indent="0" algn="l" defTabSz="914400" rtl="0" eaLnBrk="1" fontAlgn="auto" latinLnBrk="0" hangingPunct="1">
+              <a:lnSpc>
+                <a:spcPct val="100000"/>
+              </a:lnSpc>
+              <a:spcBef>
+                <a:spcPts val="0"/>
+              </a:spcBef>
+              <a:spcAft>
+                <a:spcPts val="0"/>
+              </a:spcAft>
+              <a:buClrTx/>
+              <a:buSzTx/>
+              <a:buFontTx/>
+              <a:buNone/>
+              <a:tabLst/>
+              <a:defRPr/>
+            </a:pPr>
+            <a:endParaRPr lang="en-US" dirty="0"/>
+          </a:p>
+          <a:p>
+            <a:pPr marL="0" marR="0" lvl="0" indent="0" algn="l" defTabSz="914400" rtl="0" eaLnBrk="1" fontAlgn="auto" latinLnBrk="0" hangingPunct="1">
+              <a:lnSpc>
+                <a:spcPct val="100000"/>
+              </a:lnSpc>
+              <a:spcBef>
+                <a:spcPts val="0"/>
+              </a:spcBef>
+              <a:spcAft>
+                <a:spcPts val="0"/>
+              </a:spcAft>
+              <a:buClrTx/>
+              <a:buSzTx/>
+              <a:buFontTx/>
+              <a:buNone/>
+              <a:tabLst/>
+              <a:defRPr/>
+            </a:pPr>
+            <a:endParaRPr lang="en-US" b="0" dirty="0"/>
+          </a:p>
+          <a:p>
+            <a:pPr marL="0" marR="0" lvl="0" indent="0" algn="l" defTabSz="914400" rtl="0" eaLnBrk="1" fontAlgn="auto" latinLnBrk="0" hangingPunct="1">
+              <a:lnSpc>
+                <a:spcPct val="100000"/>
+              </a:lnSpc>
+              <a:spcBef>
+                <a:spcPts val="0"/>
+              </a:spcBef>
+              <a:spcAft>
+                <a:spcPts val="0"/>
+              </a:spcAft>
+              <a:buClrTx/>
+              <a:buSzTx/>
+              <a:buFontTx/>
+              <a:buNone/>
+              <a:tabLst/>
+              <a:defRPr/>
+            </a:pPr>
+            <a:endParaRPr lang="en-US" dirty="0"/>
+          </a:p>
+          <a:p>
+            <a:pPr marL="0" marR="0" lvl="0" indent="0" algn="l" defTabSz="914400" rtl="0" eaLnBrk="1" fontAlgn="auto" latinLnBrk="0" hangingPunct="1">
+              <a:lnSpc>
+                <a:spcPct val="100000"/>
+              </a:lnSpc>
+              <a:spcBef>
+                <a:spcPts val="0"/>
+              </a:spcBef>
+              <a:spcAft>
+                <a:spcPts val="0"/>
+              </a:spcAft>
+              <a:buClrTx/>
+              <a:buSzTx/>
+              <a:buFontTx/>
+              <a:buNone/>
+              <a:tabLst/>
+              <a:defRPr/>
+            </a:pPr>
+            <a:endParaRPr lang="en-US" b="0" dirty="0"/>
+          </a:p>
+          <a:p>
+            <a:pPr marL="0" marR="0" lvl="0" indent="0" algn="l" defTabSz="914400" rtl="0" eaLnBrk="1" fontAlgn="auto" latinLnBrk="0" hangingPunct="1">
+              <a:lnSpc>
+                <a:spcPct val="100000"/>
+              </a:lnSpc>
+              <a:spcBef>
+                <a:spcPts val="0"/>
+              </a:spcBef>
+              <a:spcAft>
+                <a:spcPts val="0"/>
+              </a:spcAft>
+              <a:buClrTx/>
+              <a:buSzTx/>
+              <a:buFontTx/>
+              <a:buNone/>
+              <a:tabLst/>
+              <a:defRPr/>
+            </a:pPr>
+            <a:endParaRPr lang="en-US" dirty="0"/>
+          </a:p>
+          <a:p>
+            <a:pPr marL="0" marR="0" lvl="0" indent="0" algn="l" defTabSz="914400" rtl="0" eaLnBrk="1" fontAlgn="auto" latinLnBrk="0" hangingPunct="1">
+              <a:lnSpc>
+                <a:spcPct val="100000"/>
+              </a:lnSpc>
+              <a:spcBef>
+                <a:spcPts val="0"/>
+              </a:spcBef>
+              <a:spcAft>
+                <a:spcPts val="0"/>
+              </a:spcAft>
+              <a:buClrTx/>
+              <a:buSzTx/>
+              <a:buFontTx/>
+              <a:buNone/>
+              <a:tabLst/>
+              <a:defRPr/>
+            </a:pPr>
+            <a:endParaRPr lang="en-US" b="0" dirty="0"/>
+          </a:p>
+          <a:p>
+            <a:pPr marL="0" marR="0" lvl="0" indent="0" algn="l" defTabSz="914400" rtl="0" eaLnBrk="1" fontAlgn="auto" latinLnBrk="0" hangingPunct="1">
+              <a:lnSpc>
+                <a:spcPct val="100000"/>
+              </a:lnSpc>
+              <a:spcBef>
+                <a:spcPts val="0"/>
+              </a:spcBef>
+              <a:spcAft>
+                <a:spcPts val="0"/>
+              </a:spcAft>
+              <a:buClrTx/>
+              <a:buSzTx/>
+              <a:buFontTx/>
+              <a:buNone/>
+              <a:tabLst/>
+              <a:defRPr/>
+            </a:pPr>
+            <a:endParaRPr lang="en-US" dirty="0"/>
+          </a:p>
+          <a:p>
+            <a:pPr marL="0" marR="0" lvl="0" indent="0" algn="l" defTabSz="914400" rtl="0" eaLnBrk="1" fontAlgn="auto" latinLnBrk="0" hangingPunct="1">
+              <a:lnSpc>
+                <a:spcPct val="100000"/>
+              </a:lnSpc>
+              <a:spcBef>
+                <a:spcPts val="0"/>
+              </a:spcBef>
+              <a:spcAft>
+                <a:spcPts val="0"/>
+              </a:spcAft>
+              <a:buClrTx/>
+              <a:buSzTx/>
+              <a:buFontTx/>
+              <a:buNone/>
+              <a:tabLst/>
+              <a:defRPr/>
+            </a:pPr>
+            <a:endParaRPr lang="en-US" b="0" dirty="0"/>
+          </a:p>
+          <a:p>
+            <a:pPr marL="0" marR="0" lvl="0" indent="0" algn="l" defTabSz="914400" rtl="0" eaLnBrk="1" fontAlgn="auto" latinLnBrk="0" hangingPunct="1">
+              <a:lnSpc>
+                <a:spcPct val="100000"/>
+              </a:lnSpc>
+              <a:spcBef>
+                <a:spcPts val="0"/>
+              </a:spcBef>
+              <a:spcAft>
+                <a:spcPts val="0"/>
+              </a:spcAft>
+              <a:buClrTx/>
+              <a:buSzTx/>
+              <a:buFontTx/>
+              <a:buNone/>
+              <a:tabLst/>
+              <a:defRPr/>
+            </a:pPr>
+            <a:endParaRPr lang="en-US" dirty="0"/>
+          </a:p>
+          <a:p>
+            <a:pPr marL="0" marR="0" lvl="0" indent="0" algn="l" defTabSz="914400" rtl="0" eaLnBrk="1" fontAlgn="auto" latinLnBrk="0" hangingPunct="1">
+              <a:lnSpc>
+                <a:spcPct val="100000"/>
+              </a:lnSpc>
+              <a:spcBef>
+                <a:spcPts val="0"/>
+              </a:spcBef>
+              <a:spcAft>
+                <a:spcPts val="0"/>
+              </a:spcAft>
+              <a:buClrTx/>
+              <a:buSzTx/>
+              <a:buFontTx/>
+              <a:buNone/>
+              <a:tabLst/>
+              <a:defRPr/>
+            </a:pPr>
+            <a:endParaRPr lang="en-US" b="0" dirty="0"/>
+          </a:p>
+          <a:p>
+            <a:pPr marR="0" lvl="0" algn="l" defTabSz="914400" rtl="0" eaLnBrk="1" fontAlgn="auto" latinLnBrk="0" hangingPunct="1">
+              <a:lnSpc>
+                <a:spcPct val="100000"/>
+              </a:lnSpc>
+              <a:spcBef>
+                <a:spcPts val="0"/>
+              </a:spcBef>
+              <a:spcAft>
+                <a:spcPts val="0"/>
+              </a:spcAft>
+              <a:buClrTx/>
+              <a:buSzTx/>
+              <a:tabLst/>
+              <a:defRPr/>
+            </a:pPr>
+            <a:endParaRPr lang="en-US" b="0" dirty="0"/>
+          </a:p>
+        </p:txBody>
+      </p:sp>
+      <p:sp>
+        <p:nvSpPr>
+          <p:cNvPr id="4" name="Slide Number Placeholder 3">
+            <a:extLst>
+              <a:ext uri="{FF2B5EF4-FFF2-40B4-BE49-F238E27FC236}">
+                <a16:creationId xmlns:a16="http://schemas.microsoft.com/office/drawing/2014/main" id="{8A6E1B47-09E8-4494-59A8-65DB94E69513}"/>
+              </a:ext>
+            </a:extLst>
+          </p:cNvPr>
+          <p:cNvSpPr>
+            <a:spLocks noGrp="1"/>
+          </p:cNvSpPr>
+          <p:nvPr>
+            <p:ph type="sldNum" sz="quarter" idx="4"/>
+          </p:nvPr>
+        </p:nvSpPr>
+        <p:spPr>
+          <a:xfrm>
+            <a:off x="8153400" y="4797425"/>
+            <a:ext cx="787504" cy="288925"/>
+          </a:xfrm>
+        </p:spPr>
+        <p:txBody>
+          <a:bodyPr/>
+          <a:lstStyle/>
+          <a:p>
+            <a:fld id="{454586D2-FC10-4911-B5CA-CBCADE2DC1FC}" type="slidenum">
+              <a:rPr lang="en-AU" smtClean="0"/>
+              <a:pPr/>
+              <a:t>15</a:t>
+            </a:fld>
+            <a:endParaRPr lang="en-AU" dirty="0"/>
+          </a:p>
+        </p:txBody>
+      </p:sp>
+      <p:pic>
+        <p:nvPicPr>
+          <p:cNvPr id="6" name="Picture 5">
+            <a:extLst>
+              <a:ext uri="{FF2B5EF4-FFF2-40B4-BE49-F238E27FC236}">
+                <a16:creationId xmlns:a16="http://schemas.microsoft.com/office/drawing/2014/main" id="{A8BAEEA0-DAD4-9892-92A3-0E6A79130FD6}"/>
+              </a:ext>
+            </a:extLst>
+          </p:cNvPr>
+          <p:cNvPicPr>
+            <a:picLocks noChangeAspect="1"/>
+          </p:cNvPicPr>
+          <p:nvPr/>
+        </p:nvPicPr>
+        <p:blipFill>
+          <a:blip r:embed="rId3"/>
+          <a:stretch>
+            <a:fillRect/>
+          </a:stretch>
+        </p:blipFill>
+        <p:spPr>
+          <a:xfrm>
+            <a:off x="330464" y="1401505"/>
+            <a:ext cx="3098536" cy="2268000"/>
+          </a:xfrm>
+          <a:prstGeom prst="rect">
+            <a:avLst/>
+          </a:prstGeom>
+        </p:spPr>
+      </p:pic>
+      <p:pic>
+        <p:nvPicPr>
+          <p:cNvPr id="8" name="Picture 7">
+            <a:extLst>
+              <a:ext uri="{FF2B5EF4-FFF2-40B4-BE49-F238E27FC236}">
+                <a16:creationId xmlns:a16="http://schemas.microsoft.com/office/drawing/2014/main" id="{F4D84519-2140-C673-A4A4-19139630C7A6}"/>
+              </a:ext>
+            </a:extLst>
+          </p:cNvPr>
+          <p:cNvPicPr>
+            <a:picLocks noChangeAspect="1"/>
+          </p:cNvPicPr>
+          <p:nvPr/>
+        </p:nvPicPr>
+        <p:blipFill>
+          <a:blip r:embed="rId4"/>
+          <a:stretch>
+            <a:fillRect/>
+          </a:stretch>
+        </p:blipFill>
+        <p:spPr>
+          <a:xfrm>
+            <a:off x="3510544" y="1583809"/>
+            <a:ext cx="4572264" cy="2283341"/>
+          </a:xfrm>
+          <a:prstGeom prst="rect">
+            <a:avLst/>
+          </a:prstGeom>
+        </p:spPr>
+      </p:pic>
+      <p:sp>
+        <p:nvSpPr>
+          <p:cNvPr id="5" name="TextBox 4">
+            <a:extLst>
+              <a:ext uri="{FF2B5EF4-FFF2-40B4-BE49-F238E27FC236}">
+                <a16:creationId xmlns:a16="http://schemas.microsoft.com/office/drawing/2014/main" id="{353097BE-A50F-8191-EE70-DB294D82D02D}"/>
+              </a:ext>
+            </a:extLst>
+          </p:cNvPr>
+          <p:cNvSpPr txBox="1"/>
+          <p:nvPr/>
+        </p:nvSpPr>
+        <p:spPr>
+          <a:xfrm>
+            <a:off x="685800" y="3777962"/>
+            <a:ext cx="1143000" cy="215444"/>
+          </a:xfrm>
+          <a:prstGeom prst="rect">
+            <a:avLst/>
+          </a:prstGeom>
+          <a:noFill/>
+        </p:spPr>
+        <p:txBody>
+          <a:bodyPr wrap="square" rtlCol="0">
+            <a:spAutoFit/>
+          </a:bodyPr>
+          <a:lstStyle/>
+          <a:p>
+            <a:pPr algn="ctr"/>
+            <a:r>
+              <a:rPr lang="en-AU" sz="800" dirty="0">
+                <a:latin typeface="Calibri" panose="020F0502020204030204" pitchFamily="34" charset="0"/>
+                <a:cs typeface="Calibri" panose="020F0502020204030204" pitchFamily="34" charset="0"/>
+              </a:rPr>
+              <a:t>Acclaimed employers</a:t>
+            </a:r>
+          </a:p>
+        </p:txBody>
+      </p:sp>
+      <p:sp>
+        <p:nvSpPr>
+          <p:cNvPr id="7" name="TextBox 6">
+            <a:extLst>
+              <a:ext uri="{FF2B5EF4-FFF2-40B4-BE49-F238E27FC236}">
+                <a16:creationId xmlns:a16="http://schemas.microsoft.com/office/drawing/2014/main" id="{7BCCD003-E986-FE9B-B69D-94460B5A89F7}"/>
+              </a:ext>
+            </a:extLst>
+          </p:cNvPr>
+          <p:cNvSpPr txBox="1"/>
+          <p:nvPr/>
+        </p:nvSpPr>
+        <p:spPr>
+          <a:xfrm>
+            <a:off x="2240280" y="3777962"/>
+            <a:ext cx="1143000" cy="215444"/>
+          </a:xfrm>
+          <a:prstGeom prst="rect">
+            <a:avLst/>
+          </a:prstGeom>
+          <a:noFill/>
+        </p:spPr>
+        <p:txBody>
+          <a:bodyPr wrap="square" rtlCol="0">
+            <a:spAutoFit/>
+          </a:bodyPr>
+          <a:lstStyle/>
+          <a:p>
+            <a:pPr algn="ctr"/>
+            <a:r>
+              <a:rPr lang="en-AU" sz="800" dirty="0">
+                <a:latin typeface="Calibri" panose="020F0502020204030204" pitchFamily="34" charset="0"/>
+                <a:cs typeface="Calibri" panose="020F0502020204030204" pitchFamily="34" charset="0"/>
+              </a:rPr>
+              <a:t>Sector peers</a:t>
+            </a:r>
+          </a:p>
+        </p:txBody>
+      </p:sp>
+    </p:spTree>
+    <p:extLst>
+      <p:ext uri="{BB962C8B-B14F-4D97-AF65-F5344CB8AC3E}">
+        <p14:creationId xmlns:p14="http://schemas.microsoft.com/office/powerpoint/2010/main" val="2394798900"/>
       </p:ext>
     </p:extLst>
   </p:cSld>
@@ -6076,7 +6716,7 @@
           <p:cNvPr id="2" name="Title 1">
             <a:extLst>
               <a:ext uri="{FF2B5EF4-FFF2-40B4-BE49-F238E27FC236}">
-                <a16:creationId xmlns:a16="http://schemas.microsoft.com/office/drawing/2014/main" id="{34FB3A1B-C244-4590-DA7E-2448C607EAA4}"/>
+                <a16:creationId xmlns:a16="http://schemas.microsoft.com/office/drawing/2014/main" id="{701B6E93-FFD4-862D-8372-D965E3154947}"/>
               </a:ext>
             </a:extLst>
           </p:cNvPr>
@@ -6085,12 +6725,40 @@
           </p:cNvSpPr>
           <p:nvPr>
             <p:ph type="title"/>
+          </p:nvPr>
+        </p:nvSpPr>
+        <p:spPr/>
+        <p:txBody>
+          <a:bodyPr/>
+          <a:lstStyle/>
+          <a:p>
+            <a:r>
+              <a:rPr lang="en-AU" dirty="0"/>
+              <a:t>Other factors contributing to being good employer</a:t>
+            </a:r>
+          </a:p>
+        </p:txBody>
+      </p:sp>
+      <p:sp>
+        <p:nvSpPr>
+          <p:cNvPr id="3" name="Content Placeholder 2">
+            <a:extLst>
+              <a:ext uri="{FF2B5EF4-FFF2-40B4-BE49-F238E27FC236}">
+                <a16:creationId xmlns:a16="http://schemas.microsoft.com/office/drawing/2014/main" id="{3DEF607B-8E14-862E-0DFE-14BF68696A13}"/>
+              </a:ext>
+            </a:extLst>
+          </p:cNvPr>
+          <p:cNvSpPr>
+            <a:spLocks noGrp="1"/>
+          </p:cNvSpPr>
+          <p:nvPr>
+            <p:ph sz="quarter" idx="15"/>
           </p:nvPr>
         </p:nvSpPr>
         <p:spPr>
           <a:xfrm>
-            <a:off x="304800" y="224261"/>
-            <a:ext cx="8636104" cy="351056"/>
+            <a:off x="274320" y="819149"/>
+            <a:ext cx="8316000" cy="3978275"/>
           </a:xfrm>
         </p:spPr>
         <p:txBody>
@@ -6099,345 +6767,89 @@
           <a:p>
             <a:r>
               <a:rPr lang="en-AU" dirty="0"/>
-              <a:t>Are good employers good companies – Look at sector peers</a:t>
-            </a:r>
-          </a:p>
-        </p:txBody>
-      </p:sp>
-      <p:sp>
-        <p:nvSpPr>
-          <p:cNvPr id="3" name="Content Placeholder 2">
+              <a:t>Measure of union density^ for Forbes Top 100 employers</a:t>
+            </a:r>
+          </a:p>
+          <a:p>
+            <a:endParaRPr lang="en-AU" dirty="0"/>
+          </a:p>
+          <a:p>
+            <a:endParaRPr lang="en-AU" dirty="0"/>
+          </a:p>
+          <a:p>
+            <a:r>
+              <a:rPr lang="en-AU" dirty="0"/>
+              <a:t>Investigate whether the best ranked</a:t>
+            </a:r>
+          </a:p>
+          <a:p>
+            <a:r>
+              <a:rPr lang="en-AU" dirty="0"/>
+              <a:t>employers have the best union </a:t>
+            </a:r>
+          </a:p>
+          <a:p>
+            <a:r>
+              <a:rPr lang="en-AU" dirty="0"/>
+              <a:t>Representation</a:t>
+            </a:r>
+          </a:p>
+          <a:p>
+            <a:endParaRPr lang="en-AU" dirty="0"/>
+          </a:p>
+          <a:p>
+            <a:endParaRPr lang="en-AU" dirty="0"/>
+          </a:p>
+          <a:p>
+            <a:endParaRPr lang="en-AU" dirty="0"/>
+          </a:p>
+          <a:p>
+            <a:endParaRPr lang="en-AU" dirty="0"/>
+          </a:p>
+          <a:p>
+            <a:endParaRPr lang="en-AU" dirty="0"/>
+          </a:p>
+          <a:p>
+            <a:endParaRPr lang="en-AU" dirty="0"/>
+          </a:p>
+          <a:p>
+            <a:endParaRPr lang="en-AU" dirty="0"/>
+          </a:p>
+          <a:p>
+            <a:r>
+              <a:rPr lang="en-AU" sz="1100" dirty="0"/>
+              <a:t>^ Union density : number of trade union members who are employees as a percentage of the total number of employees. Source : ILO Stats</a:t>
+            </a:r>
+          </a:p>
+          <a:p>
+            <a:endParaRPr lang="en-AU" dirty="0"/>
+          </a:p>
+          <a:p>
+            <a:endParaRPr lang="en-AU" dirty="0"/>
+          </a:p>
+          <a:p>
+            <a:endParaRPr lang="en-AU" dirty="0"/>
+          </a:p>
+          <a:p>
+            <a:endParaRPr lang="en-AU" dirty="0"/>
+          </a:p>
+          <a:p>
+            <a:endParaRPr lang="en-AU" dirty="0"/>
+          </a:p>
+          <a:p>
+            <a:endParaRPr lang="en-AU" dirty="0"/>
+          </a:p>
+          <a:p>
+            <a:endParaRPr lang="en-AU" dirty="0"/>
+          </a:p>
+        </p:txBody>
+      </p:sp>
+      <p:sp>
+        <p:nvSpPr>
+          <p:cNvPr id="4" name="Slide Number Placeholder 3">
             <a:extLst>
               <a:ext uri="{FF2B5EF4-FFF2-40B4-BE49-F238E27FC236}">
-                <a16:creationId xmlns:a16="http://schemas.microsoft.com/office/drawing/2014/main" id="{7011FF0D-23C9-C092-C6FB-006D5A703A81}"/>
-              </a:ext>
-            </a:extLst>
-          </p:cNvPr>
-          <p:cNvSpPr>
-            <a:spLocks noGrp="1"/>
-          </p:cNvSpPr>
-          <p:nvPr>
-            <p:ph sz="quarter" idx="15"/>
-          </p:nvPr>
-        </p:nvSpPr>
-        <p:spPr/>
-        <p:txBody>
-          <a:bodyPr/>
-          <a:lstStyle/>
-          <a:p>
-            <a:pPr marL="0" marR="0" lvl="0" indent="0" algn="l" defTabSz="914400" rtl="0" eaLnBrk="1" fontAlgn="auto" latinLnBrk="0" hangingPunct="1">
-              <a:lnSpc>
-                <a:spcPct val="100000"/>
-              </a:lnSpc>
-              <a:spcBef>
-                <a:spcPts val="0"/>
-              </a:spcBef>
-              <a:spcAft>
-                <a:spcPts val="0"/>
-              </a:spcAft>
-              <a:buClrTx/>
-              <a:buSzTx/>
-              <a:buFontTx/>
-              <a:buNone/>
-              <a:tabLst/>
-              <a:defRPr/>
-            </a:pPr>
-            <a:r>
-              <a:rPr lang="en-US" b="0" dirty="0"/>
-              <a:t>Illustrative sector: ROE </a:t>
-            </a:r>
-            <a:r>
-              <a:rPr lang="en-US" dirty="0"/>
-              <a:t>in </a:t>
-            </a:r>
-            <a:r>
-              <a:rPr lang="en-US" b="1" dirty="0"/>
-              <a:t>Aerospace &amp; Defense </a:t>
-            </a:r>
-            <a:r>
-              <a:rPr lang="en-US" dirty="0"/>
-              <a:t>industry</a:t>
-            </a:r>
-            <a:endParaRPr lang="en-US" b="0" dirty="0"/>
-          </a:p>
-          <a:p>
-            <a:pPr marR="0" lvl="0" algn="l" defTabSz="914400" rtl="0" eaLnBrk="1" fontAlgn="auto" latinLnBrk="0" hangingPunct="1">
-              <a:lnSpc>
-                <a:spcPct val="100000"/>
-              </a:lnSpc>
-              <a:spcBef>
-                <a:spcPts val="0"/>
-              </a:spcBef>
-              <a:spcAft>
-                <a:spcPts val="0"/>
-              </a:spcAft>
-              <a:buClrTx/>
-              <a:buSzTx/>
-              <a:tabLst/>
-              <a:defRPr/>
-            </a:pPr>
-            <a:endParaRPr lang="en-US" dirty="0"/>
-          </a:p>
-          <a:p>
-            <a:pPr marR="0" lvl="0" algn="l" defTabSz="914400" rtl="0" eaLnBrk="1" fontAlgn="auto" latinLnBrk="0" hangingPunct="1">
-              <a:lnSpc>
-                <a:spcPct val="100000"/>
-              </a:lnSpc>
-              <a:spcBef>
-                <a:spcPts val="0"/>
-              </a:spcBef>
-              <a:spcAft>
-                <a:spcPts val="0"/>
-              </a:spcAft>
-              <a:buClrTx/>
-              <a:buSzTx/>
-              <a:tabLst/>
-              <a:defRPr/>
-            </a:pPr>
-            <a:endParaRPr lang="en-US" dirty="0"/>
-          </a:p>
-          <a:p>
-            <a:pPr marR="0" lvl="0" algn="l" defTabSz="914400" rtl="0" eaLnBrk="1" fontAlgn="auto" latinLnBrk="0" hangingPunct="1">
-              <a:lnSpc>
-                <a:spcPct val="100000"/>
-              </a:lnSpc>
-              <a:spcBef>
-                <a:spcPts val="0"/>
-              </a:spcBef>
-              <a:spcAft>
-                <a:spcPts val="0"/>
-              </a:spcAft>
-              <a:buClrTx/>
-              <a:buSzTx/>
-              <a:tabLst/>
-              <a:defRPr/>
-            </a:pPr>
-            <a:endParaRPr lang="en-US" b="0" dirty="0"/>
-          </a:p>
-          <a:p>
-            <a:pPr marR="0" lvl="0" algn="l" defTabSz="914400" rtl="0" eaLnBrk="1" fontAlgn="auto" latinLnBrk="0" hangingPunct="1">
-              <a:lnSpc>
-                <a:spcPct val="100000"/>
-              </a:lnSpc>
-              <a:spcBef>
-                <a:spcPts val="0"/>
-              </a:spcBef>
-              <a:spcAft>
-                <a:spcPts val="0"/>
-              </a:spcAft>
-              <a:buClrTx/>
-              <a:buSzTx/>
-              <a:tabLst/>
-              <a:defRPr/>
-            </a:pPr>
-            <a:endParaRPr lang="en-US" dirty="0"/>
-          </a:p>
-          <a:p>
-            <a:pPr marR="0" lvl="0" algn="l" defTabSz="914400" rtl="0" eaLnBrk="1" fontAlgn="auto" latinLnBrk="0" hangingPunct="1">
-              <a:lnSpc>
-                <a:spcPct val="100000"/>
-              </a:lnSpc>
-              <a:spcBef>
-                <a:spcPts val="0"/>
-              </a:spcBef>
-              <a:spcAft>
-                <a:spcPts val="0"/>
-              </a:spcAft>
-              <a:buClrTx/>
-              <a:buSzTx/>
-              <a:tabLst/>
-              <a:defRPr/>
-            </a:pPr>
-            <a:endParaRPr lang="en-US" b="0" dirty="0"/>
-          </a:p>
-          <a:p>
-            <a:pPr marR="0" lvl="0" algn="l" defTabSz="914400" rtl="0" eaLnBrk="1" fontAlgn="auto" latinLnBrk="0" hangingPunct="1">
-              <a:lnSpc>
-                <a:spcPct val="100000"/>
-              </a:lnSpc>
-              <a:spcBef>
-                <a:spcPts val="0"/>
-              </a:spcBef>
-              <a:spcAft>
-                <a:spcPts val="0"/>
-              </a:spcAft>
-              <a:buClrTx/>
-              <a:buSzTx/>
-              <a:tabLst/>
-              <a:defRPr/>
-            </a:pPr>
-            <a:endParaRPr lang="en-US" dirty="0"/>
-          </a:p>
-          <a:p>
-            <a:pPr marR="0" lvl="0" algn="l" defTabSz="914400" rtl="0" eaLnBrk="1" fontAlgn="auto" latinLnBrk="0" hangingPunct="1">
-              <a:lnSpc>
-                <a:spcPct val="100000"/>
-              </a:lnSpc>
-              <a:spcBef>
-                <a:spcPts val="0"/>
-              </a:spcBef>
-              <a:spcAft>
-                <a:spcPts val="0"/>
-              </a:spcAft>
-              <a:buClrTx/>
-              <a:buSzTx/>
-              <a:tabLst/>
-              <a:defRPr/>
-            </a:pPr>
-            <a:endParaRPr lang="en-US" b="0" dirty="0"/>
-          </a:p>
-          <a:p>
-            <a:pPr marR="0" lvl="0" algn="l" defTabSz="914400" rtl="0" eaLnBrk="1" fontAlgn="auto" latinLnBrk="0" hangingPunct="1">
-              <a:lnSpc>
-                <a:spcPct val="100000"/>
-              </a:lnSpc>
-              <a:spcBef>
-                <a:spcPts val="0"/>
-              </a:spcBef>
-              <a:spcAft>
-                <a:spcPts val="0"/>
-              </a:spcAft>
-              <a:buClrTx/>
-              <a:buSzTx/>
-              <a:tabLst/>
-              <a:defRPr/>
-            </a:pPr>
-            <a:endParaRPr lang="en-US" dirty="0"/>
-          </a:p>
-          <a:p>
-            <a:pPr marR="0" lvl="0" algn="l" defTabSz="914400" rtl="0" eaLnBrk="1" fontAlgn="auto" latinLnBrk="0" hangingPunct="1">
-              <a:lnSpc>
-                <a:spcPct val="100000"/>
-              </a:lnSpc>
-              <a:spcBef>
-                <a:spcPts val="0"/>
-              </a:spcBef>
-              <a:spcAft>
-                <a:spcPts val="0"/>
-              </a:spcAft>
-              <a:buClrTx/>
-              <a:buSzTx/>
-              <a:tabLst/>
-              <a:defRPr/>
-            </a:pPr>
-            <a:endParaRPr lang="en-US" b="0" dirty="0"/>
-          </a:p>
-          <a:p>
-            <a:pPr marR="0" lvl="0" algn="l" defTabSz="914400" rtl="0" eaLnBrk="1" fontAlgn="auto" latinLnBrk="0" hangingPunct="1">
-              <a:lnSpc>
-                <a:spcPct val="100000"/>
-              </a:lnSpc>
-              <a:spcBef>
-                <a:spcPts val="0"/>
-              </a:spcBef>
-              <a:spcAft>
-                <a:spcPts val="0"/>
-              </a:spcAft>
-              <a:buClrTx/>
-              <a:buSzTx/>
-              <a:tabLst/>
-              <a:defRPr/>
-            </a:pPr>
-            <a:endParaRPr lang="en-US" dirty="0"/>
-          </a:p>
-          <a:p>
-            <a:pPr marR="0" lvl="0" algn="l" defTabSz="914400" rtl="0" eaLnBrk="1" fontAlgn="auto" latinLnBrk="0" hangingPunct="1">
-              <a:lnSpc>
-                <a:spcPct val="100000"/>
-              </a:lnSpc>
-              <a:spcBef>
-                <a:spcPts val="0"/>
-              </a:spcBef>
-              <a:spcAft>
-                <a:spcPts val="0"/>
-              </a:spcAft>
-              <a:buClrTx/>
-              <a:buSzTx/>
-              <a:tabLst/>
-              <a:defRPr/>
-            </a:pPr>
-            <a:endParaRPr lang="en-US" b="0" dirty="0"/>
-          </a:p>
-          <a:p>
-            <a:pPr marR="0" lvl="0" algn="l" defTabSz="914400" rtl="0" eaLnBrk="1" fontAlgn="auto" latinLnBrk="0" hangingPunct="1">
-              <a:lnSpc>
-                <a:spcPct val="100000"/>
-              </a:lnSpc>
-              <a:spcBef>
-                <a:spcPts val="0"/>
-              </a:spcBef>
-              <a:spcAft>
-                <a:spcPts val="0"/>
-              </a:spcAft>
-              <a:buClrTx/>
-              <a:buSzTx/>
-              <a:tabLst/>
-              <a:defRPr/>
-            </a:pPr>
-            <a:endParaRPr lang="en-US" dirty="0"/>
-          </a:p>
-          <a:p>
-            <a:pPr marR="0" lvl="0" algn="l" defTabSz="914400" rtl="0" eaLnBrk="1" fontAlgn="auto" latinLnBrk="0" hangingPunct="1">
-              <a:lnSpc>
-                <a:spcPct val="100000"/>
-              </a:lnSpc>
-              <a:spcBef>
-                <a:spcPts val="0"/>
-              </a:spcBef>
-              <a:spcAft>
-                <a:spcPts val="0"/>
-              </a:spcAft>
-              <a:buClrTx/>
-              <a:buSzTx/>
-              <a:tabLst/>
-              <a:defRPr/>
-            </a:pPr>
-            <a:endParaRPr lang="en-US" b="0" dirty="0"/>
-          </a:p>
-          <a:p>
-            <a:pPr marR="0" lvl="0" algn="l" defTabSz="914400" rtl="0" eaLnBrk="1" fontAlgn="auto" latinLnBrk="0" hangingPunct="1">
-              <a:lnSpc>
-                <a:spcPct val="100000"/>
-              </a:lnSpc>
-              <a:spcBef>
-                <a:spcPts val="0"/>
-              </a:spcBef>
-              <a:spcAft>
-                <a:spcPts val="0"/>
-              </a:spcAft>
-              <a:buClrTx/>
-              <a:buSzTx/>
-              <a:tabLst/>
-              <a:defRPr/>
-            </a:pPr>
-            <a:endParaRPr lang="en-US" b="0" dirty="0"/>
-          </a:p>
-          <a:p>
-            <a:pPr marR="0" lvl="0" algn="l" defTabSz="914400" rtl="0" eaLnBrk="1" fontAlgn="auto" latinLnBrk="0" hangingPunct="1">
-              <a:lnSpc>
-                <a:spcPct val="100000"/>
-              </a:lnSpc>
-              <a:spcBef>
-                <a:spcPts val="0"/>
-              </a:spcBef>
-              <a:spcAft>
-                <a:spcPts val="0"/>
-              </a:spcAft>
-              <a:buClrTx/>
-              <a:buSzTx/>
-              <a:tabLst/>
-              <a:defRPr/>
-            </a:pPr>
-            <a:endParaRPr lang="en-US" b="0" dirty="0"/>
-          </a:p>
-        </p:txBody>
-      </p:sp>
-      <p:sp>
-        <p:nvSpPr>
-          <p:cNvPr id="4" name="Slide Number Placeholder 3">
-            <a:extLst>
-              <a:ext uri="{FF2B5EF4-FFF2-40B4-BE49-F238E27FC236}">
-                <a16:creationId xmlns:a16="http://schemas.microsoft.com/office/drawing/2014/main" id="{8A6E1B47-09E8-4494-59A8-65DB94E69513}"/>
+                <a16:creationId xmlns:a16="http://schemas.microsoft.com/office/drawing/2014/main" id="{1FE8C455-97BF-6B95-5335-911BD4DB4D59}"/>
               </a:ext>
             </a:extLst>
           </p:cNvPr>
@@ -6462,933 +6874,6 @@
               <a:rPr lang="en-AU" smtClean="0"/>
               <a:pPr/>
               <a:t>16</a:t>
-            </a:fld>
-            <a:endParaRPr lang="en-AU" dirty="0"/>
-          </a:p>
-        </p:txBody>
-      </p:sp>
-      <p:pic>
-        <p:nvPicPr>
-          <p:cNvPr id="5" name="Picture 4">
-            <a:extLst>
-              <a:ext uri="{FF2B5EF4-FFF2-40B4-BE49-F238E27FC236}">
-                <a16:creationId xmlns:a16="http://schemas.microsoft.com/office/drawing/2014/main" id="{969DE0EF-FF82-0A58-F73F-6E34A6202FA5}"/>
-              </a:ext>
-            </a:extLst>
-          </p:cNvPr>
-          <p:cNvPicPr>
-            <a:picLocks noChangeAspect="1"/>
-          </p:cNvPicPr>
-          <p:nvPr/>
-        </p:nvPicPr>
-        <p:blipFill>
-          <a:blip r:embed="rId3"/>
-          <a:stretch>
-            <a:fillRect/>
-          </a:stretch>
-        </p:blipFill>
-        <p:spPr>
-          <a:xfrm>
-            <a:off x="381000" y="1394474"/>
-            <a:ext cx="3170865" cy="2244076"/>
-          </a:xfrm>
-          <a:prstGeom prst="rect">
-            <a:avLst/>
-          </a:prstGeom>
-        </p:spPr>
-      </p:pic>
-      <p:pic>
-        <p:nvPicPr>
-          <p:cNvPr id="7" name="Picture 6">
-            <a:extLst>
-              <a:ext uri="{FF2B5EF4-FFF2-40B4-BE49-F238E27FC236}">
-                <a16:creationId xmlns:a16="http://schemas.microsoft.com/office/drawing/2014/main" id="{9ACDC16D-A7AC-5B58-D702-6E9E2B7455B9}"/>
-              </a:ext>
-            </a:extLst>
-          </p:cNvPr>
-          <p:cNvPicPr>
-            <a:picLocks noChangeAspect="1"/>
-          </p:cNvPicPr>
-          <p:nvPr/>
-        </p:nvPicPr>
-        <p:blipFill>
-          <a:blip r:embed="rId4"/>
-          <a:stretch>
-            <a:fillRect/>
-          </a:stretch>
-        </p:blipFill>
-        <p:spPr>
-          <a:xfrm>
-            <a:off x="3516730" y="1567836"/>
-            <a:ext cx="4568562" cy="1897352"/>
-          </a:xfrm>
-          <a:prstGeom prst="rect">
-            <a:avLst/>
-          </a:prstGeom>
-        </p:spPr>
-      </p:pic>
-      <p:sp>
-        <p:nvSpPr>
-          <p:cNvPr id="8" name="TextBox 7">
-            <a:extLst>
-              <a:ext uri="{FF2B5EF4-FFF2-40B4-BE49-F238E27FC236}">
-                <a16:creationId xmlns:a16="http://schemas.microsoft.com/office/drawing/2014/main" id="{77E93545-D134-F76A-BB36-5D0608D91D52}"/>
-              </a:ext>
-            </a:extLst>
-          </p:cNvPr>
-          <p:cNvSpPr txBox="1"/>
-          <p:nvPr/>
-        </p:nvSpPr>
-        <p:spPr>
-          <a:xfrm>
-            <a:off x="685800" y="3777962"/>
-            <a:ext cx="1143000" cy="215444"/>
-          </a:xfrm>
-          <a:prstGeom prst="rect">
-            <a:avLst/>
-          </a:prstGeom>
-          <a:noFill/>
-        </p:spPr>
-        <p:txBody>
-          <a:bodyPr wrap="square" rtlCol="0">
-            <a:spAutoFit/>
-          </a:bodyPr>
-          <a:lstStyle/>
-          <a:p>
-            <a:pPr algn="ctr"/>
-            <a:r>
-              <a:rPr lang="en-AU" sz="800" dirty="0">
-                <a:latin typeface="Calibri" panose="020F0502020204030204" pitchFamily="34" charset="0"/>
-                <a:cs typeface="Calibri" panose="020F0502020204030204" pitchFamily="34" charset="0"/>
-              </a:rPr>
-              <a:t>Acclaimed employers</a:t>
-            </a:r>
-          </a:p>
-        </p:txBody>
-      </p:sp>
-      <p:sp>
-        <p:nvSpPr>
-          <p:cNvPr id="9" name="TextBox 8">
-            <a:extLst>
-              <a:ext uri="{FF2B5EF4-FFF2-40B4-BE49-F238E27FC236}">
-                <a16:creationId xmlns:a16="http://schemas.microsoft.com/office/drawing/2014/main" id="{99F64471-56E1-0F64-79B2-E613FC4A3CB4}"/>
-              </a:ext>
-            </a:extLst>
-          </p:cNvPr>
-          <p:cNvSpPr txBox="1"/>
-          <p:nvPr/>
-        </p:nvSpPr>
-        <p:spPr>
-          <a:xfrm>
-            <a:off x="2240280" y="3777962"/>
-            <a:ext cx="1143000" cy="215444"/>
-          </a:xfrm>
-          <a:prstGeom prst="rect">
-            <a:avLst/>
-          </a:prstGeom>
-          <a:noFill/>
-        </p:spPr>
-        <p:txBody>
-          <a:bodyPr wrap="square" rtlCol="0">
-            <a:spAutoFit/>
-          </a:bodyPr>
-          <a:lstStyle/>
-          <a:p>
-            <a:pPr algn="ctr"/>
-            <a:r>
-              <a:rPr lang="en-AU" sz="800" dirty="0">
-                <a:latin typeface="Calibri" panose="020F0502020204030204" pitchFamily="34" charset="0"/>
-                <a:cs typeface="Calibri" panose="020F0502020204030204" pitchFamily="34" charset="0"/>
-              </a:rPr>
-              <a:t>Sector peers</a:t>
-            </a:r>
-          </a:p>
-        </p:txBody>
-      </p:sp>
-    </p:spTree>
-    <p:extLst>
-      <p:ext uri="{BB962C8B-B14F-4D97-AF65-F5344CB8AC3E}">
-        <p14:creationId xmlns:p14="http://schemas.microsoft.com/office/powerpoint/2010/main" val="2910976057"/>
-      </p:ext>
-    </p:extLst>
-  </p:cSld>
-  <p:clrMapOvr>
-    <a:masterClrMapping/>
-  </p:clrMapOvr>
-</p:sld>
-</file>
-
-<file path=ppt/slides/slide17.xml><?xml version="1.0" encoding="utf-8"?>
-<p:sld xmlns:a="http://schemas.openxmlformats.org/drawingml/2006/main" xmlns:r="http://schemas.openxmlformats.org/officeDocument/2006/relationships" xmlns:p="http://schemas.openxmlformats.org/presentationml/2006/main">
-  <p:cSld>
-    <p:spTree>
-      <p:nvGrpSpPr>
-        <p:cNvPr id="1" name=""/>
-        <p:cNvGrpSpPr/>
-        <p:nvPr/>
-      </p:nvGrpSpPr>
-      <p:grpSpPr>
-        <a:xfrm>
-          <a:off x="0" y="0"/>
-          <a:ext cx="0" cy="0"/>
-          <a:chOff x="0" y="0"/>
-          <a:chExt cx="0" cy="0"/>
-        </a:xfrm>
-      </p:grpSpPr>
-      <p:sp>
-        <p:nvSpPr>
-          <p:cNvPr id="2" name="Title 1">
-            <a:extLst>
-              <a:ext uri="{FF2B5EF4-FFF2-40B4-BE49-F238E27FC236}">
-                <a16:creationId xmlns:a16="http://schemas.microsoft.com/office/drawing/2014/main" id="{34FB3A1B-C244-4590-DA7E-2448C607EAA4}"/>
-              </a:ext>
-            </a:extLst>
-          </p:cNvPr>
-          <p:cNvSpPr>
-            <a:spLocks noGrp="1"/>
-          </p:cNvSpPr>
-          <p:nvPr>
-            <p:ph type="title"/>
-          </p:nvPr>
-        </p:nvSpPr>
-        <p:spPr>
-          <a:xfrm>
-            <a:off x="304800" y="224261"/>
-            <a:ext cx="8636104" cy="351056"/>
-          </a:xfrm>
-        </p:spPr>
-        <p:txBody>
-          <a:bodyPr/>
-          <a:lstStyle/>
-          <a:p>
-            <a:r>
-              <a:rPr lang="en-AU" dirty="0"/>
-              <a:t>Are good employers good companies – Look at sector peers</a:t>
-            </a:r>
-          </a:p>
-        </p:txBody>
-      </p:sp>
-      <p:sp>
-        <p:nvSpPr>
-          <p:cNvPr id="3" name="Content Placeholder 2">
-            <a:extLst>
-              <a:ext uri="{FF2B5EF4-FFF2-40B4-BE49-F238E27FC236}">
-                <a16:creationId xmlns:a16="http://schemas.microsoft.com/office/drawing/2014/main" id="{7011FF0D-23C9-C092-C6FB-006D5A703A81}"/>
-              </a:ext>
-            </a:extLst>
-          </p:cNvPr>
-          <p:cNvSpPr>
-            <a:spLocks noGrp="1"/>
-          </p:cNvSpPr>
-          <p:nvPr>
-            <p:ph sz="quarter" idx="15"/>
-          </p:nvPr>
-        </p:nvSpPr>
-        <p:spPr/>
-        <p:txBody>
-          <a:bodyPr/>
-          <a:lstStyle/>
-          <a:p>
-            <a:pPr marL="0" marR="0" lvl="0" indent="0" algn="l" defTabSz="914400" rtl="0" eaLnBrk="1" fontAlgn="auto" latinLnBrk="0" hangingPunct="1">
-              <a:lnSpc>
-                <a:spcPct val="100000"/>
-              </a:lnSpc>
-              <a:spcBef>
-                <a:spcPts val="0"/>
-              </a:spcBef>
-              <a:spcAft>
-                <a:spcPts val="0"/>
-              </a:spcAft>
-              <a:buClrTx/>
-              <a:buSzTx/>
-              <a:buFontTx/>
-              <a:buNone/>
-              <a:tabLst/>
-              <a:defRPr/>
-            </a:pPr>
-            <a:r>
-              <a:rPr lang="en-US" b="0" dirty="0"/>
-              <a:t>Illustrative sector: ROE </a:t>
-            </a:r>
-            <a:r>
-              <a:rPr lang="en-US" dirty="0"/>
-              <a:t>in </a:t>
-            </a:r>
-            <a:r>
-              <a:rPr lang="en-US" b="1" dirty="0"/>
-              <a:t>Pharmaceuticals &amp; Biotechnology </a:t>
-            </a:r>
-            <a:r>
-              <a:rPr lang="en-US" b="0" dirty="0"/>
-              <a:t>industry</a:t>
-            </a:r>
-          </a:p>
-          <a:p>
-            <a:pPr marL="0" marR="0" lvl="0" indent="0" algn="l" defTabSz="914400" rtl="0" eaLnBrk="1" fontAlgn="auto" latinLnBrk="0" hangingPunct="1">
-              <a:lnSpc>
-                <a:spcPct val="100000"/>
-              </a:lnSpc>
-              <a:spcBef>
-                <a:spcPts val="0"/>
-              </a:spcBef>
-              <a:spcAft>
-                <a:spcPts val="0"/>
-              </a:spcAft>
-              <a:buClrTx/>
-              <a:buSzTx/>
-              <a:buFontTx/>
-              <a:buNone/>
-              <a:tabLst/>
-              <a:defRPr/>
-            </a:pPr>
-            <a:endParaRPr lang="en-US" dirty="0"/>
-          </a:p>
-          <a:p>
-            <a:pPr marL="0" marR="0" lvl="0" indent="0" algn="l" defTabSz="914400" rtl="0" eaLnBrk="1" fontAlgn="auto" latinLnBrk="0" hangingPunct="1">
-              <a:lnSpc>
-                <a:spcPct val="100000"/>
-              </a:lnSpc>
-              <a:spcBef>
-                <a:spcPts val="0"/>
-              </a:spcBef>
-              <a:spcAft>
-                <a:spcPts val="0"/>
-              </a:spcAft>
-              <a:buClrTx/>
-              <a:buSzTx/>
-              <a:buFontTx/>
-              <a:buNone/>
-              <a:tabLst/>
-              <a:defRPr/>
-            </a:pPr>
-            <a:endParaRPr lang="en-US" b="0" dirty="0"/>
-          </a:p>
-          <a:p>
-            <a:pPr marL="0" marR="0" lvl="0" indent="0" algn="l" defTabSz="914400" rtl="0" eaLnBrk="1" fontAlgn="auto" latinLnBrk="0" hangingPunct="1">
-              <a:lnSpc>
-                <a:spcPct val="100000"/>
-              </a:lnSpc>
-              <a:spcBef>
-                <a:spcPts val="0"/>
-              </a:spcBef>
-              <a:spcAft>
-                <a:spcPts val="0"/>
-              </a:spcAft>
-              <a:buClrTx/>
-              <a:buSzTx/>
-              <a:buFontTx/>
-              <a:buNone/>
-              <a:tabLst/>
-              <a:defRPr/>
-            </a:pPr>
-            <a:endParaRPr lang="en-US" dirty="0"/>
-          </a:p>
-          <a:p>
-            <a:pPr marL="0" marR="0" lvl="0" indent="0" algn="l" defTabSz="914400" rtl="0" eaLnBrk="1" fontAlgn="auto" latinLnBrk="0" hangingPunct="1">
-              <a:lnSpc>
-                <a:spcPct val="100000"/>
-              </a:lnSpc>
-              <a:spcBef>
-                <a:spcPts val="0"/>
-              </a:spcBef>
-              <a:spcAft>
-                <a:spcPts val="0"/>
-              </a:spcAft>
-              <a:buClrTx/>
-              <a:buSzTx/>
-              <a:buFontTx/>
-              <a:buNone/>
-              <a:tabLst/>
-              <a:defRPr/>
-            </a:pPr>
-            <a:endParaRPr lang="en-US" b="0" dirty="0"/>
-          </a:p>
-          <a:p>
-            <a:pPr marL="0" marR="0" lvl="0" indent="0" algn="l" defTabSz="914400" rtl="0" eaLnBrk="1" fontAlgn="auto" latinLnBrk="0" hangingPunct="1">
-              <a:lnSpc>
-                <a:spcPct val="100000"/>
-              </a:lnSpc>
-              <a:spcBef>
-                <a:spcPts val="0"/>
-              </a:spcBef>
-              <a:spcAft>
-                <a:spcPts val="0"/>
-              </a:spcAft>
-              <a:buClrTx/>
-              <a:buSzTx/>
-              <a:buFontTx/>
-              <a:buNone/>
-              <a:tabLst/>
-              <a:defRPr/>
-            </a:pPr>
-            <a:endParaRPr lang="en-US" dirty="0"/>
-          </a:p>
-          <a:p>
-            <a:pPr marL="0" marR="0" lvl="0" indent="0" algn="l" defTabSz="914400" rtl="0" eaLnBrk="1" fontAlgn="auto" latinLnBrk="0" hangingPunct="1">
-              <a:lnSpc>
-                <a:spcPct val="100000"/>
-              </a:lnSpc>
-              <a:spcBef>
-                <a:spcPts val="0"/>
-              </a:spcBef>
-              <a:spcAft>
-                <a:spcPts val="0"/>
-              </a:spcAft>
-              <a:buClrTx/>
-              <a:buSzTx/>
-              <a:buFontTx/>
-              <a:buNone/>
-              <a:tabLst/>
-              <a:defRPr/>
-            </a:pPr>
-            <a:endParaRPr lang="en-US" b="0" dirty="0"/>
-          </a:p>
-          <a:p>
-            <a:pPr marL="0" marR="0" lvl="0" indent="0" algn="l" defTabSz="914400" rtl="0" eaLnBrk="1" fontAlgn="auto" latinLnBrk="0" hangingPunct="1">
-              <a:lnSpc>
-                <a:spcPct val="100000"/>
-              </a:lnSpc>
-              <a:spcBef>
-                <a:spcPts val="0"/>
-              </a:spcBef>
-              <a:spcAft>
-                <a:spcPts val="0"/>
-              </a:spcAft>
-              <a:buClrTx/>
-              <a:buSzTx/>
-              <a:buFontTx/>
-              <a:buNone/>
-              <a:tabLst/>
-              <a:defRPr/>
-            </a:pPr>
-            <a:endParaRPr lang="en-US" dirty="0"/>
-          </a:p>
-          <a:p>
-            <a:pPr marL="0" marR="0" lvl="0" indent="0" algn="l" defTabSz="914400" rtl="0" eaLnBrk="1" fontAlgn="auto" latinLnBrk="0" hangingPunct="1">
-              <a:lnSpc>
-                <a:spcPct val="100000"/>
-              </a:lnSpc>
-              <a:spcBef>
-                <a:spcPts val="0"/>
-              </a:spcBef>
-              <a:spcAft>
-                <a:spcPts val="0"/>
-              </a:spcAft>
-              <a:buClrTx/>
-              <a:buSzTx/>
-              <a:buFontTx/>
-              <a:buNone/>
-              <a:tabLst/>
-              <a:defRPr/>
-            </a:pPr>
-            <a:endParaRPr lang="en-US" b="0" dirty="0"/>
-          </a:p>
-          <a:p>
-            <a:pPr marL="0" marR="0" lvl="0" indent="0" algn="l" defTabSz="914400" rtl="0" eaLnBrk="1" fontAlgn="auto" latinLnBrk="0" hangingPunct="1">
-              <a:lnSpc>
-                <a:spcPct val="100000"/>
-              </a:lnSpc>
-              <a:spcBef>
-                <a:spcPts val="0"/>
-              </a:spcBef>
-              <a:spcAft>
-                <a:spcPts val="0"/>
-              </a:spcAft>
-              <a:buClrTx/>
-              <a:buSzTx/>
-              <a:buFontTx/>
-              <a:buNone/>
-              <a:tabLst/>
-              <a:defRPr/>
-            </a:pPr>
-            <a:endParaRPr lang="en-US" dirty="0"/>
-          </a:p>
-          <a:p>
-            <a:pPr marL="0" marR="0" lvl="0" indent="0" algn="l" defTabSz="914400" rtl="0" eaLnBrk="1" fontAlgn="auto" latinLnBrk="0" hangingPunct="1">
-              <a:lnSpc>
-                <a:spcPct val="100000"/>
-              </a:lnSpc>
-              <a:spcBef>
-                <a:spcPts val="0"/>
-              </a:spcBef>
-              <a:spcAft>
-                <a:spcPts val="0"/>
-              </a:spcAft>
-              <a:buClrTx/>
-              <a:buSzTx/>
-              <a:buFontTx/>
-              <a:buNone/>
-              <a:tabLst/>
-              <a:defRPr/>
-            </a:pPr>
-            <a:endParaRPr lang="en-US" b="0" dirty="0"/>
-          </a:p>
-          <a:p>
-            <a:pPr marL="0" marR="0" lvl="0" indent="0" algn="l" defTabSz="914400" rtl="0" eaLnBrk="1" fontAlgn="auto" latinLnBrk="0" hangingPunct="1">
-              <a:lnSpc>
-                <a:spcPct val="100000"/>
-              </a:lnSpc>
-              <a:spcBef>
-                <a:spcPts val="0"/>
-              </a:spcBef>
-              <a:spcAft>
-                <a:spcPts val="0"/>
-              </a:spcAft>
-              <a:buClrTx/>
-              <a:buSzTx/>
-              <a:buFontTx/>
-              <a:buNone/>
-              <a:tabLst/>
-              <a:defRPr/>
-            </a:pPr>
-            <a:endParaRPr lang="en-US" dirty="0"/>
-          </a:p>
-          <a:p>
-            <a:pPr marL="0" marR="0" lvl="0" indent="0" algn="l" defTabSz="914400" rtl="0" eaLnBrk="1" fontAlgn="auto" latinLnBrk="0" hangingPunct="1">
-              <a:lnSpc>
-                <a:spcPct val="100000"/>
-              </a:lnSpc>
-              <a:spcBef>
-                <a:spcPts val="0"/>
-              </a:spcBef>
-              <a:spcAft>
-                <a:spcPts val="0"/>
-              </a:spcAft>
-              <a:buClrTx/>
-              <a:buSzTx/>
-              <a:buFontTx/>
-              <a:buNone/>
-              <a:tabLst/>
-              <a:defRPr/>
-            </a:pPr>
-            <a:endParaRPr lang="en-US" b="0" dirty="0"/>
-          </a:p>
-          <a:p>
-            <a:pPr marL="0" marR="0" lvl="0" indent="0" algn="l" defTabSz="914400" rtl="0" eaLnBrk="1" fontAlgn="auto" latinLnBrk="0" hangingPunct="1">
-              <a:lnSpc>
-                <a:spcPct val="100000"/>
-              </a:lnSpc>
-              <a:spcBef>
-                <a:spcPts val="0"/>
-              </a:spcBef>
-              <a:spcAft>
-                <a:spcPts val="0"/>
-              </a:spcAft>
-              <a:buClrTx/>
-              <a:buSzTx/>
-              <a:buFontTx/>
-              <a:buNone/>
-              <a:tabLst/>
-              <a:defRPr/>
-            </a:pPr>
-            <a:endParaRPr lang="en-US" dirty="0"/>
-          </a:p>
-          <a:p>
-            <a:pPr marL="0" marR="0" lvl="0" indent="0" algn="l" defTabSz="914400" rtl="0" eaLnBrk="1" fontAlgn="auto" latinLnBrk="0" hangingPunct="1">
-              <a:lnSpc>
-                <a:spcPct val="100000"/>
-              </a:lnSpc>
-              <a:spcBef>
-                <a:spcPts val="0"/>
-              </a:spcBef>
-              <a:spcAft>
-                <a:spcPts val="0"/>
-              </a:spcAft>
-              <a:buClrTx/>
-              <a:buSzTx/>
-              <a:buFontTx/>
-              <a:buNone/>
-              <a:tabLst/>
-              <a:defRPr/>
-            </a:pPr>
-            <a:endParaRPr lang="en-US" b="0" dirty="0"/>
-          </a:p>
-          <a:p>
-            <a:pPr marR="0" lvl="0" algn="l" defTabSz="914400" rtl="0" eaLnBrk="1" fontAlgn="auto" latinLnBrk="0" hangingPunct="1">
-              <a:lnSpc>
-                <a:spcPct val="100000"/>
-              </a:lnSpc>
-              <a:spcBef>
-                <a:spcPts val="0"/>
-              </a:spcBef>
-              <a:spcAft>
-                <a:spcPts val="0"/>
-              </a:spcAft>
-              <a:buClrTx/>
-              <a:buSzTx/>
-              <a:tabLst/>
-              <a:defRPr/>
-            </a:pPr>
-            <a:endParaRPr lang="en-US" b="0" dirty="0"/>
-          </a:p>
-        </p:txBody>
-      </p:sp>
-      <p:sp>
-        <p:nvSpPr>
-          <p:cNvPr id="4" name="Slide Number Placeholder 3">
-            <a:extLst>
-              <a:ext uri="{FF2B5EF4-FFF2-40B4-BE49-F238E27FC236}">
-                <a16:creationId xmlns:a16="http://schemas.microsoft.com/office/drawing/2014/main" id="{8A6E1B47-09E8-4494-59A8-65DB94E69513}"/>
-              </a:ext>
-            </a:extLst>
-          </p:cNvPr>
-          <p:cNvSpPr>
-            <a:spLocks noGrp="1"/>
-          </p:cNvSpPr>
-          <p:nvPr>
-            <p:ph type="sldNum" sz="quarter" idx="4"/>
-          </p:nvPr>
-        </p:nvSpPr>
-        <p:spPr>
-          <a:xfrm>
-            <a:off x="8153400" y="4797425"/>
-            <a:ext cx="787504" cy="288925"/>
-          </a:xfrm>
-        </p:spPr>
-        <p:txBody>
-          <a:bodyPr/>
-          <a:lstStyle/>
-          <a:p>
-            <a:fld id="{454586D2-FC10-4911-B5CA-CBCADE2DC1FC}" type="slidenum">
-              <a:rPr lang="en-AU" smtClean="0"/>
-              <a:pPr/>
-              <a:t>17</a:t>
-            </a:fld>
-            <a:endParaRPr lang="en-AU" dirty="0"/>
-          </a:p>
-        </p:txBody>
-      </p:sp>
-      <p:pic>
-        <p:nvPicPr>
-          <p:cNvPr id="6" name="Picture 5">
-            <a:extLst>
-              <a:ext uri="{FF2B5EF4-FFF2-40B4-BE49-F238E27FC236}">
-                <a16:creationId xmlns:a16="http://schemas.microsoft.com/office/drawing/2014/main" id="{A8BAEEA0-DAD4-9892-92A3-0E6A79130FD6}"/>
-              </a:ext>
-            </a:extLst>
-          </p:cNvPr>
-          <p:cNvPicPr>
-            <a:picLocks noChangeAspect="1"/>
-          </p:cNvPicPr>
-          <p:nvPr/>
-        </p:nvPicPr>
-        <p:blipFill>
-          <a:blip r:embed="rId3"/>
-          <a:stretch>
-            <a:fillRect/>
-          </a:stretch>
-        </p:blipFill>
-        <p:spPr>
-          <a:xfrm>
-            <a:off x="330464" y="1401505"/>
-            <a:ext cx="3098536" cy="2268000"/>
-          </a:xfrm>
-          <a:prstGeom prst="rect">
-            <a:avLst/>
-          </a:prstGeom>
-        </p:spPr>
-      </p:pic>
-      <p:pic>
-        <p:nvPicPr>
-          <p:cNvPr id="8" name="Picture 7">
-            <a:extLst>
-              <a:ext uri="{FF2B5EF4-FFF2-40B4-BE49-F238E27FC236}">
-                <a16:creationId xmlns:a16="http://schemas.microsoft.com/office/drawing/2014/main" id="{F4D84519-2140-C673-A4A4-19139630C7A6}"/>
-              </a:ext>
-            </a:extLst>
-          </p:cNvPr>
-          <p:cNvPicPr>
-            <a:picLocks noChangeAspect="1"/>
-          </p:cNvPicPr>
-          <p:nvPr/>
-        </p:nvPicPr>
-        <p:blipFill>
-          <a:blip r:embed="rId4"/>
-          <a:stretch>
-            <a:fillRect/>
-          </a:stretch>
-        </p:blipFill>
-        <p:spPr>
-          <a:xfrm>
-            <a:off x="3510544" y="1583809"/>
-            <a:ext cx="4572264" cy="2283341"/>
-          </a:xfrm>
-          <a:prstGeom prst="rect">
-            <a:avLst/>
-          </a:prstGeom>
-        </p:spPr>
-      </p:pic>
-      <p:sp>
-        <p:nvSpPr>
-          <p:cNvPr id="5" name="TextBox 4">
-            <a:extLst>
-              <a:ext uri="{FF2B5EF4-FFF2-40B4-BE49-F238E27FC236}">
-                <a16:creationId xmlns:a16="http://schemas.microsoft.com/office/drawing/2014/main" id="{353097BE-A50F-8191-EE70-DB294D82D02D}"/>
-              </a:ext>
-            </a:extLst>
-          </p:cNvPr>
-          <p:cNvSpPr txBox="1"/>
-          <p:nvPr/>
-        </p:nvSpPr>
-        <p:spPr>
-          <a:xfrm>
-            <a:off x="685800" y="3777962"/>
-            <a:ext cx="1143000" cy="215444"/>
-          </a:xfrm>
-          <a:prstGeom prst="rect">
-            <a:avLst/>
-          </a:prstGeom>
-          <a:noFill/>
-        </p:spPr>
-        <p:txBody>
-          <a:bodyPr wrap="square" rtlCol="0">
-            <a:spAutoFit/>
-          </a:bodyPr>
-          <a:lstStyle/>
-          <a:p>
-            <a:pPr algn="ctr"/>
-            <a:r>
-              <a:rPr lang="en-AU" sz="800" dirty="0">
-                <a:latin typeface="Calibri" panose="020F0502020204030204" pitchFamily="34" charset="0"/>
-                <a:cs typeface="Calibri" panose="020F0502020204030204" pitchFamily="34" charset="0"/>
-              </a:rPr>
-              <a:t>Acclaimed employers</a:t>
-            </a:r>
-          </a:p>
-        </p:txBody>
-      </p:sp>
-      <p:sp>
-        <p:nvSpPr>
-          <p:cNvPr id="7" name="TextBox 6">
-            <a:extLst>
-              <a:ext uri="{FF2B5EF4-FFF2-40B4-BE49-F238E27FC236}">
-                <a16:creationId xmlns:a16="http://schemas.microsoft.com/office/drawing/2014/main" id="{7BCCD003-E986-FE9B-B69D-94460B5A89F7}"/>
-              </a:ext>
-            </a:extLst>
-          </p:cNvPr>
-          <p:cNvSpPr txBox="1"/>
-          <p:nvPr/>
-        </p:nvSpPr>
-        <p:spPr>
-          <a:xfrm>
-            <a:off x="2240280" y="3777962"/>
-            <a:ext cx="1143000" cy="215444"/>
-          </a:xfrm>
-          <a:prstGeom prst="rect">
-            <a:avLst/>
-          </a:prstGeom>
-          <a:noFill/>
-        </p:spPr>
-        <p:txBody>
-          <a:bodyPr wrap="square" rtlCol="0">
-            <a:spAutoFit/>
-          </a:bodyPr>
-          <a:lstStyle/>
-          <a:p>
-            <a:pPr algn="ctr"/>
-            <a:r>
-              <a:rPr lang="en-AU" sz="800" dirty="0">
-                <a:latin typeface="Calibri" panose="020F0502020204030204" pitchFamily="34" charset="0"/>
-                <a:cs typeface="Calibri" panose="020F0502020204030204" pitchFamily="34" charset="0"/>
-              </a:rPr>
-              <a:t>Sector peers</a:t>
-            </a:r>
-          </a:p>
-        </p:txBody>
-      </p:sp>
-    </p:spTree>
-    <p:extLst>
-      <p:ext uri="{BB962C8B-B14F-4D97-AF65-F5344CB8AC3E}">
-        <p14:creationId xmlns:p14="http://schemas.microsoft.com/office/powerpoint/2010/main" val="2394798900"/>
-      </p:ext>
-    </p:extLst>
-  </p:cSld>
-  <p:clrMapOvr>
-    <a:masterClrMapping/>
-  </p:clrMapOvr>
-</p:sld>
-</file>
-
-<file path=ppt/slides/slide18.xml><?xml version="1.0" encoding="utf-8"?>
-<p:sld xmlns:a="http://schemas.openxmlformats.org/drawingml/2006/main" xmlns:r="http://schemas.openxmlformats.org/officeDocument/2006/relationships" xmlns:p="http://schemas.openxmlformats.org/presentationml/2006/main">
-  <p:cSld>
-    <p:spTree>
-      <p:nvGrpSpPr>
-        <p:cNvPr id="1" name=""/>
-        <p:cNvGrpSpPr/>
-        <p:nvPr/>
-      </p:nvGrpSpPr>
-      <p:grpSpPr>
-        <a:xfrm>
-          <a:off x="0" y="0"/>
-          <a:ext cx="0" cy="0"/>
-          <a:chOff x="0" y="0"/>
-          <a:chExt cx="0" cy="0"/>
-        </a:xfrm>
-      </p:grpSpPr>
-      <p:sp>
-        <p:nvSpPr>
-          <p:cNvPr id="2" name="Title 1">
-            <a:extLst>
-              <a:ext uri="{FF2B5EF4-FFF2-40B4-BE49-F238E27FC236}">
-                <a16:creationId xmlns:a16="http://schemas.microsoft.com/office/drawing/2014/main" id="{701B6E93-FFD4-862D-8372-D965E3154947}"/>
-              </a:ext>
-            </a:extLst>
-          </p:cNvPr>
-          <p:cNvSpPr>
-            <a:spLocks noGrp="1"/>
-          </p:cNvSpPr>
-          <p:nvPr>
-            <p:ph type="title"/>
-          </p:nvPr>
-        </p:nvSpPr>
-        <p:spPr/>
-        <p:txBody>
-          <a:bodyPr/>
-          <a:lstStyle/>
-          <a:p>
-            <a:r>
-              <a:rPr lang="en-AU" dirty="0"/>
-              <a:t>Other factors contributing to being good employer</a:t>
-            </a:r>
-          </a:p>
-        </p:txBody>
-      </p:sp>
-      <p:sp>
-        <p:nvSpPr>
-          <p:cNvPr id="3" name="Content Placeholder 2">
-            <a:extLst>
-              <a:ext uri="{FF2B5EF4-FFF2-40B4-BE49-F238E27FC236}">
-                <a16:creationId xmlns:a16="http://schemas.microsoft.com/office/drawing/2014/main" id="{3DEF607B-8E14-862E-0DFE-14BF68696A13}"/>
-              </a:ext>
-            </a:extLst>
-          </p:cNvPr>
-          <p:cNvSpPr>
-            <a:spLocks noGrp="1"/>
-          </p:cNvSpPr>
-          <p:nvPr>
-            <p:ph sz="quarter" idx="15"/>
-          </p:nvPr>
-        </p:nvSpPr>
-        <p:spPr>
-          <a:xfrm>
-            <a:off x="274320" y="819149"/>
-            <a:ext cx="8316000" cy="3978275"/>
-          </a:xfrm>
-        </p:spPr>
-        <p:txBody>
-          <a:bodyPr/>
-          <a:lstStyle/>
-          <a:p>
-            <a:r>
-              <a:rPr lang="en-AU" dirty="0"/>
-              <a:t>Measure of union density^ for Forbes Top 100 employers</a:t>
-            </a:r>
-          </a:p>
-          <a:p>
-            <a:endParaRPr lang="en-AU" dirty="0"/>
-          </a:p>
-          <a:p>
-            <a:endParaRPr lang="en-AU" dirty="0"/>
-          </a:p>
-          <a:p>
-            <a:r>
-              <a:rPr lang="en-AU" dirty="0"/>
-              <a:t>Investigate whether the best ranked</a:t>
-            </a:r>
-          </a:p>
-          <a:p>
-            <a:r>
-              <a:rPr lang="en-AU" dirty="0"/>
-              <a:t>employers have the best union </a:t>
-            </a:r>
-          </a:p>
-          <a:p>
-            <a:r>
-              <a:rPr lang="en-AU" dirty="0"/>
-              <a:t>Representation</a:t>
-            </a:r>
-          </a:p>
-          <a:p>
-            <a:endParaRPr lang="en-AU" dirty="0"/>
-          </a:p>
-          <a:p>
-            <a:endParaRPr lang="en-AU" dirty="0"/>
-          </a:p>
-          <a:p>
-            <a:endParaRPr lang="en-AU" dirty="0"/>
-          </a:p>
-          <a:p>
-            <a:endParaRPr lang="en-AU" dirty="0"/>
-          </a:p>
-          <a:p>
-            <a:endParaRPr lang="en-AU" dirty="0"/>
-          </a:p>
-          <a:p>
-            <a:endParaRPr lang="en-AU" dirty="0"/>
-          </a:p>
-          <a:p>
-            <a:endParaRPr lang="en-AU" dirty="0"/>
-          </a:p>
-          <a:p>
-            <a:r>
-              <a:rPr lang="en-AU" sz="1100" dirty="0"/>
-              <a:t>^ Union density : number of trade union members who are employees as a percentage of the total number of employees. Source : ILO Stats</a:t>
-            </a:r>
-          </a:p>
-          <a:p>
-            <a:endParaRPr lang="en-AU" dirty="0"/>
-          </a:p>
-          <a:p>
-            <a:endParaRPr lang="en-AU" dirty="0"/>
-          </a:p>
-          <a:p>
-            <a:endParaRPr lang="en-AU" dirty="0"/>
-          </a:p>
-          <a:p>
-            <a:endParaRPr lang="en-AU" dirty="0"/>
-          </a:p>
-          <a:p>
-            <a:endParaRPr lang="en-AU" dirty="0"/>
-          </a:p>
-          <a:p>
-            <a:endParaRPr lang="en-AU" dirty="0"/>
-          </a:p>
-          <a:p>
-            <a:endParaRPr lang="en-AU" dirty="0"/>
-          </a:p>
-        </p:txBody>
-      </p:sp>
-      <p:sp>
-        <p:nvSpPr>
-          <p:cNvPr id="4" name="Slide Number Placeholder 3">
-            <a:extLst>
-              <a:ext uri="{FF2B5EF4-FFF2-40B4-BE49-F238E27FC236}">
-                <a16:creationId xmlns:a16="http://schemas.microsoft.com/office/drawing/2014/main" id="{1FE8C455-97BF-6B95-5335-911BD4DB4D59}"/>
-              </a:ext>
-            </a:extLst>
-          </p:cNvPr>
-          <p:cNvSpPr>
-            <a:spLocks noGrp="1"/>
-          </p:cNvSpPr>
-          <p:nvPr>
-            <p:ph type="sldNum" sz="quarter" idx="4"/>
-          </p:nvPr>
-        </p:nvSpPr>
-        <p:spPr>
-          <a:xfrm>
-            <a:off x="8153400" y="4797425"/>
-            <a:ext cx="787504" cy="288925"/>
-          </a:xfrm>
-        </p:spPr>
-        <p:txBody>
-          <a:bodyPr/>
-          <a:lstStyle/>
-          <a:p>
-            <a:fld id="{454586D2-FC10-4911-B5CA-CBCADE2DC1FC}" type="slidenum">
-              <a:rPr lang="en-AU" smtClean="0"/>
-              <a:pPr/>
-              <a:t>18</a:t>
             </a:fld>
             <a:endParaRPr lang="en-AU" dirty="0"/>
           </a:p>
@@ -7437,7 +6922,7 @@
 </p:sld>
 </file>
 
-<file path=ppt/slides/slide19.xml><?xml version="1.0" encoding="utf-8"?>
+<file path=ppt/slides/slide17.xml><?xml version="1.0" encoding="utf-8"?>
 <p:sld xmlns:a="http://schemas.openxmlformats.org/drawingml/2006/main" xmlns:r="http://schemas.openxmlformats.org/officeDocument/2006/relationships" xmlns:p="http://schemas.openxmlformats.org/presentationml/2006/main">
   <p:cSld>
     <p:spTree>
@@ -7619,7 +7104,7 @@
             <a:fld id="{454586D2-FC10-4911-B5CA-CBCADE2DC1FC}" type="slidenum">
               <a:rPr lang="en-AU" smtClean="0"/>
               <a:pPr/>
-              <a:t>19</a:t>
+              <a:t>17</a:t>
             </a:fld>
             <a:endParaRPr lang="en-AU" dirty="0"/>
           </a:p>
@@ -7667,6 +7152,241 @@
 </p:sld>
 </file>
 
+<file path=ppt/slides/slide18.xml><?xml version="1.0" encoding="utf-8"?>
+<p:sld xmlns:a="http://schemas.openxmlformats.org/drawingml/2006/main" xmlns:r="http://schemas.openxmlformats.org/officeDocument/2006/relationships" xmlns:p="http://schemas.openxmlformats.org/presentationml/2006/main">
+  <p:cSld>
+    <p:spTree>
+      <p:nvGrpSpPr>
+        <p:cNvPr id="1" name=""/>
+        <p:cNvGrpSpPr/>
+        <p:nvPr/>
+      </p:nvGrpSpPr>
+      <p:grpSpPr>
+        <a:xfrm>
+          <a:off x="0" y="0"/>
+          <a:ext cx="0" cy="0"/>
+          <a:chOff x="0" y="0"/>
+          <a:chExt cx="0" cy="0"/>
+        </a:xfrm>
+      </p:grpSpPr>
+      <p:sp>
+        <p:nvSpPr>
+          <p:cNvPr id="2" name="Title 1">
+            <a:extLst>
+              <a:ext uri="{FF2B5EF4-FFF2-40B4-BE49-F238E27FC236}">
+                <a16:creationId xmlns:a16="http://schemas.microsoft.com/office/drawing/2014/main" id="{05FE03FE-07FA-7C03-D6E5-555C2B2EE4E7}"/>
+              </a:ext>
+            </a:extLst>
+          </p:cNvPr>
+          <p:cNvSpPr>
+            <a:spLocks noGrp="1"/>
+          </p:cNvSpPr>
+          <p:nvPr>
+            <p:ph type="title"/>
+          </p:nvPr>
+        </p:nvSpPr>
+        <p:spPr/>
+        <p:txBody>
+          <a:bodyPr/>
+          <a:lstStyle/>
+          <a:p>
+            <a:r>
+              <a:rPr lang="en-AU" dirty="0"/>
+              <a:t>Conclusions</a:t>
+            </a:r>
+          </a:p>
+        </p:txBody>
+      </p:sp>
+      <p:sp>
+        <p:nvSpPr>
+          <p:cNvPr id="3" name="Slide Number Placeholder 2">
+            <a:extLst>
+              <a:ext uri="{FF2B5EF4-FFF2-40B4-BE49-F238E27FC236}">
+                <a16:creationId xmlns:a16="http://schemas.microsoft.com/office/drawing/2014/main" id="{85EAAE81-F38C-3A23-CAF5-7C71EE9F84CA}"/>
+              </a:ext>
+            </a:extLst>
+          </p:cNvPr>
+          <p:cNvSpPr>
+            <a:spLocks noGrp="1"/>
+          </p:cNvSpPr>
+          <p:nvPr>
+            <p:ph type="sldNum" sz="quarter" idx="4"/>
+          </p:nvPr>
+        </p:nvSpPr>
+        <p:spPr/>
+        <p:txBody>
+          <a:bodyPr/>
+          <a:lstStyle/>
+          <a:p>
+            <a:fld id="{454586D2-FC10-4911-B5CA-CBCADE2DC1FC}" type="slidenum">
+              <a:rPr lang="en-AU" smtClean="0"/>
+              <a:pPr/>
+              <a:t>18</a:t>
+            </a:fld>
+            <a:endParaRPr lang="en-AU" dirty="0"/>
+          </a:p>
+        </p:txBody>
+      </p:sp>
+      <p:sp>
+        <p:nvSpPr>
+          <p:cNvPr id="4" name="Content Placeholder 3">
+            <a:extLst>
+              <a:ext uri="{FF2B5EF4-FFF2-40B4-BE49-F238E27FC236}">
+                <a16:creationId xmlns:a16="http://schemas.microsoft.com/office/drawing/2014/main" id="{270D31DA-01D2-223C-A945-57B5F8B5C09D}"/>
+              </a:ext>
+            </a:extLst>
+          </p:cNvPr>
+          <p:cNvSpPr>
+            <a:spLocks noGrp="1"/>
+          </p:cNvSpPr>
+          <p:nvPr>
+            <p:ph sz="quarter" idx="15"/>
+          </p:nvPr>
+        </p:nvSpPr>
+        <p:spPr>
+          <a:xfrm>
+            <a:off x="274320" y="819150"/>
+            <a:ext cx="8412480" cy="3891922"/>
+          </a:xfrm>
+        </p:spPr>
+        <p:txBody>
+          <a:bodyPr/>
+          <a:lstStyle/>
+          <a:p>
+            <a:r>
+              <a:rPr lang="en-US" dirty="0"/>
+              <a:t>Did the data uncover any answers to our initial research questions?</a:t>
+            </a:r>
+            <a:endParaRPr lang="en-AU" dirty="0"/>
+          </a:p>
+          <a:p>
+            <a:endParaRPr lang="en-AU" dirty="0"/>
+          </a:p>
+          <a:p>
+            <a:r>
+              <a:rPr lang="en-AU" dirty="0"/>
+              <a:t>We conclude:</a:t>
+            </a:r>
+          </a:p>
+          <a:p>
+            <a:pPr marL="285750" indent="-285750">
+              <a:buFont typeface="Arial" panose="020B0604020202020204" pitchFamily="34" charset="0"/>
+              <a:buChar char="•"/>
+            </a:pPr>
+            <a:r>
+              <a:rPr lang="en-AU" dirty="0"/>
+              <a:t>Acclaimed employers are established, longstanding companies, scoring well on multiple surveys</a:t>
+            </a:r>
+          </a:p>
+          <a:p>
+            <a:pPr marL="285750" indent="-285750">
+              <a:buFont typeface="Arial" panose="020B0604020202020204" pitchFamily="34" charset="0"/>
+              <a:buChar char="•"/>
+            </a:pPr>
+            <a:r>
+              <a:rPr lang="en-AU" dirty="0"/>
+              <a:t>Tend to have superior returns to sector peers</a:t>
+            </a:r>
+          </a:p>
+          <a:p>
+            <a:pPr marL="285750" indent="-285750">
+              <a:buFont typeface="Arial" panose="020B0604020202020204" pitchFamily="34" charset="0"/>
+              <a:buChar char="•"/>
+            </a:pPr>
+            <a:r>
+              <a:rPr lang="en-AU" dirty="0"/>
+              <a:t>No strong correlation with unionisation at country level</a:t>
+            </a:r>
+          </a:p>
+          <a:p>
+            <a:pPr marL="285750" indent="-285750">
+              <a:buFont typeface="Arial" panose="020B0604020202020204" pitchFamily="34" charset="0"/>
+              <a:buChar char="•"/>
+            </a:pPr>
+            <a:endParaRPr lang="en-AU" dirty="0"/>
+          </a:p>
+          <a:p>
+            <a:r>
+              <a:rPr lang="en-US" dirty="0"/>
+              <a:t>Further work:</a:t>
+            </a:r>
+          </a:p>
+          <a:p>
+            <a:pPr marL="285750" indent="-285750">
+              <a:buFont typeface="Arial" panose="020B0604020202020204" pitchFamily="34" charset="0"/>
+              <a:buChar char="•"/>
+            </a:pPr>
+            <a:r>
+              <a:rPr lang="en-AU" dirty="0"/>
+              <a:t>Cause and effect of performance v preferred employer status</a:t>
+            </a:r>
+          </a:p>
+          <a:p>
+            <a:pPr marL="285750" indent="-285750">
+              <a:buFont typeface="Arial" panose="020B0604020202020204" pitchFamily="34" charset="0"/>
+              <a:buChar char="•"/>
+            </a:pPr>
+            <a:r>
+              <a:rPr lang="en-AU" dirty="0"/>
+              <a:t>Investigate common root causes – superior leadership, strategic direction, high brand recognition/value </a:t>
+            </a:r>
+          </a:p>
+          <a:p>
+            <a:pPr marL="285750" indent="-285750">
+              <a:buFont typeface="Arial" panose="020B0604020202020204" pitchFamily="34" charset="0"/>
+              <a:buChar char="•"/>
+            </a:pPr>
+            <a:r>
+              <a:rPr lang="en-AU" dirty="0"/>
+              <a:t>Statistical analysis – significant differences</a:t>
+            </a:r>
+          </a:p>
+          <a:p>
+            <a:pPr marL="285750" indent="-285750">
+              <a:buFont typeface="Arial" panose="020B0604020202020204" pitchFamily="34" charset="0"/>
+              <a:buChar char="•"/>
+            </a:pPr>
+            <a:r>
+              <a:rPr lang="en-AU" dirty="0"/>
+              <a:t>More demographic factors and response breakdown at country level </a:t>
+            </a:r>
+          </a:p>
+          <a:p>
+            <a:pPr marL="285750" indent="-285750">
+              <a:buFont typeface="Arial" panose="020B0604020202020204" pitchFamily="34" charset="0"/>
+              <a:buChar char="•"/>
+            </a:pPr>
+            <a:endParaRPr lang="en-AU" dirty="0"/>
+          </a:p>
+          <a:p>
+            <a:pPr marL="285750" indent="-285750">
+              <a:buFont typeface="Arial" panose="020B0604020202020204" pitchFamily="34" charset="0"/>
+              <a:buChar char="•"/>
+            </a:pPr>
+            <a:endParaRPr lang="en-AU" dirty="0"/>
+          </a:p>
+          <a:p>
+            <a:pPr marL="285750" indent="-285750">
+              <a:buFont typeface="Arial" panose="020B0604020202020204" pitchFamily="34" charset="0"/>
+              <a:buChar char="•"/>
+            </a:pPr>
+            <a:endParaRPr lang="en-AU" dirty="0"/>
+          </a:p>
+        </p:txBody>
+      </p:sp>
+    </p:spTree>
+    <p:extLst>
+      <p:ext uri="{BB962C8B-B14F-4D97-AF65-F5344CB8AC3E}">
+        <p14:creationId xmlns:p14="http://schemas.microsoft.com/office/powerpoint/2010/main" val="3549187172"/>
+      </p:ext>
+    </p:extLst>
+  </p:cSld>
+  <p:clrMapOvr>
+    <a:masterClrMapping/>
+  </p:clrMapOvr>
+</p:sld>
+</file>
+
 <file path=ppt/slides/slide2.xml><?xml version="1.0" encoding="utf-8"?>
 <p:sld xmlns:a="http://schemas.openxmlformats.org/drawingml/2006/main" xmlns:r="http://schemas.openxmlformats.org/officeDocument/2006/relationships" xmlns:p="http://schemas.openxmlformats.org/presentationml/2006/main">
   <p:cSld>
@@ -7947,241 +7667,6 @@
     <p:extLst>
       <p:ext uri="{BB962C8B-B14F-4D97-AF65-F5344CB8AC3E}">
         <p14:creationId xmlns:p14="http://schemas.microsoft.com/office/powerpoint/2010/main" val="3097526141"/>
-      </p:ext>
-    </p:extLst>
-  </p:cSld>
-  <p:clrMapOvr>
-    <a:masterClrMapping/>
-  </p:clrMapOvr>
-</p:sld>
-</file>
-
-<file path=ppt/slides/slide20.xml><?xml version="1.0" encoding="utf-8"?>
-<p:sld xmlns:a="http://schemas.openxmlformats.org/drawingml/2006/main" xmlns:r="http://schemas.openxmlformats.org/officeDocument/2006/relationships" xmlns:p="http://schemas.openxmlformats.org/presentationml/2006/main">
-  <p:cSld>
-    <p:spTree>
-      <p:nvGrpSpPr>
-        <p:cNvPr id="1" name=""/>
-        <p:cNvGrpSpPr/>
-        <p:nvPr/>
-      </p:nvGrpSpPr>
-      <p:grpSpPr>
-        <a:xfrm>
-          <a:off x="0" y="0"/>
-          <a:ext cx="0" cy="0"/>
-          <a:chOff x="0" y="0"/>
-          <a:chExt cx="0" cy="0"/>
-        </a:xfrm>
-      </p:grpSpPr>
-      <p:sp>
-        <p:nvSpPr>
-          <p:cNvPr id="2" name="Title 1">
-            <a:extLst>
-              <a:ext uri="{FF2B5EF4-FFF2-40B4-BE49-F238E27FC236}">
-                <a16:creationId xmlns:a16="http://schemas.microsoft.com/office/drawing/2014/main" id="{05FE03FE-07FA-7C03-D6E5-555C2B2EE4E7}"/>
-              </a:ext>
-            </a:extLst>
-          </p:cNvPr>
-          <p:cNvSpPr>
-            <a:spLocks noGrp="1"/>
-          </p:cNvSpPr>
-          <p:nvPr>
-            <p:ph type="title"/>
-          </p:nvPr>
-        </p:nvSpPr>
-        <p:spPr/>
-        <p:txBody>
-          <a:bodyPr/>
-          <a:lstStyle/>
-          <a:p>
-            <a:r>
-              <a:rPr lang="en-AU" dirty="0"/>
-              <a:t>Conclusions</a:t>
-            </a:r>
-          </a:p>
-        </p:txBody>
-      </p:sp>
-      <p:sp>
-        <p:nvSpPr>
-          <p:cNvPr id="3" name="Slide Number Placeholder 2">
-            <a:extLst>
-              <a:ext uri="{FF2B5EF4-FFF2-40B4-BE49-F238E27FC236}">
-                <a16:creationId xmlns:a16="http://schemas.microsoft.com/office/drawing/2014/main" id="{85EAAE81-F38C-3A23-CAF5-7C71EE9F84CA}"/>
-              </a:ext>
-            </a:extLst>
-          </p:cNvPr>
-          <p:cNvSpPr>
-            <a:spLocks noGrp="1"/>
-          </p:cNvSpPr>
-          <p:nvPr>
-            <p:ph type="sldNum" sz="quarter" idx="4"/>
-          </p:nvPr>
-        </p:nvSpPr>
-        <p:spPr/>
-        <p:txBody>
-          <a:bodyPr/>
-          <a:lstStyle/>
-          <a:p>
-            <a:fld id="{454586D2-FC10-4911-B5CA-CBCADE2DC1FC}" type="slidenum">
-              <a:rPr lang="en-AU" smtClean="0"/>
-              <a:pPr/>
-              <a:t>20</a:t>
-            </a:fld>
-            <a:endParaRPr lang="en-AU" dirty="0"/>
-          </a:p>
-        </p:txBody>
-      </p:sp>
-      <p:sp>
-        <p:nvSpPr>
-          <p:cNvPr id="4" name="Content Placeholder 3">
-            <a:extLst>
-              <a:ext uri="{FF2B5EF4-FFF2-40B4-BE49-F238E27FC236}">
-                <a16:creationId xmlns:a16="http://schemas.microsoft.com/office/drawing/2014/main" id="{270D31DA-01D2-223C-A945-57B5F8B5C09D}"/>
-              </a:ext>
-            </a:extLst>
-          </p:cNvPr>
-          <p:cNvSpPr>
-            <a:spLocks noGrp="1"/>
-          </p:cNvSpPr>
-          <p:nvPr>
-            <p:ph sz="quarter" idx="15"/>
-          </p:nvPr>
-        </p:nvSpPr>
-        <p:spPr>
-          <a:xfrm>
-            <a:off x="274320" y="819150"/>
-            <a:ext cx="8412480" cy="3891922"/>
-          </a:xfrm>
-        </p:spPr>
-        <p:txBody>
-          <a:bodyPr/>
-          <a:lstStyle/>
-          <a:p>
-            <a:r>
-              <a:rPr lang="en-US" dirty="0"/>
-              <a:t>Did the data uncover any answers to our initial research questions?</a:t>
-            </a:r>
-            <a:endParaRPr lang="en-AU" dirty="0"/>
-          </a:p>
-          <a:p>
-            <a:endParaRPr lang="en-AU" dirty="0"/>
-          </a:p>
-          <a:p>
-            <a:r>
-              <a:rPr lang="en-AU" dirty="0"/>
-              <a:t>We conclude:</a:t>
-            </a:r>
-          </a:p>
-          <a:p>
-            <a:pPr marL="285750" indent="-285750">
-              <a:buFont typeface="Arial" panose="020B0604020202020204" pitchFamily="34" charset="0"/>
-              <a:buChar char="•"/>
-            </a:pPr>
-            <a:r>
-              <a:rPr lang="en-AU" dirty="0"/>
-              <a:t>Acclaimed employers are established, longstanding companies, scoring well on multiple surveys</a:t>
-            </a:r>
-          </a:p>
-          <a:p>
-            <a:pPr marL="285750" indent="-285750">
-              <a:buFont typeface="Arial" panose="020B0604020202020204" pitchFamily="34" charset="0"/>
-              <a:buChar char="•"/>
-            </a:pPr>
-            <a:r>
-              <a:rPr lang="en-AU" dirty="0"/>
-              <a:t>Tend to have superior returns to sector peers</a:t>
-            </a:r>
-          </a:p>
-          <a:p>
-            <a:pPr marL="285750" indent="-285750">
-              <a:buFont typeface="Arial" panose="020B0604020202020204" pitchFamily="34" charset="0"/>
-              <a:buChar char="•"/>
-            </a:pPr>
-            <a:r>
-              <a:rPr lang="en-AU" dirty="0"/>
-              <a:t>No strong correlation with unionisation at country level</a:t>
-            </a:r>
-          </a:p>
-          <a:p>
-            <a:pPr marL="285750" indent="-285750">
-              <a:buFont typeface="Arial" panose="020B0604020202020204" pitchFamily="34" charset="0"/>
-              <a:buChar char="•"/>
-            </a:pPr>
-            <a:endParaRPr lang="en-AU" dirty="0"/>
-          </a:p>
-          <a:p>
-            <a:r>
-              <a:rPr lang="en-US" dirty="0"/>
-              <a:t>Further work:</a:t>
-            </a:r>
-          </a:p>
-          <a:p>
-            <a:pPr marL="285750" indent="-285750">
-              <a:buFont typeface="Arial" panose="020B0604020202020204" pitchFamily="34" charset="0"/>
-              <a:buChar char="•"/>
-            </a:pPr>
-            <a:r>
-              <a:rPr lang="en-AU" dirty="0"/>
-              <a:t>Cause and effect of performance v preferred employer status</a:t>
-            </a:r>
-          </a:p>
-          <a:p>
-            <a:pPr marL="285750" indent="-285750">
-              <a:buFont typeface="Arial" panose="020B0604020202020204" pitchFamily="34" charset="0"/>
-              <a:buChar char="•"/>
-            </a:pPr>
-            <a:r>
-              <a:rPr lang="en-AU" dirty="0"/>
-              <a:t>Investigate common root causes – superior leadership, strategic direction, high brand recognition/value </a:t>
-            </a:r>
-          </a:p>
-          <a:p>
-            <a:pPr marL="285750" indent="-285750">
-              <a:buFont typeface="Arial" panose="020B0604020202020204" pitchFamily="34" charset="0"/>
-              <a:buChar char="•"/>
-            </a:pPr>
-            <a:r>
-              <a:rPr lang="en-AU" dirty="0"/>
-              <a:t>Statistical analysis – significant differences</a:t>
-            </a:r>
-          </a:p>
-          <a:p>
-            <a:pPr marL="285750" indent="-285750">
-              <a:buFont typeface="Arial" panose="020B0604020202020204" pitchFamily="34" charset="0"/>
-              <a:buChar char="•"/>
-            </a:pPr>
-            <a:r>
-              <a:rPr lang="en-AU" dirty="0"/>
-              <a:t>More demographic factors and response breakdown at country level </a:t>
-            </a:r>
-          </a:p>
-          <a:p>
-            <a:pPr marL="285750" indent="-285750">
-              <a:buFont typeface="Arial" panose="020B0604020202020204" pitchFamily="34" charset="0"/>
-              <a:buChar char="•"/>
-            </a:pPr>
-            <a:endParaRPr lang="en-AU" dirty="0"/>
-          </a:p>
-          <a:p>
-            <a:pPr marL="285750" indent="-285750">
-              <a:buFont typeface="Arial" panose="020B0604020202020204" pitchFamily="34" charset="0"/>
-              <a:buChar char="•"/>
-            </a:pPr>
-            <a:endParaRPr lang="en-AU" dirty="0"/>
-          </a:p>
-          <a:p>
-            <a:pPr marL="285750" indent="-285750">
-              <a:buFont typeface="Arial" panose="020B0604020202020204" pitchFamily="34" charset="0"/>
-              <a:buChar char="•"/>
-            </a:pPr>
-            <a:endParaRPr lang="en-AU" dirty="0"/>
-          </a:p>
-        </p:txBody>
-      </p:sp>
-    </p:spTree>
-    <p:extLst>
-      <p:ext uri="{BB962C8B-B14F-4D97-AF65-F5344CB8AC3E}">
-        <p14:creationId xmlns:p14="http://schemas.microsoft.com/office/powerpoint/2010/main" val="3549187172"/>
       </p:ext>
     </p:extLst>
   </p:cSld>
@@ -9172,7 +8657,7 @@
           <p:cNvPr id="2" name="Title 1">
             <a:extLst>
               <a:ext uri="{FF2B5EF4-FFF2-40B4-BE49-F238E27FC236}">
-                <a16:creationId xmlns:a16="http://schemas.microsoft.com/office/drawing/2014/main" id="{86EC6851-090E-F639-3C13-756323298A23}"/>
+                <a16:creationId xmlns:a16="http://schemas.microsoft.com/office/drawing/2014/main" id="{DE82A113-E21F-F8AE-4EBF-5441BE1B152A}"/>
               </a:ext>
             </a:extLst>
           </p:cNvPr>
@@ -9200,7 +8685,7 @@
           <p:cNvPr id="3" name="Slide Number Placeholder 2">
             <a:extLst>
               <a:ext uri="{FF2B5EF4-FFF2-40B4-BE49-F238E27FC236}">
-                <a16:creationId xmlns:a16="http://schemas.microsoft.com/office/drawing/2014/main" id="{83945B83-DD6C-E545-6E71-B392B1B74713}"/>
+                <a16:creationId xmlns:a16="http://schemas.microsoft.com/office/drawing/2014/main" id="{3F29E578-C8E8-5B16-4DD1-DC17310C05B5}"/>
               </a:ext>
             </a:extLst>
           </p:cNvPr>
@@ -9220,159 +8705,6 @@
               <a:rPr lang="en-AU" smtClean="0"/>
               <a:pPr/>
               <a:t>7</a:t>
-            </a:fld>
-            <a:endParaRPr lang="en-AU" dirty="0"/>
-          </a:p>
-        </p:txBody>
-      </p:sp>
-      <p:sp>
-        <p:nvSpPr>
-          <p:cNvPr id="13" name="Content Placeholder 12">
-            <a:extLst>
-              <a:ext uri="{FF2B5EF4-FFF2-40B4-BE49-F238E27FC236}">
-                <a16:creationId xmlns:a16="http://schemas.microsoft.com/office/drawing/2014/main" id="{4C465C02-5156-6D7F-7ACD-719EA0308090}"/>
-              </a:ext>
-            </a:extLst>
-          </p:cNvPr>
-          <p:cNvSpPr txBox="1">
-            <a:spLocks noGrp="1"/>
-          </p:cNvSpPr>
-          <p:nvPr>
-            <p:ph sz="quarter" idx="15"/>
-          </p:nvPr>
-        </p:nvSpPr>
-        <p:spPr>
-          <a:xfrm>
-            <a:off x="304800" y="1657350"/>
-            <a:ext cx="8056563" cy="303481"/>
-          </a:xfrm>
-          <a:prstGeom prst="rect">
-            <a:avLst/>
-          </a:prstGeom>
-          <a:noFill/>
-        </p:spPr>
-        <p:txBody>
-          <a:bodyPr wrap="square" rtlCol="0">
-            <a:spAutoFit/>
-          </a:bodyPr>
-          <a:lstStyle/>
-          <a:p>
-            <a:endParaRPr lang="en-AU" dirty="0"/>
-          </a:p>
-        </p:txBody>
-      </p:sp>
-      <p:pic>
-        <p:nvPicPr>
-          <p:cNvPr id="18" name="Picture 17">
-            <a:extLst>
-              <a:ext uri="{FF2B5EF4-FFF2-40B4-BE49-F238E27FC236}">
-                <a16:creationId xmlns:a16="http://schemas.microsoft.com/office/drawing/2014/main" id="{A3EC46CB-9F9D-7BD7-43D7-E5770C0875D0}"/>
-              </a:ext>
-            </a:extLst>
-          </p:cNvPr>
-          <p:cNvPicPr>
-            <a:picLocks noChangeAspect="1"/>
-          </p:cNvPicPr>
-          <p:nvPr/>
-        </p:nvPicPr>
-        <p:blipFill rotWithShape="1">
-          <a:blip r:embed="rId3"/>
-          <a:srcRect b="2325"/>
-          <a:stretch/>
-        </p:blipFill>
-        <p:spPr>
-          <a:xfrm>
-            <a:off x="244610" y="1043468"/>
-            <a:ext cx="8654779" cy="3505200"/>
-          </a:xfrm>
-          <a:prstGeom prst="rect">
-            <a:avLst/>
-          </a:prstGeom>
-        </p:spPr>
-      </p:pic>
-    </p:spTree>
-    <p:extLst>
-      <p:ext uri="{BB962C8B-B14F-4D97-AF65-F5344CB8AC3E}">
-        <p14:creationId xmlns:p14="http://schemas.microsoft.com/office/powerpoint/2010/main" val="2050227451"/>
-      </p:ext>
-    </p:extLst>
-  </p:cSld>
-  <p:clrMapOvr>
-    <a:masterClrMapping/>
-  </p:clrMapOvr>
-</p:sld>
-</file>
-
-<file path=ppt/slides/slide8.xml><?xml version="1.0" encoding="utf-8"?>
-<p:sld xmlns:a="http://schemas.openxmlformats.org/drawingml/2006/main" xmlns:r="http://schemas.openxmlformats.org/officeDocument/2006/relationships" xmlns:p="http://schemas.openxmlformats.org/presentationml/2006/main">
-  <p:cSld>
-    <p:spTree>
-      <p:nvGrpSpPr>
-        <p:cNvPr id="1" name=""/>
-        <p:cNvGrpSpPr/>
-        <p:nvPr/>
-      </p:nvGrpSpPr>
-      <p:grpSpPr>
-        <a:xfrm>
-          <a:off x="0" y="0"/>
-          <a:ext cx="0" cy="0"/>
-          <a:chOff x="0" y="0"/>
-          <a:chExt cx="0" cy="0"/>
-        </a:xfrm>
-      </p:grpSpPr>
-      <p:sp>
-        <p:nvSpPr>
-          <p:cNvPr id="2" name="Title 1">
-            <a:extLst>
-              <a:ext uri="{FF2B5EF4-FFF2-40B4-BE49-F238E27FC236}">
-                <a16:creationId xmlns:a16="http://schemas.microsoft.com/office/drawing/2014/main" id="{DE82A113-E21F-F8AE-4EBF-5441BE1B152A}"/>
-              </a:ext>
-            </a:extLst>
-          </p:cNvPr>
-          <p:cNvSpPr>
-            <a:spLocks noGrp="1"/>
-          </p:cNvSpPr>
-          <p:nvPr>
-            <p:ph type="title"/>
-          </p:nvPr>
-        </p:nvSpPr>
-        <p:spPr/>
-        <p:txBody>
-          <a:bodyPr/>
-          <a:lstStyle/>
-          <a:p>
-            <a:r>
-              <a:rPr lang="en-AU" dirty="0"/>
-              <a:t>Preliminary Analysis – Forbes Ranking vs Glassdoor Ratings </a:t>
-            </a:r>
-          </a:p>
-        </p:txBody>
-      </p:sp>
-      <p:sp>
-        <p:nvSpPr>
-          <p:cNvPr id="3" name="Slide Number Placeholder 2">
-            <a:extLst>
-              <a:ext uri="{FF2B5EF4-FFF2-40B4-BE49-F238E27FC236}">
-                <a16:creationId xmlns:a16="http://schemas.microsoft.com/office/drawing/2014/main" id="{3F29E578-C8E8-5B16-4DD1-DC17310C05B5}"/>
-              </a:ext>
-            </a:extLst>
-          </p:cNvPr>
-          <p:cNvSpPr>
-            <a:spLocks noGrp="1"/>
-          </p:cNvSpPr>
-          <p:nvPr>
-            <p:ph type="sldNum" sz="quarter" idx="4"/>
-          </p:nvPr>
-        </p:nvSpPr>
-        <p:spPr/>
-        <p:txBody>
-          <a:bodyPr/>
-          <a:lstStyle/>
-          <a:p>
-            <a:fld id="{454586D2-FC10-4911-B5CA-CBCADE2DC1FC}" type="slidenum">
-              <a:rPr lang="en-AU" smtClean="0"/>
-              <a:pPr/>
-              <a:t>8</a:t>
             </a:fld>
             <a:endParaRPr lang="en-AU" dirty="0"/>
           </a:p>
@@ -9483,6 +8815,153 @@
 </p:sld>
 </file>
 
+<file path=ppt/slides/slide8.xml><?xml version="1.0" encoding="utf-8"?>
+<p:sld xmlns:a="http://schemas.openxmlformats.org/drawingml/2006/main" xmlns:r="http://schemas.openxmlformats.org/officeDocument/2006/relationships" xmlns:p="http://schemas.openxmlformats.org/presentationml/2006/main">
+  <p:cSld>
+    <p:spTree>
+      <p:nvGrpSpPr>
+        <p:cNvPr id="1" name=""/>
+        <p:cNvGrpSpPr/>
+        <p:nvPr/>
+      </p:nvGrpSpPr>
+      <p:grpSpPr>
+        <a:xfrm>
+          <a:off x="0" y="0"/>
+          <a:ext cx="0" cy="0"/>
+          <a:chOff x="0" y="0"/>
+          <a:chExt cx="0" cy="0"/>
+        </a:xfrm>
+      </p:grpSpPr>
+      <p:sp>
+        <p:nvSpPr>
+          <p:cNvPr id="2" name="Title 1">
+            <a:extLst>
+              <a:ext uri="{FF2B5EF4-FFF2-40B4-BE49-F238E27FC236}">
+                <a16:creationId xmlns:a16="http://schemas.microsoft.com/office/drawing/2014/main" id="{FA37684C-6D82-F0C5-040E-57E7EC8E395A}"/>
+              </a:ext>
+            </a:extLst>
+          </p:cNvPr>
+          <p:cNvSpPr>
+            <a:spLocks noGrp="1"/>
+          </p:cNvSpPr>
+          <p:nvPr>
+            <p:ph type="title"/>
+          </p:nvPr>
+        </p:nvSpPr>
+        <p:spPr/>
+        <p:txBody>
+          <a:bodyPr/>
+          <a:lstStyle/>
+          <a:p>
+            <a:r>
+              <a:rPr lang="en-AU" dirty="0"/>
+              <a:t>Preliminary Analysis – Forbes Ranking vs Glassdoor Ratings </a:t>
+            </a:r>
+          </a:p>
+        </p:txBody>
+      </p:sp>
+      <p:sp>
+        <p:nvSpPr>
+          <p:cNvPr id="3" name="Slide Number Placeholder 2">
+            <a:extLst>
+              <a:ext uri="{FF2B5EF4-FFF2-40B4-BE49-F238E27FC236}">
+                <a16:creationId xmlns:a16="http://schemas.microsoft.com/office/drawing/2014/main" id="{CB54859E-9D43-B0AD-CDCC-5038BFA236A0}"/>
+              </a:ext>
+            </a:extLst>
+          </p:cNvPr>
+          <p:cNvSpPr>
+            <a:spLocks noGrp="1"/>
+          </p:cNvSpPr>
+          <p:nvPr>
+            <p:ph type="sldNum" sz="quarter" idx="4"/>
+          </p:nvPr>
+        </p:nvSpPr>
+        <p:spPr/>
+        <p:txBody>
+          <a:bodyPr/>
+          <a:lstStyle/>
+          <a:p>
+            <a:fld id="{454586D2-FC10-4911-B5CA-CBCADE2DC1FC}" type="slidenum">
+              <a:rPr lang="en-AU" smtClean="0"/>
+              <a:pPr/>
+              <a:t>8</a:t>
+            </a:fld>
+            <a:endParaRPr lang="en-AU" dirty="0"/>
+          </a:p>
+        </p:txBody>
+      </p:sp>
+      <p:pic>
+        <p:nvPicPr>
+          <p:cNvPr id="18" name="Content Placeholder 17">
+            <a:extLst>
+              <a:ext uri="{FF2B5EF4-FFF2-40B4-BE49-F238E27FC236}">
+                <a16:creationId xmlns:a16="http://schemas.microsoft.com/office/drawing/2014/main" id="{C26E2B7E-219D-C3C0-BFF6-482A42BDA25A}"/>
+              </a:ext>
+            </a:extLst>
+          </p:cNvPr>
+          <p:cNvPicPr>
+            <a:picLocks noGrp="1" noChangeAspect="1"/>
+          </p:cNvPicPr>
+          <p:nvPr>
+            <p:ph sz="quarter" idx="15"/>
+          </p:nvPr>
+        </p:nvPicPr>
+        <p:blipFill>
+          <a:blip r:embed="rId2"/>
+          <a:stretch>
+            <a:fillRect/>
+          </a:stretch>
+        </p:blipFill>
+        <p:spPr>
+          <a:xfrm>
+            <a:off x="152400" y="742950"/>
+            <a:ext cx="3924848" cy="2657846"/>
+          </a:xfrm>
+        </p:spPr>
+      </p:pic>
+      <p:pic>
+        <p:nvPicPr>
+          <p:cNvPr id="20" name="Picture 19">
+            <a:extLst>
+              <a:ext uri="{FF2B5EF4-FFF2-40B4-BE49-F238E27FC236}">
+                <a16:creationId xmlns:a16="http://schemas.microsoft.com/office/drawing/2014/main" id="{4380F3D7-6DF4-45D8-CFE7-E76D7D15D991}"/>
+              </a:ext>
+            </a:extLst>
+          </p:cNvPr>
+          <p:cNvPicPr>
+            <a:picLocks noChangeAspect="1"/>
+          </p:cNvPicPr>
+          <p:nvPr/>
+        </p:nvPicPr>
+        <p:blipFill>
+          <a:blip r:embed="rId3"/>
+          <a:stretch>
+            <a:fillRect/>
+          </a:stretch>
+        </p:blipFill>
+        <p:spPr>
+          <a:xfrm>
+            <a:off x="4572000" y="1885950"/>
+            <a:ext cx="3896269" cy="2800741"/>
+          </a:xfrm>
+          <a:prstGeom prst="rect">
+            <a:avLst/>
+          </a:prstGeom>
+        </p:spPr>
+      </p:pic>
+    </p:spTree>
+    <p:extLst>
+      <p:ext uri="{BB962C8B-B14F-4D97-AF65-F5344CB8AC3E}">
+        <p14:creationId xmlns:p14="http://schemas.microsoft.com/office/powerpoint/2010/main" val="2664002550"/>
+      </p:ext>
+    </p:extLst>
+  </p:cSld>
+  <p:clrMapOvr>
+    <a:masterClrMapping/>
+  </p:clrMapOvr>
+</p:sld>
+</file>
+
 <file path=ppt/slides/slide9.xml><?xml version="1.0" encoding="utf-8"?>
 <p:sld xmlns:a="http://schemas.openxmlformats.org/drawingml/2006/main" xmlns:r="http://schemas.openxmlformats.org/officeDocument/2006/relationships" xmlns:p="http://schemas.openxmlformats.org/presentationml/2006/main">
   <p:cSld>
@@ -9505,7 +8984,7 @@
           <p:cNvPr id="2" name="Title 1">
             <a:extLst>
               <a:ext uri="{FF2B5EF4-FFF2-40B4-BE49-F238E27FC236}">
-                <a16:creationId xmlns:a16="http://schemas.microsoft.com/office/drawing/2014/main" id="{BC085698-8EC8-6E55-3571-A0A84C3FFF3C}"/>
+                <a16:creationId xmlns:a16="http://schemas.microsoft.com/office/drawing/2014/main" id="{34FB3A1B-C244-4590-DA7E-2448C607EAA4}"/>
               </a:ext>
             </a:extLst>
           </p:cNvPr>
@@ -9516,24 +8995,29 @@
             <p:ph type="title"/>
           </p:nvPr>
         </p:nvSpPr>
-        <p:spPr/>
+        <p:spPr>
+          <a:xfrm>
+            <a:off x="304800" y="224261"/>
+            <a:ext cx="8636104" cy="351056"/>
+          </a:xfrm>
+        </p:spPr>
         <p:txBody>
           <a:bodyPr/>
           <a:lstStyle/>
           <a:p>
             <a:r>
               <a:rPr lang="en-AU" dirty="0"/>
-              <a:t>Preliminary Analysis – Forbes Ranking vs Glassdoor Ratings </a:t>
-            </a:r>
-          </a:p>
-        </p:txBody>
-      </p:sp>
-      <p:sp>
-        <p:nvSpPr>
-          <p:cNvPr id="3" name="Slide Number Placeholder 2">
+              <a:t>Are good employers good companies? – Look within Top 100</a:t>
+            </a:r>
+          </a:p>
+        </p:txBody>
+      </p:sp>
+      <p:sp>
+        <p:nvSpPr>
+          <p:cNvPr id="3" name="Content Placeholder 2">
             <a:extLst>
               <a:ext uri="{FF2B5EF4-FFF2-40B4-BE49-F238E27FC236}">
-                <a16:creationId xmlns:a16="http://schemas.microsoft.com/office/drawing/2014/main" id="{D4578539-64A4-05A0-7335-33403545113B}"/>
+                <a16:creationId xmlns:a16="http://schemas.microsoft.com/office/drawing/2014/main" id="{7011FF0D-23C9-C092-C6FB-006D5A703A81}"/>
               </a:ext>
             </a:extLst>
           </p:cNvPr>
@@ -9541,10 +9025,163 @@
             <a:spLocks noGrp="1"/>
           </p:cNvSpPr>
           <p:nvPr>
+            <p:ph sz="quarter" idx="15"/>
+          </p:nvPr>
+        </p:nvSpPr>
+        <p:spPr/>
+        <p:txBody>
+          <a:bodyPr/>
+          <a:lstStyle/>
+          <a:p>
+            <a:pPr marL="0" marR="0" lvl="0" indent="0" algn="l" defTabSz="914400" rtl="0" eaLnBrk="1" fontAlgn="auto" latinLnBrk="0" hangingPunct="1">
+              <a:lnSpc>
+                <a:spcPct val="100000"/>
+              </a:lnSpc>
+              <a:spcBef>
+                <a:spcPts val="0"/>
+              </a:spcBef>
+              <a:spcAft>
+                <a:spcPts val="0"/>
+              </a:spcAft>
+              <a:buClrTx/>
+              <a:buSzTx/>
+              <a:buFontTx/>
+              <a:buNone/>
+              <a:tabLst/>
+              <a:defRPr/>
+            </a:pPr>
+            <a:r>
+              <a:rPr lang="en-US" b="0" dirty="0"/>
+              <a:t>Source : Yahoo Finance data feed</a:t>
+            </a:r>
+          </a:p>
+          <a:p>
+            <a:pPr marL="0" marR="0" lvl="0" indent="0" algn="l" defTabSz="914400" rtl="0" eaLnBrk="1" fontAlgn="auto" latinLnBrk="0" hangingPunct="1">
+              <a:lnSpc>
+                <a:spcPct val="100000"/>
+              </a:lnSpc>
+              <a:spcBef>
+                <a:spcPts val="0"/>
+              </a:spcBef>
+              <a:spcAft>
+                <a:spcPts val="0"/>
+              </a:spcAft>
+              <a:buClrTx/>
+              <a:buSzTx/>
+              <a:buFontTx/>
+              <a:buNone/>
+              <a:tabLst/>
+              <a:defRPr/>
+            </a:pPr>
+            <a:endParaRPr lang="en-US" dirty="0"/>
+          </a:p>
+          <a:p>
+            <a:pPr marL="0" marR="0" lvl="0" indent="0" algn="l" defTabSz="914400" rtl="0" eaLnBrk="1" fontAlgn="auto" latinLnBrk="0" hangingPunct="1">
+              <a:lnSpc>
+                <a:spcPct val="100000"/>
+              </a:lnSpc>
+              <a:spcBef>
+                <a:spcPts val="0"/>
+              </a:spcBef>
+              <a:spcAft>
+                <a:spcPts val="0"/>
+              </a:spcAft>
+              <a:buClrTx/>
+              <a:buSzTx/>
+              <a:buFontTx/>
+              <a:buNone/>
+              <a:tabLst/>
+              <a:defRPr/>
+            </a:pPr>
+            <a:r>
+              <a:rPr lang="en-US" b="0" dirty="0"/>
+              <a:t>Approach: Bring in finance data via the ticker code to see whether success as an acclaimed employer converts to financial performance.</a:t>
+            </a:r>
+          </a:p>
+          <a:p>
+            <a:pPr marL="0" marR="0" lvl="0" indent="0" algn="l" defTabSz="914400" rtl="0" eaLnBrk="1" fontAlgn="auto" latinLnBrk="0" hangingPunct="1">
+              <a:lnSpc>
+                <a:spcPct val="100000"/>
+              </a:lnSpc>
+              <a:spcBef>
+                <a:spcPts val="0"/>
+              </a:spcBef>
+              <a:spcAft>
+                <a:spcPts val="0"/>
+              </a:spcAft>
+              <a:buClrTx/>
+              <a:buSzTx/>
+              <a:buFontTx/>
+              <a:buNone/>
+              <a:tabLst/>
+              <a:defRPr/>
+            </a:pPr>
+            <a:endParaRPr lang="en-US" dirty="0"/>
+          </a:p>
+          <a:p>
+            <a:pPr marL="285750" marR="0" lvl="0" indent="-285750" algn="l" defTabSz="914400" rtl="0" eaLnBrk="1" fontAlgn="auto" latinLnBrk="0" hangingPunct="1">
+              <a:lnSpc>
+                <a:spcPct val="100000"/>
+              </a:lnSpc>
+              <a:spcBef>
+                <a:spcPts val="0"/>
+              </a:spcBef>
+              <a:spcAft>
+                <a:spcPts val="0"/>
+              </a:spcAft>
+              <a:buClrTx/>
+              <a:buSzTx/>
+              <a:buFont typeface="Arial" panose="020B0604020202020204" pitchFamily="34" charset="0"/>
+              <a:buChar char="•"/>
+              <a:tabLst/>
+              <a:defRPr/>
+            </a:pPr>
+            <a:endParaRPr lang="en-US" b="0" dirty="0"/>
+          </a:p>
+          <a:p>
+            <a:pPr marL="285750" marR="0" lvl="0" indent="-285750" algn="l" defTabSz="914400" rtl="0" eaLnBrk="1" fontAlgn="auto" latinLnBrk="0" hangingPunct="1">
+              <a:lnSpc>
+                <a:spcPct val="100000"/>
+              </a:lnSpc>
+              <a:spcBef>
+                <a:spcPts val="0"/>
+              </a:spcBef>
+              <a:spcAft>
+                <a:spcPts val="0"/>
+              </a:spcAft>
+              <a:buClrTx/>
+              <a:buSzTx/>
+              <a:buFont typeface="Arial" panose="020B0604020202020204" pitchFamily="34" charset="0"/>
+              <a:buChar char="•"/>
+              <a:tabLst/>
+              <a:defRPr/>
+            </a:pPr>
+            <a:endParaRPr lang="en-US" b="0" dirty="0"/>
+          </a:p>
+        </p:txBody>
+      </p:sp>
+      <p:sp>
+        <p:nvSpPr>
+          <p:cNvPr id="4" name="Slide Number Placeholder 3">
+            <a:extLst>
+              <a:ext uri="{FF2B5EF4-FFF2-40B4-BE49-F238E27FC236}">
+                <a16:creationId xmlns:a16="http://schemas.microsoft.com/office/drawing/2014/main" id="{8A6E1B47-09E8-4494-59A8-65DB94E69513}"/>
+              </a:ext>
+            </a:extLst>
+          </p:cNvPr>
+          <p:cNvSpPr>
+            <a:spLocks noGrp="1"/>
+          </p:cNvSpPr>
+          <p:nvPr>
             <p:ph type="sldNum" sz="quarter" idx="4"/>
           </p:nvPr>
         </p:nvSpPr>
-        <p:spPr/>
+        <p:spPr>
+          <a:xfrm>
+            <a:off x="8153400" y="4797425"/>
+            <a:ext cx="787504" cy="288925"/>
+          </a:xfrm>
+        </p:spPr>
         <p:txBody>
           <a:bodyPr/>
           <a:lstStyle/>
@@ -9560,75 +9197,10 @@
       </p:sp>
       <p:pic>
         <p:nvPicPr>
-          <p:cNvPr id="6" name="Content Placeholder 5">
+          <p:cNvPr id="8" name="Picture 7">
             <a:extLst>
               <a:ext uri="{FF2B5EF4-FFF2-40B4-BE49-F238E27FC236}">
-                <a16:creationId xmlns:a16="http://schemas.microsoft.com/office/drawing/2014/main" id="{597B5DC0-2AC5-3B61-FE8E-E2A679B06963}"/>
-              </a:ext>
-            </a:extLst>
-          </p:cNvPr>
-          <p:cNvPicPr>
-            <a:picLocks noGrp="1" noChangeAspect="1"/>
-          </p:cNvPicPr>
-          <p:nvPr>
-            <p:ph sz="quarter" idx="15"/>
-          </p:nvPr>
-        </p:nvPicPr>
-        <p:blipFill>
-          <a:blip r:embed="rId2"/>
-          <a:stretch>
-            <a:fillRect/>
-          </a:stretch>
-        </p:blipFill>
-        <p:spPr>
-          <a:xfrm>
-            <a:off x="281101" y="1279915"/>
-            <a:ext cx="4300345" cy="2662119"/>
-          </a:xfrm>
-        </p:spPr>
-      </p:pic>
-      <p:sp>
-        <p:nvSpPr>
-          <p:cNvPr id="7" name="TextBox 6">
-            <a:extLst>
-              <a:ext uri="{FF2B5EF4-FFF2-40B4-BE49-F238E27FC236}">
-                <a16:creationId xmlns:a16="http://schemas.microsoft.com/office/drawing/2014/main" id="{B8544F2B-3D5A-4CB2-A598-A70FC830BF24}"/>
-              </a:ext>
-            </a:extLst>
-          </p:cNvPr>
-          <p:cNvSpPr txBox="1"/>
-          <p:nvPr/>
-        </p:nvSpPr>
-        <p:spPr>
-          <a:xfrm>
-            <a:off x="299132" y="742950"/>
-            <a:ext cx="8094421" cy="369332"/>
-          </a:xfrm>
-          <a:prstGeom prst="rect">
-            <a:avLst/>
-          </a:prstGeom>
-          <a:noFill/>
-        </p:spPr>
-        <p:txBody>
-          <a:bodyPr wrap="square" rtlCol="0">
-            <a:spAutoFit/>
-          </a:bodyPr>
-          <a:lstStyle/>
-          <a:p>
-            <a:r>
-              <a:rPr lang="en-US" dirty="0"/>
-              <a:t> </a:t>
-            </a:r>
-            <a:endParaRPr lang="en-AU" dirty="0"/>
-          </a:p>
-        </p:txBody>
-      </p:sp>
-      <p:pic>
-        <p:nvPicPr>
-          <p:cNvPr id="9" name="Picture 8">
-            <a:extLst>
-              <a:ext uri="{FF2B5EF4-FFF2-40B4-BE49-F238E27FC236}">
-                <a16:creationId xmlns:a16="http://schemas.microsoft.com/office/drawing/2014/main" id="{445E89D1-9BCF-318D-1736-BC7389CA0B67}"/>
+                <a16:creationId xmlns:a16="http://schemas.microsoft.com/office/drawing/2014/main" id="{9BB8733A-1BCF-EC68-9D30-E5F88D1DC345}"/>
               </a:ext>
             </a:extLst>
           </p:cNvPr>
@@ -9638,15 +9210,21 @@
           <p:nvPr/>
         </p:nvPicPr>
         <p:blipFill>
-          <a:blip r:embed="rId3"/>
+          <a:blip r:embed="rId3">
+            <a:extLst>
+              <a:ext uri="{28A0092B-C50C-407E-A947-70E740481C1C}">
+                <a14:useLocalDpi xmlns:a14="http://schemas.microsoft.com/office/drawing/2010/main" val="0"/>
+              </a:ext>
+            </a:extLst>
+          </a:blip>
           <a:stretch>
             <a:fillRect/>
           </a:stretch>
         </p:blipFill>
         <p:spPr>
           <a:xfrm>
-            <a:off x="4844855" y="758183"/>
-            <a:ext cx="3702297" cy="4046012"/>
+            <a:off x="1676400" y="1788225"/>
+            <a:ext cx="5867400" cy="3009200"/>
           </a:xfrm>
           <a:prstGeom prst="rect">
             <a:avLst/>
@@ -9656,7 +9234,7 @@
     </p:spTree>
     <p:extLst>
       <p:ext uri="{BB962C8B-B14F-4D97-AF65-F5344CB8AC3E}">
-        <p14:creationId xmlns:p14="http://schemas.microsoft.com/office/powerpoint/2010/main" val="4094196653"/>
+        <p14:creationId xmlns:p14="http://schemas.microsoft.com/office/powerpoint/2010/main" val="3959464855"/>
       </p:ext>
     </p:extLst>
   </p:cSld>

--- a/Project presentation_deck.pptx
+++ b/Project presentation_deck.pptx
@@ -135,7 +135,7 @@
           <a:p>
             <a:fld id="{4826C7FF-12A9-4763-9657-1C9C35352C1C}" type="datetimeFigureOut">
               <a:rPr lang="en-AU" smtClean="0"/>
-              <a:t>17/01/2023</a:t>
+              <a:t>17/1/2023</a:t>
             </a:fld>
             <a:endParaRPr lang="en-AU"/>
           </a:p>
@@ -7026,6 +7026,9 @@
             <a:endParaRPr lang="en-AU" dirty="0"/>
           </a:p>
           <a:p>
+            <a:endParaRPr lang="en-AU" dirty="0"/>
+          </a:p>
+          <a:p>
             <a:pPr marL="285750" indent="-285750">
               <a:buFont typeface="Arial" panose="020B0604020202020204" pitchFamily="34" charset="0"/>
               <a:buChar char="•"/>
@@ -7048,9 +7051,6 @@
               <a:rPr lang="en-AU" dirty="0"/>
               <a:t>	Best Employer Rank is 0.14</a:t>
             </a:r>
-          </a:p>
-          <a:p>
-            <a:endParaRPr lang="en-AU" dirty="0"/>
           </a:p>
           <a:p>
             <a:endParaRPr lang="en-AU" dirty="0"/>
